--- a/base/static/imgs/logo_delta.pptx
+++ b/base/static/imgs/logo_delta.pptx
@@ -9,10 +9,15 @@
     <p:sldId id="262" r:id="rId3"/>
     <p:sldId id="266" r:id="rId4"/>
     <p:sldId id="263" r:id="rId5"/>
-    <p:sldId id="267" r:id="rId6"/>
-    <p:sldId id="265" r:id="rId7"/>
-    <p:sldId id="264" r:id="rId8"/>
-    <p:sldId id="261" r:id="rId9"/>
+    <p:sldId id="271" r:id="rId6"/>
+    <p:sldId id="272" r:id="rId7"/>
+    <p:sldId id="269" r:id="rId8"/>
+    <p:sldId id="270" r:id="rId9"/>
+    <p:sldId id="268" r:id="rId10"/>
+    <p:sldId id="267" r:id="rId11"/>
+    <p:sldId id="265" r:id="rId12"/>
+    <p:sldId id="264" r:id="rId13"/>
+    <p:sldId id="261" r:id="rId14"/>
   </p:sldIdLst>
   <p:sldSz cx="4319588" cy="4319588"/>
   <p:notesSz cx="6858000" cy="9144000"/>
@@ -250,7 +255,7 @@
           <a:p>
             <a:fld id="{9C042EA8-B778-4889-A57F-F4B58990052D}" type="datetimeFigureOut">
               <a:rPr lang="zh-CN" altLang="en-US" smtClean="0"/>
-              <a:t>2023/12/12</a:t>
+              <a:t>2023-12-12</a:t>
             </a:fld>
             <a:endParaRPr lang="zh-CN" altLang="en-US"/>
           </a:p>
@@ -436,7 +441,7 @@
           <a:p>
             <a:fld id="{9C042EA8-B778-4889-A57F-F4B58990052D}" type="datetimeFigureOut">
               <a:rPr lang="zh-CN" altLang="en-US" smtClean="0"/>
-              <a:t>2023/12/12</a:t>
+              <a:t>2023-12-12</a:t>
             </a:fld>
             <a:endParaRPr lang="zh-CN" altLang="en-US"/>
           </a:p>
@@ -616,7 +621,7 @@
           <a:p>
             <a:fld id="{9C042EA8-B778-4889-A57F-F4B58990052D}" type="datetimeFigureOut">
               <a:rPr lang="zh-CN" altLang="en-US" smtClean="0"/>
-              <a:t>2023/12/12</a:t>
+              <a:t>2023-12-12</a:t>
             </a:fld>
             <a:endParaRPr lang="zh-CN" altLang="en-US"/>
           </a:p>
@@ -786,7 +791,7 @@
           <a:p>
             <a:fld id="{9C042EA8-B778-4889-A57F-F4B58990052D}" type="datetimeFigureOut">
               <a:rPr lang="zh-CN" altLang="en-US" smtClean="0"/>
-              <a:t>2023/12/12</a:t>
+              <a:t>2023-12-12</a:t>
             </a:fld>
             <a:endParaRPr lang="zh-CN" altLang="en-US"/>
           </a:p>
@@ -1030,7 +1035,7 @@
           <a:p>
             <a:fld id="{9C042EA8-B778-4889-A57F-F4B58990052D}" type="datetimeFigureOut">
               <a:rPr lang="zh-CN" altLang="en-US" smtClean="0"/>
-              <a:t>2023/12/12</a:t>
+              <a:t>2023-12-12</a:t>
             </a:fld>
             <a:endParaRPr lang="zh-CN" altLang="en-US"/>
           </a:p>
@@ -1262,7 +1267,7 @@
           <a:p>
             <a:fld id="{9C042EA8-B778-4889-A57F-F4B58990052D}" type="datetimeFigureOut">
               <a:rPr lang="zh-CN" altLang="en-US" smtClean="0"/>
-              <a:t>2023/12/12</a:t>
+              <a:t>2023-12-12</a:t>
             </a:fld>
             <a:endParaRPr lang="zh-CN" altLang="en-US"/>
           </a:p>
@@ -1629,7 +1634,7 @@
           <a:p>
             <a:fld id="{9C042EA8-B778-4889-A57F-F4B58990052D}" type="datetimeFigureOut">
               <a:rPr lang="zh-CN" altLang="en-US" smtClean="0"/>
-              <a:t>2023/12/12</a:t>
+              <a:t>2023-12-12</a:t>
             </a:fld>
             <a:endParaRPr lang="zh-CN" altLang="en-US"/>
           </a:p>
@@ -1747,7 +1752,7 @@
           <a:p>
             <a:fld id="{9C042EA8-B778-4889-A57F-F4B58990052D}" type="datetimeFigureOut">
               <a:rPr lang="zh-CN" altLang="en-US" smtClean="0"/>
-              <a:t>2023/12/12</a:t>
+              <a:t>2023-12-12</a:t>
             </a:fld>
             <a:endParaRPr lang="zh-CN" altLang="en-US"/>
           </a:p>
@@ -1842,7 +1847,7 @@
           <a:p>
             <a:fld id="{9C042EA8-B778-4889-A57F-F4B58990052D}" type="datetimeFigureOut">
               <a:rPr lang="zh-CN" altLang="en-US" smtClean="0"/>
-              <a:t>2023/12/12</a:t>
+              <a:t>2023-12-12</a:t>
             </a:fld>
             <a:endParaRPr lang="zh-CN" altLang="en-US"/>
           </a:p>
@@ -2119,7 +2124,7 @@
           <a:p>
             <a:fld id="{9C042EA8-B778-4889-A57F-F4B58990052D}" type="datetimeFigureOut">
               <a:rPr lang="zh-CN" altLang="en-US" smtClean="0"/>
-              <a:t>2023/12/12</a:t>
+              <a:t>2023-12-12</a:t>
             </a:fld>
             <a:endParaRPr lang="zh-CN" altLang="en-US"/>
           </a:p>
@@ -2376,7 +2381,7 @@
           <a:p>
             <a:fld id="{9C042EA8-B778-4889-A57F-F4B58990052D}" type="datetimeFigureOut">
               <a:rPr lang="zh-CN" altLang="en-US" smtClean="0"/>
-              <a:t>2023/12/12</a:t>
+              <a:t>2023-12-12</a:t>
             </a:fld>
             <a:endParaRPr lang="zh-CN" altLang="en-US"/>
           </a:p>
@@ -2589,7 +2594,7 @@
           <a:p>
             <a:fld id="{9C042EA8-B778-4889-A57F-F4B58990052D}" type="datetimeFigureOut">
               <a:rPr lang="zh-CN" altLang="en-US" smtClean="0"/>
-              <a:t>2023/12/12</a:t>
+              <a:t>2023-12-12</a:t>
             </a:fld>
             <a:endParaRPr lang="zh-CN" altLang="en-US"/>
           </a:p>
@@ -3604,6 +3609,2340 @@
 </p:sld>
 </file>
 
+<file path=ppt/slides/slide10.xml><?xml version="1.0" encoding="utf-8"?>
+<p:sld xmlns:a="http://schemas.openxmlformats.org/drawingml/2006/main" xmlns:r="http://schemas.openxmlformats.org/officeDocument/2006/relationships" xmlns:p="http://schemas.openxmlformats.org/presentationml/2006/main">
+  <p:cSld>
+    <p:spTree>
+      <p:nvGrpSpPr>
+        <p:cNvPr id="1" name=""/>
+        <p:cNvGrpSpPr/>
+        <p:nvPr/>
+      </p:nvGrpSpPr>
+      <p:grpSpPr>
+        <a:xfrm>
+          <a:off x="0" y="0"/>
+          <a:ext cx="0" cy="0"/>
+          <a:chOff x="0" y="0"/>
+          <a:chExt cx="0" cy="0"/>
+        </a:xfrm>
+      </p:grpSpPr>
+      <p:sp>
+        <p:nvSpPr>
+          <p:cNvPr id="16" name="任意多边形: 形状 15">
+            <a:extLst>
+              <a:ext uri="{FF2B5EF4-FFF2-40B4-BE49-F238E27FC236}">
+                <a16:creationId xmlns:a16="http://schemas.microsoft.com/office/drawing/2014/main" id="{FA92C7D5-14E0-3279-E984-C3CBC050DFD8}"/>
+              </a:ext>
+            </a:extLst>
+          </p:cNvPr>
+          <p:cNvSpPr/>
+          <p:nvPr/>
+        </p:nvSpPr>
+        <p:spPr>
+          <a:xfrm rot="7200000">
+            <a:off x="1452469" y="848371"/>
+            <a:ext cx="3148937" cy="3191770"/>
+          </a:xfrm>
+          <a:custGeom>
+            <a:avLst/>
+            <a:gdLst>
+              <a:gd name="connsiteX0" fmla="*/ 1724789 w 2942124"/>
+              <a:gd name="connsiteY0" fmla="*/ 0 h 2982145"/>
+              <a:gd name="connsiteX1" fmla="*/ 2236065 w 2942124"/>
+              <a:gd name="connsiteY1" fmla="*/ 0 h 2982145"/>
+              <a:gd name="connsiteX2" fmla="*/ 772907 w 2942124"/>
+              <a:gd name="connsiteY2" fmla="*/ 2529788 h 2982145"/>
+              <a:gd name="connsiteX3" fmla="*/ 2673026 w 2942124"/>
+              <a:gd name="connsiteY3" fmla="*/ 2529788 h 2982145"/>
+              <a:gd name="connsiteX4" fmla="*/ 2942124 w 2942124"/>
+              <a:gd name="connsiteY4" fmla="*/ 2982145 h 2982145"/>
+              <a:gd name="connsiteX5" fmla="*/ 773835 w 2942124"/>
+              <a:gd name="connsiteY5" fmla="*/ 2982145 h 2982145"/>
+              <a:gd name="connsiteX6" fmla="*/ 541062 w 2942124"/>
+              <a:gd name="connsiteY6" fmla="*/ 2982145 h 2982145"/>
+              <a:gd name="connsiteX7" fmla="*/ 511276 w 2942124"/>
+              <a:gd name="connsiteY7" fmla="*/ 2982145 h 2982145"/>
+              <a:gd name="connsiteX8" fmla="*/ 348164 w 2942124"/>
+              <a:gd name="connsiteY8" fmla="*/ 2982145 h 2982145"/>
+              <a:gd name="connsiteX9" fmla="*/ 0 w 2942124"/>
+              <a:gd name="connsiteY9" fmla="*/ 2982145 h 2982145"/>
+            </a:gdLst>
+            <a:ahLst/>
+            <a:cxnLst>
+              <a:cxn ang="0">
+                <a:pos x="connsiteX0" y="connsiteY0"/>
+              </a:cxn>
+              <a:cxn ang="0">
+                <a:pos x="connsiteX1" y="connsiteY1"/>
+              </a:cxn>
+              <a:cxn ang="0">
+                <a:pos x="connsiteX2" y="connsiteY2"/>
+              </a:cxn>
+              <a:cxn ang="0">
+                <a:pos x="connsiteX3" y="connsiteY3"/>
+              </a:cxn>
+              <a:cxn ang="0">
+                <a:pos x="connsiteX4" y="connsiteY4"/>
+              </a:cxn>
+              <a:cxn ang="0">
+                <a:pos x="connsiteX5" y="connsiteY5"/>
+              </a:cxn>
+              <a:cxn ang="0">
+                <a:pos x="connsiteX6" y="connsiteY6"/>
+              </a:cxn>
+              <a:cxn ang="0">
+                <a:pos x="connsiteX7" y="connsiteY7"/>
+              </a:cxn>
+              <a:cxn ang="0">
+                <a:pos x="connsiteX8" y="connsiteY8"/>
+              </a:cxn>
+              <a:cxn ang="0">
+                <a:pos x="connsiteX9" y="connsiteY9"/>
+              </a:cxn>
+            </a:cxnLst>
+            <a:rect l="l" t="t" r="r" b="b"/>
+            <a:pathLst>
+              <a:path w="2942124" h="2982145">
+                <a:moveTo>
+                  <a:pt x="1724789" y="0"/>
+                </a:moveTo>
+                <a:lnTo>
+                  <a:pt x="2236065" y="0"/>
+                </a:lnTo>
+                <a:lnTo>
+                  <a:pt x="772907" y="2529788"/>
+                </a:lnTo>
+                <a:lnTo>
+                  <a:pt x="2673026" y="2529788"/>
+                </a:lnTo>
+                <a:lnTo>
+                  <a:pt x="2942124" y="2982145"/>
+                </a:lnTo>
+                <a:lnTo>
+                  <a:pt x="773835" y="2982145"/>
+                </a:lnTo>
+                <a:lnTo>
+                  <a:pt x="541062" y="2982145"/>
+                </a:lnTo>
+                <a:lnTo>
+                  <a:pt x="511276" y="2982145"/>
+                </a:lnTo>
+                <a:lnTo>
+                  <a:pt x="348164" y="2982145"/>
+                </a:lnTo>
+                <a:lnTo>
+                  <a:pt x="0" y="2982145"/>
+                </a:lnTo>
+                <a:close/>
+              </a:path>
+            </a:pathLst>
+          </a:custGeom>
+          <a:solidFill>
+            <a:schemeClr val="accent4">
+              <a:lumMod val="60000"/>
+              <a:lumOff val="40000"/>
+            </a:schemeClr>
+          </a:solidFill>
+          <a:ln w="12700" cap="rnd">
+            <a:solidFill>
+              <a:schemeClr val="tx1"/>
+            </a:solidFill>
+            <a:round/>
+          </a:ln>
+        </p:spPr>
+        <p:style>
+          <a:lnRef idx="2">
+            <a:schemeClr val="accent1">
+              <a:shade val="15000"/>
+            </a:schemeClr>
+          </a:lnRef>
+          <a:fillRef idx="1">
+            <a:schemeClr val="accent1"/>
+          </a:fillRef>
+          <a:effectRef idx="0">
+            <a:schemeClr val="accent1"/>
+          </a:effectRef>
+          <a:fontRef idx="minor">
+            <a:schemeClr val="lt1"/>
+          </a:fontRef>
+        </p:style>
+        <p:txBody>
+          <a:bodyPr wrap="square" rtlCol="0" anchor="ctr">
+            <a:noAutofit/>
+          </a:bodyPr>
+          <a:lstStyle/>
+          <a:p>
+            <a:pPr algn="ctr"/>
+            <a:endParaRPr lang="zh-CN" altLang="en-US"/>
+          </a:p>
+        </p:txBody>
+      </p:sp>
+      <p:sp>
+        <p:nvSpPr>
+          <p:cNvPr id="15" name="任意多边形: 形状 14">
+            <a:extLst>
+              <a:ext uri="{FF2B5EF4-FFF2-40B4-BE49-F238E27FC236}">
+                <a16:creationId xmlns:a16="http://schemas.microsoft.com/office/drawing/2014/main" id="{28E572E3-15A2-1A2F-057B-486B234936F6}"/>
+              </a:ext>
+            </a:extLst>
+          </p:cNvPr>
+          <p:cNvSpPr/>
+          <p:nvPr/>
+        </p:nvSpPr>
+        <p:spPr>
+          <a:xfrm>
+            <a:off x="38487" y="281906"/>
+            <a:ext cx="3148936" cy="3191771"/>
+          </a:xfrm>
+          <a:custGeom>
+            <a:avLst/>
+            <a:gdLst>
+              <a:gd name="connsiteX0" fmla="*/ 1724789 w 2942124"/>
+              <a:gd name="connsiteY0" fmla="*/ 0 h 2982145"/>
+              <a:gd name="connsiteX1" fmla="*/ 2236065 w 2942124"/>
+              <a:gd name="connsiteY1" fmla="*/ 0 h 2982145"/>
+              <a:gd name="connsiteX2" fmla="*/ 772907 w 2942124"/>
+              <a:gd name="connsiteY2" fmla="*/ 2529788 h 2982145"/>
+              <a:gd name="connsiteX3" fmla="*/ 2673026 w 2942124"/>
+              <a:gd name="connsiteY3" fmla="*/ 2529788 h 2982145"/>
+              <a:gd name="connsiteX4" fmla="*/ 2942124 w 2942124"/>
+              <a:gd name="connsiteY4" fmla="*/ 2982145 h 2982145"/>
+              <a:gd name="connsiteX5" fmla="*/ 773835 w 2942124"/>
+              <a:gd name="connsiteY5" fmla="*/ 2982145 h 2982145"/>
+              <a:gd name="connsiteX6" fmla="*/ 541062 w 2942124"/>
+              <a:gd name="connsiteY6" fmla="*/ 2982145 h 2982145"/>
+              <a:gd name="connsiteX7" fmla="*/ 511276 w 2942124"/>
+              <a:gd name="connsiteY7" fmla="*/ 2982145 h 2982145"/>
+              <a:gd name="connsiteX8" fmla="*/ 348164 w 2942124"/>
+              <a:gd name="connsiteY8" fmla="*/ 2982145 h 2982145"/>
+              <a:gd name="connsiteX9" fmla="*/ 0 w 2942124"/>
+              <a:gd name="connsiteY9" fmla="*/ 2982145 h 2982145"/>
+            </a:gdLst>
+            <a:ahLst/>
+            <a:cxnLst>
+              <a:cxn ang="0">
+                <a:pos x="connsiteX0" y="connsiteY0"/>
+              </a:cxn>
+              <a:cxn ang="0">
+                <a:pos x="connsiteX1" y="connsiteY1"/>
+              </a:cxn>
+              <a:cxn ang="0">
+                <a:pos x="connsiteX2" y="connsiteY2"/>
+              </a:cxn>
+              <a:cxn ang="0">
+                <a:pos x="connsiteX3" y="connsiteY3"/>
+              </a:cxn>
+              <a:cxn ang="0">
+                <a:pos x="connsiteX4" y="connsiteY4"/>
+              </a:cxn>
+              <a:cxn ang="0">
+                <a:pos x="connsiteX5" y="connsiteY5"/>
+              </a:cxn>
+              <a:cxn ang="0">
+                <a:pos x="connsiteX6" y="connsiteY6"/>
+              </a:cxn>
+              <a:cxn ang="0">
+                <a:pos x="connsiteX7" y="connsiteY7"/>
+              </a:cxn>
+              <a:cxn ang="0">
+                <a:pos x="connsiteX8" y="connsiteY8"/>
+              </a:cxn>
+              <a:cxn ang="0">
+                <a:pos x="connsiteX9" y="connsiteY9"/>
+              </a:cxn>
+            </a:cxnLst>
+            <a:rect l="l" t="t" r="r" b="b"/>
+            <a:pathLst>
+              <a:path w="2942124" h="2982145">
+                <a:moveTo>
+                  <a:pt x="1724789" y="0"/>
+                </a:moveTo>
+                <a:lnTo>
+                  <a:pt x="2236065" y="0"/>
+                </a:lnTo>
+                <a:lnTo>
+                  <a:pt x="772907" y="2529788"/>
+                </a:lnTo>
+                <a:lnTo>
+                  <a:pt x="2673026" y="2529788"/>
+                </a:lnTo>
+                <a:lnTo>
+                  <a:pt x="2942124" y="2982145"/>
+                </a:lnTo>
+                <a:lnTo>
+                  <a:pt x="773835" y="2982145"/>
+                </a:lnTo>
+                <a:lnTo>
+                  <a:pt x="541062" y="2982145"/>
+                </a:lnTo>
+                <a:lnTo>
+                  <a:pt x="511276" y="2982145"/>
+                </a:lnTo>
+                <a:lnTo>
+                  <a:pt x="348164" y="2982145"/>
+                </a:lnTo>
+                <a:lnTo>
+                  <a:pt x="0" y="2982145"/>
+                </a:lnTo>
+                <a:close/>
+              </a:path>
+            </a:pathLst>
+          </a:custGeom>
+          <a:solidFill>
+            <a:schemeClr val="accent6">
+              <a:lumMod val="20000"/>
+              <a:lumOff val="80000"/>
+            </a:schemeClr>
+          </a:solidFill>
+          <a:ln w="12700" cap="rnd">
+            <a:solidFill>
+              <a:schemeClr val="tx1"/>
+            </a:solidFill>
+            <a:round/>
+          </a:ln>
+        </p:spPr>
+        <p:style>
+          <a:lnRef idx="2">
+            <a:schemeClr val="accent1">
+              <a:shade val="15000"/>
+            </a:schemeClr>
+          </a:lnRef>
+          <a:fillRef idx="1">
+            <a:schemeClr val="accent1"/>
+          </a:fillRef>
+          <a:effectRef idx="0">
+            <a:schemeClr val="accent1"/>
+          </a:effectRef>
+          <a:fontRef idx="minor">
+            <a:schemeClr val="lt1"/>
+          </a:fontRef>
+        </p:style>
+        <p:txBody>
+          <a:bodyPr wrap="square" rtlCol="0" anchor="ctr">
+            <a:noAutofit/>
+          </a:bodyPr>
+          <a:lstStyle/>
+          <a:p>
+            <a:pPr algn="ctr"/>
+            <a:endParaRPr lang="zh-CN" altLang="en-US"/>
+          </a:p>
+        </p:txBody>
+      </p:sp>
+      <p:sp>
+        <p:nvSpPr>
+          <p:cNvPr id="17" name="任意多边形: 形状 16">
+            <a:extLst>
+              <a:ext uri="{FF2B5EF4-FFF2-40B4-BE49-F238E27FC236}">
+                <a16:creationId xmlns:a16="http://schemas.microsoft.com/office/drawing/2014/main" id="{1C855657-7518-4D1D-D583-C358A99388FE}"/>
+              </a:ext>
+            </a:extLst>
+          </p:cNvPr>
+          <p:cNvSpPr/>
+          <p:nvPr/>
+        </p:nvSpPr>
+        <p:spPr>
+          <a:xfrm rot="14400000">
+            <a:off x="271170" y="1794193"/>
+            <a:ext cx="3131227" cy="3193317"/>
+          </a:xfrm>
+          <a:custGeom>
+            <a:avLst/>
+            <a:gdLst>
+              <a:gd name="connsiteX0" fmla="*/ 1724789 w 2942124"/>
+              <a:gd name="connsiteY0" fmla="*/ 0 h 2982145"/>
+              <a:gd name="connsiteX1" fmla="*/ 2236065 w 2942124"/>
+              <a:gd name="connsiteY1" fmla="*/ 0 h 2982145"/>
+              <a:gd name="connsiteX2" fmla="*/ 772907 w 2942124"/>
+              <a:gd name="connsiteY2" fmla="*/ 2529788 h 2982145"/>
+              <a:gd name="connsiteX3" fmla="*/ 2673026 w 2942124"/>
+              <a:gd name="connsiteY3" fmla="*/ 2529788 h 2982145"/>
+              <a:gd name="connsiteX4" fmla="*/ 2942124 w 2942124"/>
+              <a:gd name="connsiteY4" fmla="*/ 2982145 h 2982145"/>
+              <a:gd name="connsiteX5" fmla="*/ 773835 w 2942124"/>
+              <a:gd name="connsiteY5" fmla="*/ 2982145 h 2982145"/>
+              <a:gd name="connsiteX6" fmla="*/ 541062 w 2942124"/>
+              <a:gd name="connsiteY6" fmla="*/ 2982145 h 2982145"/>
+              <a:gd name="connsiteX7" fmla="*/ 511276 w 2942124"/>
+              <a:gd name="connsiteY7" fmla="*/ 2982145 h 2982145"/>
+              <a:gd name="connsiteX8" fmla="*/ 348164 w 2942124"/>
+              <a:gd name="connsiteY8" fmla="*/ 2982145 h 2982145"/>
+              <a:gd name="connsiteX9" fmla="*/ 0 w 2942124"/>
+              <a:gd name="connsiteY9" fmla="*/ 2982145 h 2982145"/>
+              <a:gd name="connsiteX0" fmla="*/ 1724789 w 2931154"/>
+              <a:gd name="connsiteY0" fmla="*/ 0 h 2982145"/>
+              <a:gd name="connsiteX1" fmla="*/ 2236065 w 2931154"/>
+              <a:gd name="connsiteY1" fmla="*/ 0 h 2982145"/>
+              <a:gd name="connsiteX2" fmla="*/ 772907 w 2931154"/>
+              <a:gd name="connsiteY2" fmla="*/ 2529788 h 2982145"/>
+              <a:gd name="connsiteX3" fmla="*/ 2673026 w 2931154"/>
+              <a:gd name="connsiteY3" fmla="*/ 2529788 h 2982145"/>
+              <a:gd name="connsiteX4" fmla="*/ 2931154 w 2931154"/>
+              <a:gd name="connsiteY4" fmla="*/ 2982096 h 2982145"/>
+              <a:gd name="connsiteX5" fmla="*/ 773835 w 2931154"/>
+              <a:gd name="connsiteY5" fmla="*/ 2982145 h 2982145"/>
+              <a:gd name="connsiteX6" fmla="*/ 541062 w 2931154"/>
+              <a:gd name="connsiteY6" fmla="*/ 2982145 h 2982145"/>
+              <a:gd name="connsiteX7" fmla="*/ 511276 w 2931154"/>
+              <a:gd name="connsiteY7" fmla="*/ 2982145 h 2982145"/>
+              <a:gd name="connsiteX8" fmla="*/ 348164 w 2931154"/>
+              <a:gd name="connsiteY8" fmla="*/ 2982145 h 2982145"/>
+              <a:gd name="connsiteX9" fmla="*/ 0 w 2931154"/>
+              <a:gd name="connsiteY9" fmla="*/ 2982145 h 2982145"/>
+              <a:gd name="connsiteX10" fmla="*/ 1724789 w 2931154"/>
+              <a:gd name="connsiteY10" fmla="*/ 0 h 2982145"/>
+              <a:gd name="connsiteX0" fmla="*/ 1724789 w 2931154"/>
+              <a:gd name="connsiteY0" fmla="*/ 0 h 2982145"/>
+              <a:gd name="connsiteX1" fmla="*/ 2236065 w 2931154"/>
+              <a:gd name="connsiteY1" fmla="*/ 0 h 2982145"/>
+              <a:gd name="connsiteX2" fmla="*/ 772907 w 2931154"/>
+              <a:gd name="connsiteY2" fmla="*/ 2529788 h 2982145"/>
+              <a:gd name="connsiteX3" fmla="*/ 2665093 w 2931154"/>
+              <a:gd name="connsiteY3" fmla="*/ 2529922 h 2982145"/>
+              <a:gd name="connsiteX4" fmla="*/ 2931154 w 2931154"/>
+              <a:gd name="connsiteY4" fmla="*/ 2982096 h 2982145"/>
+              <a:gd name="connsiteX5" fmla="*/ 773835 w 2931154"/>
+              <a:gd name="connsiteY5" fmla="*/ 2982145 h 2982145"/>
+              <a:gd name="connsiteX6" fmla="*/ 541062 w 2931154"/>
+              <a:gd name="connsiteY6" fmla="*/ 2982145 h 2982145"/>
+              <a:gd name="connsiteX7" fmla="*/ 511276 w 2931154"/>
+              <a:gd name="connsiteY7" fmla="*/ 2982145 h 2982145"/>
+              <a:gd name="connsiteX8" fmla="*/ 348164 w 2931154"/>
+              <a:gd name="connsiteY8" fmla="*/ 2982145 h 2982145"/>
+              <a:gd name="connsiteX9" fmla="*/ 0 w 2931154"/>
+              <a:gd name="connsiteY9" fmla="*/ 2982145 h 2982145"/>
+              <a:gd name="connsiteX10" fmla="*/ 1724789 w 2931154"/>
+              <a:gd name="connsiteY10" fmla="*/ 0 h 2982145"/>
+              <a:gd name="connsiteX0" fmla="*/ 1724789 w 2931154"/>
+              <a:gd name="connsiteY0" fmla="*/ 0 h 2982145"/>
+              <a:gd name="connsiteX1" fmla="*/ 2236065 w 2931154"/>
+              <a:gd name="connsiteY1" fmla="*/ 0 h 2982145"/>
+              <a:gd name="connsiteX2" fmla="*/ 772907 w 2931154"/>
+              <a:gd name="connsiteY2" fmla="*/ 2529788 h 2982145"/>
+              <a:gd name="connsiteX3" fmla="*/ 2660379 w 2931154"/>
+              <a:gd name="connsiteY3" fmla="*/ 2527200 h 2982145"/>
+              <a:gd name="connsiteX4" fmla="*/ 2931154 w 2931154"/>
+              <a:gd name="connsiteY4" fmla="*/ 2982096 h 2982145"/>
+              <a:gd name="connsiteX5" fmla="*/ 773835 w 2931154"/>
+              <a:gd name="connsiteY5" fmla="*/ 2982145 h 2982145"/>
+              <a:gd name="connsiteX6" fmla="*/ 541062 w 2931154"/>
+              <a:gd name="connsiteY6" fmla="*/ 2982145 h 2982145"/>
+              <a:gd name="connsiteX7" fmla="*/ 511276 w 2931154"/>
+              <a:gd name="connsiteY7" fmla="*/ 2982145 h 2982145"/>
+              <a:gd name="connsiteX8" fmla="*/ 348164 w 2931154"/>
+              <a:gd name="connsiteY8" fmla="*/ 2982145 h 2982145"/>
+              <a:gd name="connsiteX9" fmla="*/ 0 w 2931154"/>
+              <a:gd name="connsiteY9" fmla="*/ 2982145 h 2982145"/>
+              <a:gd name="connsiteX10" fmla="*/ 1724789 w 2931154"/>
+              <a:gd name="connsiteY10" fmla="*/ 0 h 2982145"/>
+              <a:gd name="connsiteX0" fmla="*/ 1724789 w 2903139"/>
+              <a:gd name="connsiteY0" fmla="*/ 0 h 2982145"/>
+              <a:gd name="connsiteX1" fmla="*/ 2236065 w 2903139"/>
+              <a:gd name="connsiteY1" fmla="*/ 0 h 2982145"/>
+              <a:gd name="connsiteX2" fmla="*/ 772907 w 2903139"/>
+              <a:gd name="connsiteY2" fmla="*/ 2529788 h 2982145"/>
+              <a:gd name="connsiteX3" fmla="*/ 2660379 w 2903139"/>
+              <a:gd name="connsiteY3" fmla="*/ 2527200 h 2982145"/>
+              <a:gd name="connsiteX4" fmla="*/ 2903139 w 2903139"/>
+              <a:gd name="connsiteY4" fmla="*/ 2981634 h 2982145"/>
+              <a:gd name="connsiteX5" fmla="*/ 773835 w 2903139"/>
+              <a:gd name="connsiteY5" fmla="*/ 2982145 h 2982145"/>
+              <a:gd name="connsiteX6" fmla="*/ 541062 w 2903139"/>
+              <a:gd name="connsiteY6" fmla="*/ 2982145 h 2982145"/>
+              <a:gd name="connsiteX7" fmla="*/ 511276 w 2903139"/>
+              <a:gd name="connsiteY7" fmla="*/ 2982145 h 2982145"/>
+              <a:gd name="connsiteX8" fmla="*/ 348164 w 2903139"/>
+              <a:gd name="connsiteY8" fmla="*/ 2982145 h 2982145"/>
+              <a:gd name="connsiteX9" fmla="*/ 0 w 2903139"/>
+              <a:gd name="connsiteY9" fmla="*/ 2982145 h 2982145"/>
+              <a:gd name="connsiteX10" fmla="*/ 1724789 w 2903139"/>
+              <a:gd name="connsiteY10" fmla="*/ 0 h 2982145"/>
+              <a:gd name="connsiteX0" fmla="*/ 1724789 w 2925577"/>
+              <a:gd name="connsiteY0" fmla="*/ 0 h 2983590"/>
+              <a:gd name="connsiteX1" fmla="*/ 2236065 w 2925577"/>
+              <a:gd name="connsiteY1" fmla="*/ 0 h 2983590"/>
+              <a:gd name="connsiteX2" fmla="*/ 772907 w 2925577"/>
+              <a:gd name="connsiteY2" fmla="*/ 2529788 h 2983590"/>
+              <a:gd name="connsiteX3" fmla="*/ 2660379 w 2925577"/>
+              <a:gd name="connsiteY3" fmla="*/ 2527200 h 2983590"/>
+              <a:gd name="connsiteX4" fmla="*/ 2925577 w 2925577"/>
+              <a:gd name="connsiteY4" fmla="*/ 2983590 h 2983590"/>
+              <a:gd name="connsiteX5" fmla="*/ 773835 w 2925577"/>
+              <a:gd name="connsiteY5" fmla="*/ 2982145 h 2983590"/>
+              <a:gd name="connsiteX6" fmla="*/ 541062 w 2925577"/>
+              <a:gd name="connsiteY6" fmla="*/ 2982145 h 2983590"/>
+              <a:gd name="connsiteX7" fmla="*/ 511276 w 2925577"/>
+              <a:gd name="connsiteY7" fmla="*/ 2982145 h 2983590"/>
+              <a:gd name="connsiteX8" fmla="*/ 348164 w 2925577"/>
+              <a:gd name="connsiteY8" fmla="*/ 2982145 h 2983590"/>
+              <a:gd name="connsiteX9" fmla="*/ 0 w 2925577"/>
+              <a:gd name="connsiteY9" fmla="*/ 2982145 h 2983590"/>
+              <a:gd name="connsiteX10" fmla="*/ 1724789 w 2925577"/>
+              <a:gd name="connsiteY10" fmla="*/ 0 h 2983590"/>
+            </a:gdLst>
+            <a:ahLst/>
+            <a:cxnLst>
+              <a:cxn ang="0">
+                <a:pos x="connsiteX0" y="connsiteY0"/>
+              </a:cxn>
+              <a:cxn ang="0">
+                <a:pos x="connsiteX1" y="connsiteY1"/>
+              </a:cxn>
+              <a:cxn ang="0">
+                <a:pos x="connsiteX2" y="connsiteY2"/>
+              </a:cxn>
+              <a:cxn ang="0">
+                <a:pos x="connsiteX3" y="connsiteY3"/>
+              </a:cxn>
+              <a:cxn ang="0">
+                <a:pos x="connsiteX4" y="connsiteY4"/>
+              </a:cxn>
+              <a:cxn ang="0">
+                <a:pos x="connsiteX5" y="connsiteY5"/>
+              </a:cxn>
+              <a:cxn ang="0">
+                <a:pos x="connsiteX6" y="connsiteY6"/>
+              </a:cxn>
+              <a:cxn ang="0">
+                <a:pos x="connsiteX7" y="connsiteY7"/>
+              </a:cxn>
+              <a:cxn ang="0">
+                <a:pos x="connsiteX8" y="connsiteY8"/>
+              </a:cxn>
+              <a:cxn ang="0">
+                <a:pos x="connsiteX9" y="connsiteY9"/>
+              </a:cxn>
+              <a:cxn ang="0">
+                <a:pos x="connsiteX10" y="connsiteY10"/>
+              </a:cxn>
+            </a:cxnLst>
+            <a:rect l="l" t="t" r="r" b="b"/>
+            <a:pathLst>
+              <a:path w="2925577" h="2983590">
+                <a:moveTo>
+                  <a:pt x="1724789" y="0"/>
+                </a:moveTo>
+                <a:lnTo>
+                  <a:pt x="2236065" y="0"/>
+                </a:lnTo>
+                <a:lnTo>
+                  <a:pt x="772907" y="2529788"/>
+                </a:lnTo>
+                <a:lnTo>
+                  <a:pt x="2660379" y="2527200"/>
+                </a:lnTo>
+                <a:lnTo>
+                  <a:pt x="2925577" y="2983590"/>
+                </a:lnTo>
+                <a:lnTo>
+                  <a:pt x="773835" y="2982145"/>
+                </a:lnTo>
+                <a:lnTo>
+                  <a:pt x="541062" y="2982145"/>
+                </a:lnTo>
+                <a:lnTo>
+                  <a:pt x="511276" y="2982145"/>
+                </a:lnTo>
+                <a:lnTo>
+                  <a:pt x="348164" y="2982145"/>
+                </a:lnTo>
+                <a:lnTo>
+                  <a:pt x="0" y="2982145"/>
+                </a:lnTo>
+                <a:lnTo>
+                  <a:pt x="1724789" y="0"/>
+                </a:lnTo>
+                <a:close/>
+              </a:path>
+            </a:pathLst>
+          </a:custGeom>
+          <a:solidFill>
+            <a:schemeClr val="accent1">
+              <a:lumMod val="50000"/>
+            </a:schemeClr>
+          </a:solidFill>
+          <a:ln w="12700" cap="rnd">
+            <a:solidFill>
+              <a:schemeClr val="tx1"/>
+            </a:solidFill>
+            <a:round/>
+          </a:ln>
+        </p:spPr>
+        <p:style>
+          <a:lnRef idx="2">
+            <a:schemeClr val="accent1">
+              <a:shade val="15000"/>
+            </a:schemeClr>
+          </a:lnRef>
+          <a:fillRef idx="1">
+            <a:schemeClr val="accent1"/>
+          </a:fillRef>
+          <a:effectRef idx="0">
+            <a:schemeClr val="accent1"/>
+          </a:effectRef>
+          <a:fontRef idx="minor">
+            <a:schemeClr val="lt1"/>
+          </a:fontRef>
+        </p:style>
+        <p:txBody>
+          <a:bodyPr wrap="square" rtlCol="0" anchor="ctr">
+            <a:noAutofit/>
+          </a:bodyPr>
+          <a:lstStyle/>
+          <a:p>
+            <a:pPr algn="ctr"/>
+            <a:endParaRPr lang="zh-CN" altLang="en-US"/>
+          </a:p>
+        </p:txBody>
+      </p:sp>
+    </p:spTree>
+    <p:extLst>
+      <p:ext uri="{BB962C8B-B14F-4D97-AF65-F5344CB8AC3E}">
+        <p14:creationId xmlns:p14="http://schemas.microsoft.com/office/powerpoint/2010/main" val="672377086"/>
+      </p:ext>
+    </p:extLst>
+  </p:cSld>
+  <p:clrMapOvr>
+    <a:masterClrMapping/>
+  </p:clrMapOvr>
+</p:sld>
+</file>
+
+<file path=ppt/slides/slide11.xml><?xml version="1.0" encoding="utf-8"?>
+<p:sld xmlns:a="http://schemas.openxmlformats.org/drawingml/2006/main" xmlns:r="http://schemas.openxmlformats.org/officeDocument/2006/relationships" xmlns:p="http://schemas.openxmlformats.org/presentationml/2006/main">
+  <p:cSld>
+    <p:spTree>
+      <p:nvGrpSpPr>
+        <p:cNvPr id="1" name=""/>
+        <p:cNvGrpSpPr/>
+        <p:nvPr/>
+      </p:nvGrpSpPr>
+      <p:grpSpPr>
+        <a:xfrm>
+          <a:off x="0" y="0"/>
+          <a:ext cx="0" cy="0"/>
+          <a:chOff x="0" y="0"/>
+          <a:chExt cx="0" cy="0"/>
+        </a:xfrm>
+      </p:grpSpPr>
+      <p:sp>
+        <p:nvSpPr>
+          <p:cNvPr id="16" name="任意多边形: 形状 15">
+            <a:extLst>
+              <a:ext uri="{FF2B5EF4-FFF2-40B4-BE49-F238E27FC236}">
+                <a16:creationId xmlns:a16="http://schemas.microsoft.com/office/drawing/2014/main" id="{FA92C7D5-14E0-3279-E984-C3CBC050DFD8}"/>
+              </a:ext>
+            </a:extLst>
+          </p:cNvPr>
+          <p:cNvSpPr/>
+          <p:nvPr/>
+        </p:nvSpPr>
+        <p:spPr>
+          <a:xfrm rot="7200000">
+            <a:off x="1455223" y="851092"/>
+            <a:ext cx="3148937" cy="3191770"/>
+          </a:xfrm>
+          <a:custGeom>
+            <a:avLst/>
+            <a:gdLst>
+              <a:gd name="connsiteX0" fmla="*/ 1724789 w 2942124"/>
+              <a:gd name="connsiteY0" fmla="*/ 0 h 2982145"/>
+              <a:gd name="connsiteX1" fmla="*/ 2236065 w 2942124"/>
+              <a:gd name="connsiteY1" fmla="*/ 0 h 2982145"/>
+              <a:gd name="connsiteX2" fmla="*/ 772907 w 2942124"/>
+              <a:gd name="connsiteY2" fmla="*/ 2529788 h 2982145"/>
+              <a:gd name="connsiteX3" fmla="*/ 2673026 w 2942124"/>
+              <a:gd name="connsiteY3" fmla="*/ 2529788 h 2982145"/>
+              <a:gd name="connsiteX4" fmla="*/ 2942124 w 2942124"/>
+              <a:gd name="connsiteY4" fmla="*/ 2982145 h 2982145"/>
+              <a:gd name="connsiteX5" fmla="*/ 773835 w 2942124"/>
+              <a:gd name="connsiteY5" fmla="*/ 2982145 h 2982145"/>
+              <a:gd name="connsiteX6" fmla="*/ 541062 w 2942124"/>
+              <a:gd name="connsiteY6" fmla="*/ 2982145 h 2982145"/>
+              <a:gd name="connsiteX7" fmla="*/ 511276 w 2942124"/>
+              <a:gd name="connsiteY7" fmla="*/ 2982145 h 2982145"/>
+              <a:gd name="connsiteX8" fmla="*/ 348164 w 2942124"/>
+              <a:gd name="connsiteY8" fmla="*/ 2982145 h 2982145"/>
+              <a:gd name="connsiteX9" fmla="*/ 0 w 2942124"/>
+              <a:gd name="connsiteY9" fmla="*/ 2982145 h 2982145"/>
+            </a:gdLst>
+            <a:ahLst/>
+            <a:cxnLst>
+              <a:cxn ang="0">
+                <a:pos x="connsiteX0" y="connsiteY0"/>
+              </a:cxn>
+              <a:cxn ang="0">
+                <a:pos x="connsiteX1" y="connsiteY1"/>
+              </a:cxn>
+              <a:cxn ang="0">
+                <a:pos x="connsiteX2" y="connsiteY2"/>
+              </a:cxn>
+              <a:cxn ang="0">
+                <a:pos x="connsiteX3" y="connsiteY3"/>
+              </a:cxn>
+              <a:cxn ang="0">
+                <a:pos x="connsiteX4" y="connsiteY4"/>
+              </a:cxn>
+              <a:cxn ang="0">
+                <a:pos x="connsiteX5" y="connsiteY5"/>
+              </a:cxn>
+              <a:cxn ang="0">
+                <a:pos x="connsiteX6" y="connsiteY6"/>
+              </a:cxn>
+              <a:cxn ang="0">
+                <a:pos x="connsiteX7" y="connsiteY7"/>
+              </a:cxn>
+              <a:cxn ang="0">
+                <a:pos x="connsiteX8" y="connsiteY8"/>
+              </a:cxn>
+              <a:cxn ang="0">
+                <a:pos x="connsiteX9" y="connsiteY9"/>
+              </a:cxn>
+            </a:cxnLst>
+            <a:rect l="l" t="t" r="r" b="b"/>
+            <a:pathLst>
+              <a:path w="2942124" h="2982145">
+                <a:moveTo>
+                  <a:pt x="1724789" y="0"/>
+                </a:moveTo>
+                <a:lnTo>
+                  <a:pt x="2236065" y="0"/>
+                </a:lnTo>
+                <a:lnTo>
+                  <a:pt x="772907" y="2529788"/>
+                </a:lnTo>
+                <a:lnTo>
+                  <a:pt x="2673026" y="2529788"/>
+                </a:lnTo>
+                <a:lnTo>
+                  <a:pt x="2942124" y="2982145"/>
+                </a:lnTo>
+                <a:lnTo>
+                  <a:pt x="773835" y="2982145"/>
+                </a:lnTo>
+                <a:lnTo>
+                  <a:pt x="541062" y="2982145"/>
+                </a:lnTo>
+                <a:lnTo>
+                  <a:pt x="511276" y="2982145"/>
+                </a:lnTo>
+                <a:lnTo>
+                  <a:pt x="348164" y="2982145"/>
+                </a:lnTo>
+                <a:lnTo>
+                  <a:pt x="0" y="2982145"/>
+                </a:lnTo>
+                <a:close/>
+              </a:path>
+            </a:pathLst>
+          </a:custGeom>
+          <a:solidFill>
+            <a:schemeClr val="tx1">
+              <a:lumMod val="75000"/>
+              <a:lumOff val="25000"/>
+            </a:schemeClr>
+          </a:solidFill>
+          <a:ln w="12700" cap="rnd">
+            <a:solidFill>
+              <a:schemeClr val="tx1"/>
+            </a:solidFill>
+            <a:round/>
+          </a:ln>
+        </p:spPr>
+        <p:style>
+          <a:lnRef idx="2">
+            <a:schemeClr val="accent1">
+              <a:shade val="15000"/>
+            </a:schemeClr>
+          </a:lnRef>
+          <a:fillRef idx="1">
+            <a:schemeClr val="accent1"/>
+          </a:fillRef>
+          <a:effectRef idx="0">
+            <a:schemeClr val="accent1"/>
+          </a:effectRef>
+          <a:fontRef idx="minor">
+            <a:schemeClr val="lt1"/>
+          </a:fontRef>
+        </p:style>
+        <p:txBody>
+          <a:bodyPr wrap="square" rtlCol="0" anchor="ctr">
+            <a:noAutofit/>
+          </a:bodyPr>
+          <a:lstStyle/>
+          <a:p>
+            <a:pPr algn="ctr"/>
+            <a:endParaRPr lang="zh-CN" altLang="en-US"/>
+          </a:p>
+        </p:txBody>
+      </p:sp>
+      <p:sp>
+        <p:nvSpPr>
+          <p:cNvPr id="15" name="任意多边形: 形状 14">
+            <a:extLst>
+              <a:ext uri="{FF2B5EF4-FFF2-40B4-BE49-F238E27FC236}">
+                <a16:creationId xmlns:a16="http://schemas.microsoft.com/office/drawing/2014/main" id="{28E572E3-15A2-1A2F-057B-486B234936F6}"/>
+              </a:ext>
+            </a:extLst>
+          </p:cNvPr>
+          <p:cNvSpPr/>
+          <p:nvPr/>
+        </p:nvSpPr>
+        <p:spPr>
+          <a:xfrm>
+            <a:off x="41208" y="279152"/>
+            <a:ext cx="3148936" cy="3191771"/>
+          </a:xfrm>
+          <a:custGeom>
+            <a:avLst/>
+            <a:gdLst>
+              <a:gd name="connsiteX0" fmla="*/ 1724789 w 2942124"/>
+              <a:gd name="connsiteY0" fmla="*/ 0 h 2982145"/>
+              <a:gd name="connsiteX1" fmla="*/ 2236065 w 2942124"/>
+              <a:gd name="connsiteY1" fmla="*/ 0 h 2982145"/>
+              <a:gd name="connsiteX2" fmla="*/ 772907 w 2942124"/>
+              <a:gd name="connsiteY2" fmla="*/ 2529788 h 2982145"/>
+              <a:gd name="connsiteX3" fmla="*/ 2673026 w 2942124"/>
+              <a:gd name="connsiteY3" fmla="*/ 2529788 h 2982145"/>
+              <a:gd name="connsiteX4" fmla="*/ 2942124 w 2942124"/>
+              <a:gd name="connsiteY4" fmla="*/ 2982145 h 2982145"/>
+              <a:gd name="connsiteX5" fmla="*/ 773835 w 2942124"/>
+              <a:gd name="connsiteY5" fmla="*/ 2982145 h 2982145"/>
+              <a:gd name="connsiteX6" fmla="*/ 541062 w 2942124"/>
+              <a:gd name="connsiteY6" fmla="*/ 2982145 h 2982145"/>
+              <a:gd name="connsiteX7" fmla="*/ 511276 w 2942124"/>
+              <a:gd name="connsiteY7" fmla="*/ 2982145 h 2982145"/>
+              <a:gd name="connsiteX8" fmla="*/ 348164 w 2942124"/>
+              <a:gd name="connsiteY8" fmla="*/ 2982145 h 2982145"/>
+              <a:gd name="connsiteX9" fmla="*/ 0 w 2942124"/>
+              <a:gd name="connsiteY9" fmla="*/ 2982145 h 2982145"/>
+            </a:gdLst>
+            <a:ahLst/>
+            <a:cxnLst>
+              <a:cxn ang="0">
+                <a:pos x="connsiteX0" y="connsiteY0"/>
+              </a:cxn>
+              <a:cxn ang="0">
+                <a:pos x="connsiteX1" y="connsiteY1"/>
+              </a:cxn>
+              <a:cxn ang="0">
+                <a:pos x="connsiteX2" y="connsiteY2"/>
+              </a:cxn>
+              <a:cxn ang="0">
+                <a:pos x="connsiteX3" y="connsiteY3"/>
+              </a:cxn>
+              <a:cxn ang="0">
+                <a:pos x="connsiteX4" y="connsiteY4"/>
+              </a:cxn>
+              <a:cxn ang="0">
+                <a:pos x="connsiteX5" y="connsiteY5"/>
+              </a:cxn>
+              <a:cxn ang="0">
+                <a:pos x="connsiteX6" y="connsiteY6"/>
+              </a:cxn>
+              <a:cxn ang="0">
+                <a:pos x="connsiteX7" y="connsiteY7"/>
+              </a:cxn>
+              <a:cxn ang="0">
+                <a:pos x="connsiteX8" y="connsiteY8"/>
+              </a:cxn>
+              <a:cxn ang="0">
+                <a:pos x="connsiteX9" y="connsiteY9"/>
+              </a:cxn>
+            </a:cxnLst>
+            <a:rect l="l" t="t" r="r" b="b"/>
+            <a:pathLst>
+              <a:path w="2942124" h="2982145">
+                <a:moveTo>
+                  <a:pt x="1724789" y="0"/>
+                </a:moveTo>
+                <a:lnTo>
+                  <a:pt x="2236065" y="0"/>
+                </a:lnTo>
+                <a:lnTo>
+                  <a:pt x="772907" y="2529788"/>
+                </a:lnTo>
+                <a:lnTo>
+                  <a:pt x="2673026" y="2529788"/>
+                </a:lnTo>
+                <a:lnTo>
+                  <a:pt x="2942124" y="2982145"/>
+                </a:lnTo>
+                <a:lnTo>
+                  <a:pt x="773835" y="2982145"/>
+                </a:lnTo>
+                <a:lnTo>
+                  <a:pt x="541062" y="2982145"/>
+                </a:lnTo>
+                <a:lnTo>
+                  <a:pt x="511276" y="2982145"/>
+                </a:lnTo>
+                <a:lnTo>
+                  <a:pt x="348164" y="2982145"/>
+                </a:lnTo>
+                <a:lnTo>
+                  <a:pt x="0" y="2982145"/>
+                </a:lnTo>
+                <a:close/>
+              </a:path>
+            </a:pathLst>
+          </a:custGeom>
+          <a:solidFill>
+            <a:schemeClr val="bg1">
+              <a:lumMod val="85000"/>
+            </a:schemeClr>
+          </a:solidFill>
+          <a:ln w="12700" cap="rnd">
+            <a:solidFill>
+              <a:schemeClr val="tx1"/>
+            </a:solidFill>
+            <a:round/>
+          </a:ln>
+        </p:spPr>
+        <p:style>
+          <a:lnRef idx="2">
+            <a:schemeClr val="accent1">
+              <a:shade val="15000"/>
+            </a:schemeClr>
+          </a:lnRef>
+          <a:fillRef idx="1">
+            <a:schemeClr val="accent1"/>
+          </a:fillRef>
+          <a:effectRef idx="0">
+            <a:schemeClr val="accent1"/>
+          </a:effectRef>
+          <a:fontRef idx="minor">
+            <a:schemeClr val="lt1"/>
+          </a:fontRef>
+        </p:style>
+        <p:txBody>
+          <a:bodyPr wrap="square" rtlCol="0" anchor="ctr">
+            <a:noAutofit/>
+          </a:bodyPr>
+          <a:lstStyle/>
+          <a:p>
+            <a:pPr algn="ctr"/>
+            <a:endParaRPr lang="zh-CN" altLang="en-US"/>
+          </a:p>
+        </p:txBody>
+      </p:sp>
+      <p:sp>
+        <p:nvSpPr>
+          <p:cNvPr id="17" name="任意多边形: 形状 16">
+            <a:extLst>
+              <a:ext uri="{FF2B5EF4-FFF2-40B4-BE49-F238E27FC236}">
+                <a16:creationId xmlns:a16="http://schemas.microsoft.com/office/drawing/2014/main" id="{1C855657-7518-4D1D-D583-C358A99388FE}"/>
+              </a:ext>
+            </a:extLst>
+          </p:cNvPr>
+          <p:cNvSpPr/>
+          <p:nvPr/>
+        </p:nvSpPr>
+        <p:spPr>
+          <a:xfrm rot="14400000">
+            <a:off x="271170" y="1792377"/>
+            <a:ext cx="3131227" cy="3193317"/>
+          </a:xfrm>
+          <a:custGeom>
+            <a:avLst/>
+            <a:gdLst>
+              <a:gd name="connsiteX0" fmla="*/ 1724789 w 2942124"/>
+              <a:gd name="connsiteY0" fmla="*/ 0 h 2982145"/>
+              <a:gd name="connsiteX1" fmla="*/ 2236065 w 2942124"/>
+              <a:gd name="connsiteY1" fmla="*/ 0 h 2982145"/>
+              <a:gd name="connsiteX2" fmla="*/ 772907 w 2942124"/>
+              <a:gd name="connsiteY2" fmla="*/ 2529788 h 2982145"/>
+              <a:gd name="connsiteX3" fmla="*/ 2673026 w 2942124"/>
+              <a:gd name="connsiteY3" fmla="*/ 2529788 h 2982145"/>
+              <a:gd name="connsiteX4" fmla="*/ 2942124 w 2942124"/>
+              <a:gd name="connsiteY4" fmla="*/ 2982145 h 2982145"/>
+              <a:gd name="connsiteX5" fmla="*/ 773835 w 2942124"/>
+              <a:gd name="connsiteY5" fmla="*/ 2982145 h 2982145"/>
+              <a:gd name="connsiteX6" fmla="*/ 541062 w 2942124"/>
+              <a:gd name="connsiteY6" fmla="*/ 2982145 h 2982145"/>
+              <a:gd name="connsiteX7" fmla="*/ 511276 w 2942124"/>
+              <a:gd name="connsiteY7" fmla="*/ 2982145 h 2982145"/>
+              <a:gd name="connsiteX8" fmla="*/ 348164 w 2942124"/>
+              <a:gd name="connsiteY8" fmla="*/ 2982145 h 2982145"/>
+              <a:gd name="connsiteX9" fmla="*/ 0 w 2942124"/>
+              <a:gd name="connsiteY9" fmla="*/ 2982145 h 2982145"/>
+              <a:gd name="connsiteX0" fmla="*/ 1724789 w 2931154"/>
+              <a:gd name="connsiteY0" fmla="*/ 0 h 2982145"/>
+              <a:gd name="connsiteX1" fmla="*/ 2236065 w 2931154"/>
+              <a:gd name="connsiteY1" fmla="*/ 0 h 2982145"/>
+              <a:gd name="connsiteX2" fmla="*/ 772907 w 2931154"/>
+              <a:gd name="connsiteY2" fmla="*/ 2529788 h 2982145"/>
+              <a:gd name="connsiteX3" fmla="*/ 2673026 w 2931154"/>
+              <a:gd name="connsiteY3" fmla="*/ 2529788 h 2982145"/>
+              <a:gd name="connsiteX4" fmla="*/ 2931154 w 2931154"/>
+              <a:gd name="connsiteY4" fmla="*/ 2982096 h 2982145"/>
+              <a:gd name="connsiteX5" fmla="*/ 773835 w 2931154"/>
+              <a:gd name="connsiteY5" fmla="*/ 2982145 h 2982145"/>
+              <a:gd name="connsiteX6" fmla="*/ 541062 w 2931154"/>
+              <a:gd name="connsiteY6" fmla="*/ 2982145 h 2982145"/>
+              <a:gd name="connsiteX7" fmla="*/ 511276 w 2931154"/>
+              <a:gd name="connsiteY7" fmla="*/ 2982145 h 2982145"/>
+              <a:gd name="connsiteX8" fmla="*/ 348164 w 2931154"/>
+              <a:gd name="connsiteY8" fmla="*/ 2982145 h 2982145"/>
+              <a:gd name="connsiteX9" fmla="*/ 0 w 2931154"/>
+              <a:gd name="connsiteY9" fmla="*/ 2982145 h 2982145"/>
+              <a:gd name="connsiteX10" fmla="*/ 1724789 w 2931154"/>
+              <a:gd name="connsiteY10" fmla="*/ 0 h 2982145"/>
+              <a:gd name="connsiteX0" fmla="*/ 1724789 w 2931154"/>
+              <a:gd name="connsiteY0" fmla="*/ 0 h 2982145"/>
+              <a:gd name="connsiteX1" fmla="*/ 2236065 w 2931154"/>
+              <a:gd name="connsiteY1" fmla="*/ 0 h 2982145"/>
+              <a:gd name="connsiteX2" fmla="*/ 772907 w 2931154"/>
+              <a:gd name="connsiteY2" fmla="*/ 2529788 h 2982145"/>
+              <a:gd name="connsiteX3" fmla="*/ 2665093 w 2931154"/>
+              <a:gd name="connsiteY3" fmla="*/ 2529922 h 2982145"/>
+              <a:gd name="connsiteX4" fmla="*/ 2931154 w 2931154"/>
+              <a:gd name="connsiteY4" fmla="*/ 2982096 h 2982145"/>
+              <a:gd name="connsiteX5" fmla="*/ 773835 w 2931154"/>
+              <a:gd name="connsiteY5" fmla="*/ 2982145 h 2982145"/>
+              <a:gd name="connsiteX6" fmla="*/ 541062 w 2931154"/>
+              <a:gd name="connsiteY6" fmla="*/ 2982145 h 2982145"/>
+              <a:gd name="connsiteX7" fmla="*/ 511276 w 2931154"/>
+              <a:gd name="connsiteY7" fmla="*/ 2982145 h 2982145"/>
+              <a:gd name="connsiteX8" fmla="*/ 348164 w 2931154"/>
+              <a:gd name="connsiteY8" fmla="*/ 2982145 h 2982145"/>
+              <a:gd name="connsiteX9" fmla="*/ 0 w 2931154"/>
+              <a:gd name="connsiteY9" fmla="*/ 2982145 h 2982145"/>
+              <a:gd name="connsiteX10" fmla="*/ 1724789 w 2931154"/>
+              <a:gd name="connsiteY10" fmla="*/ 0 h 2982145"/>
+              <a:gd name="connsiteX0" fmla="*/ 1724789 w 2931154"/>
+              <a:gd name="connsiteY0" fmla="*/ 0 h 2982145"/>
+              <a:gd name="connsiteX1" fmla="*/ 2236065 w 2931154"/>
+              <a:gd name="connsiteY1" fmla="*/ 0 h 2982145"/>
+              <a:gd name="connsiteX2" fmla="*/ 772907 w 2931154"/>
+              <a:gd name="connsiteY2" fmla="*/ 2529788 h 2982145"/>
+              <a:gd name="connsiteX3" fmla="*/ 2660379 w 2931154"/>
+              <a:gd name="connsiteY3" fmla="*/ 2527200 h 2982145"/>
+              <a:gd name="connsiteX4" fmla="*/ 2931154 w 2931154"/>
+              <a:gd name="connsiteY4" fmla="*/ 2982096 h 2982145"/>
+              <a:gd name="connsiteX5" fmla="*/ 773835 w 2931154"/>
+              <a:gd name="connsiteY5" fmla="*/ 2982145 h 2982145"/>
+              <a:gd name="connsiteX6" fmla="*/ 541062 w 2931154"/>
+              <a:gd name="connsiteY6" fmla="*/ 2982145 h 2982145"/>
+              <a:gd name="connsiteX7" fmla="*/ 511276 w 2931154"/>
+              <a:gd name="connsiteY7" fmla="*/ 2982145 h 2982145"/>
+              <a:gd name="connsiteX8" fmla="*/ 348164 w 2931154"/>
+              <a:gd name="connsiteY8" fmla="*/ 2982145 h 2982145"/>
+              <a:gd name="connsiteX9" fmla="*/ 0 w 2931154"/>
+              <a:gd name="connsiteY9" fmla="*/ 2982145 h 2982145"/>
+              <a:gd name="connsiteX10" fmla="*/ 1724789 w 2931154"/>
+              <a:gd name="connsiteY10" fmla="*/ 0 h 2982145"/>
+              <a:gd name="connsiteX0" fmla="*/ 1724789 w 2903139"/>
+              <a:gd name="connsiteY0" fmla="*/ 0 h 2982145"/>
+              <a:gd name="connsiteX1" fmla="*/ 2236065 w 2903139"/>
+              <a:gd name="connsiteY1" fmla="*/ 0 h 2982145"/>
+              <a:gd name="connsiteX2" fmla="*/ 772907 w 2903139"/>
+              <a:gd name="connsiteY2" fmla="*/ 2529788 h 2982145"/>
+              <a:gd name="connsiteX3" fmla="*/ 2660379 w 2903139"/>
+              <a:gd name="connsiteY3" fmla="*/ 2527200 h 2982145"/>
+              <a:gd name="connsiteX4" fmla="*/ 2903139 w 2903139"/>
+              <a:gd name="connsiteY4" fmla="*/ 2981634 h 2982145"/>
+              <a:gd name="connsiteX5" fmla="*/ 773835 w 2903139"/>
+              <a:gd name="connsiteY5" fmla="*/ 2982145 h 2982145"/>
+              <a:gd name="connsiteX6" fmla="*/ 541062 w 2903139"/>
+              <a:gd name="connsiteY6" fmla="*/ 2982145 h 2982145"/>
+              <a:gd name="connsiteX7" fmla="*/ 511276 w 2903139"/>
+              <a:gd name="connsiteY7" fmla="*/ 2982145 h 2982145"/>
+              <a:gd name="connsiteX8" fmla="*/ 348164 w 2903139"/>
+              <a:gd name="connsiteY8" fmla="*/ 2982145 h 2982145"/>
+              <a:gd name="connsiteX9" fmla="*/ 0 w 2903139"/>
+              <a:gd name="connsiteY9" fmla="*/ 2982145 h 2982145"/>
+              <a:gd name="connsiteX10" fmla="*/ 1724789 w 2903139"/>
+              <a:gd name="connsiteY10" fmla="*/ 0 h 2982145"/>
+              <a:gd name="connsiteX0" fmla="*/ 1724789 w 2925577"/>
+              <a:gd name="connsiteY0" fmla="*/ 0 h 2983590"/>
+              <a:gd name="connsiteX1" fmla="*/ 2236065 w 2925577"/>
+              <a:gd name="connsiteY1" fmla="*/ 0 h 2983590"/>
+              <a:gd name="connsiteX2" fmla="*/ 772907 w 2925577"/>
+              <a:gd name="connsiteY2" fmla="*/ 2529788 h 2983590"/>
+              <a:gd name="connsiteX3" fmla="*/ 2660379 w 2925577"/>
+              <a:gd name="connsiteY3" fmla="*/ 2527200 h 2983590"/>
+              <a:gd name="connsiteX4" fmla="*/ 2925577 w 2925577"/>
+              <a:gd name="connsiteY4" fmla="*/ 2983590 h 2983590"/>
+              <a:gd name="connsiteX5" fmla="*/ 773835 w 2925577"/>
+              <a:gd name="connsiteY5" fmla="*/ 2982145 h 2983590"/>
+              <a:gd name="connsiteX6" fmla="*/ 541062 w 2925577"/>
+              <a:gd name="connsiteY6" fmla="*/ 2982145 h 2983590"/>
+              <a:gd name="connsiteX7" fmla="*/ 511276 w 2925577"/>
+              <a:gd name="connsiteY7" fmla="*/ 2982145 h 2983590"/>
+              <a:gd name="connsiteX8" fmla="*/ 348164 w 2925577"/>
+              <a:gd name="connsiteY8" fmla="*/ 2982145 h 2983590"/>
+              <a:gd name="connsiteX9" fmla="*/ 0 w 2925577"/>
+              <a:gd name="connsiteY9" fmla="*/ 2982145 h 2983590"/>
+              <a:gd name="connsiteX10" fmla="*/ 1724789 w 2925577"/>
+              <a:gd name="connsiteY10" fmla="*/ 0 h 2983590"/>
+              <a:gd name="connsiteX0" fmla="*/ 1724789 w 2925577"/>
+              <a:gd name="connsiteY0" fmla="*/ 0 h 2983590"/>
+              <a:gd name="connsiteX1" fmla="*/ 2236065 w 2925577"/>
+              <a:gd name="connsiteY1" fmla="*/ 0 h 2983590"/>
+              <a:gd name="connsiteX2" fmla="*/ 772907 w 2925577"/>
+              <a:gd name="connsiteY2" fmla="*/ 2529788 h 2983590"/>
+              <a:gd name="connsiteX3" fmla="*/ 2657215 w 2925577"/>
+              <a:gd name="connsiteY3" fmla="*/ 2529289 h 2983590"/>
+              <a:gd name="connsiteX4" fmla="*/ 2925577 w 2925577"/>
+              <a:gd name="connsiteY4" fmla="*/ 2983590 h 2983590"/>
+              <a:gd name="connsiteX5" fmla="*/ 773835 w 2925577"/>
+              <a:gd name="connsiteY5" fmla="*/ 2982145 h 2983590"/>
+              <a:gd name="connsiteX6" fmla="*/ 541062 w 2925577"/>
+              <a:gd name="connsiteY6" fmla="*/ 2982145 h 2983590"/>
+              <a:gd name="connsiteX7" fmla="*/ 511276 w 2925577"/>
+              <a:gd name="connsiteY7" fmla="*/ 2982145 h 2983590"/>
+              <a:gd name="connsiteX8" fmla="*/ 348164 w 2925577"/>
+              <a:gd name="connsiteY8" fmla="*/ 2982145 h 2983590"/>
+              <a:gd name="connsiteX9" fmla="*/ 0 w 2925577"/>
+              <a:gd name="connsiteY9" fmla="*/ 2982145 h 2983590"/>
+              <a:gd name="connsiteX10" fmla="*/ 1724789 w 2925577"/>
+              <a:gd name="connsiteY10" fmla="*/ 0 h 2983590"/>
+            </a:gdLst>
+            <a:ahLst/>
+            <a:cxnLst>
+              <a:cxn ang="0">
+                <a:pos x="connsiteX0" y="connsiteY0"/>
+              </a:cxn>
+              <a:cxn ang="0">
+                <a:pos x="connsiteX1" y="connsiteY1"/>
+              </a:cxn>
+              <a:cxn ang="0">
+                <a:pos x="connsiteX2" y="connsiteY2"/>
+              </a:cxn>
+              <a:cxn ang="0">
+                <a:pos x="connsiteX3" y="connsiteY3"/>
+              </a:cxn>
+              <a:cxn ang="0">
+                <a:pos x="connsiteX4" y="connsiteY4"/>
+              </a:cxn>
+              <a:cxn ang="0">
+                <a:pos x="connsiteX5" y="connsiteY5"/>
+              </a:cxn>
+              <a:cxn ang="0">
+                <a:pos x="connsiteX6" y="connsiteY6"/>
+              </a:cxn>
+              <a:cxn ang="0">
+                <a:pos x="connsiteX7" y="connsiteY7"/>
+              </a:cxn>
+              <a:cxn ang="0">
+                <a:pos x="connsiteX8" y="connsiteY8"/>
+              </a:cxn>
+              <a:cxn ang="0">
+                <a:pos x="connsiteX9" y="connsiteY9"/>
+              </a:cxn>
+              <a:cxn ang="0">
+                <a:pos x="connsiteX10" y="connsiteY10"/>
+              </a:cxn>
+            </a:cxnLst>
+            <a:rect l="l" t="t" r="r" b="b"/>
+            <a:pathLst>
+              <a:path w="2925577" h="2983590">
+                <a:moveTo>
+                  <a:pt x="1724789" y="0"/>
+                </a:moveTo>
+                <a:lnTo>
+                  <a:pt x="2236065" y="0"/>
+                </a:lnTo>
+                <a:lnTo>
+                  <a:pt x="772907" y="2529788"/>
+                </a:lnTo>
+                <a:lnTo>
+                  <a:pt x="2657215" y="2529289"/>
+                </a:lnTo>
+                <a:lnTo>
+                  <a:pt x="2925577" y="2983590"/>
+                </a:lnTo>
+                <a:lnTo>
+                  <a:pt x="773835" y="2982145"/>
+                </a:lnTo>
+                <a:lnTo>
+                  <a:pt x="541062" y="2982145"/>
+                </a:lnTo>
+                <a:lnTo>
+                  <a:pt x="511276" y="2982145"/>
+                </a:lnTo>
+                <a:lnTo>
+                  <a:pt x="348164" y="2982145"/>
+                </a:lnTo>
+                <a:lnTo>
+                  <a:pt x="0" y="2982145"/>
+                </a:lnTo>
+                <a:lnTo>
+                  <a:pt x="1724789" y="0"/>
+                </a:lnTo>
+                <a:close/>
+              </a:path>
+            </a:pathLst>
+          </a:custGeom>
+          <a:solidFill>
+            <a:schemeClr val="tx1">
+              <a:lumMod val="95000"/>
+              <a:lumOff val="5000"/>
+            </a:schemeClr>
+          </a:solidFill>
+          <a:ln w="12700" cap="rnd">
+            <a:solidFill>
+              <a:schemeClr val="tx1"/>
+            </a:solidFill>
+            <a:round/>
+          </a:ln>
+        </p:spPr>
+        <p:style>
+          <a:lnRef idx="2">
+            <a:schemeClr val="accent1">
+              <a:shade val="15000"/>
+            </a:schemeClr>
+          </a:lnRef>
+          <a:fillRef idx="1">
+            <a:schemeClr val="accent1"/>
+          </a:fillRef>
+          <a:effectRef idx="0">
+            <a:schemeClr val="accent1"/>
+          </a:effectRef>
+          <a:fontRef idx="minor">
+            <a:schemeClr val="lt1"/>
+          </a:fontRef>
+        </p:style>
+        <p:txBody>
+          <a:bodyPr wrap="square" rtlCol="0" anchor="ctr">
+            <a:noAutofit/>
+          </a:bodyPr>
+          <a:lstStyle/>
+          <a:p>
+            <a:pPr algn="ctr"/>
+            <a:endParaRPr lang="zh-CN" altLang="en-US"/>
+          </a:p>
+        </p:txBody>
+      </p:sp>
+    </p:spTree>
+    <p:extLst>
+      <p:ext uri="{BB962C8B-B14F-4D97-AF65-F5344CB8AC3E}">
+        <p14:creationId xmlns:p14="http://schemas.microsoft.com/office/powerpoint/2010/main" val="3864967212"/>
+      </p:ext>
+    </p:extLst>
+  </p:cSld>
+  <p:clrMapOvr>
+    <a:masterClrMapping/>
+  </p:clrMapOvr>
+</p:sld>
+</file>
+
+<file path=ppt/slides/slide12.xml><?xml version="1.0" encoding="utf-8"?>
+<p:sld xmlns:a="http://schemas.openxmlformats.org/drawingml/2006/main" xmlns:r="http://schemas.openxmlformats.org/officeDocument/2006/relationships" xmlns:p="http://schemas.openxmlformats.org/presentationml/2006/main">
+  <p:cSld>
+    <p:spTree>
+      <p:nvGrpSpPr>
+        <p:cNvPr id="1" name=""/>
+        <p:cNvGrpSpPr/>
+        <p:nvPr/>
+      </p:nvGrpSpPr>
+      <p:grpSpPr>
+        <a:xfrm>
+          <a:off x="0" y="0"/>
+          <a:ext cx="0" cy="0"/>
+          <a:chOff x="0" y="0"/>
+          <a:chExt cx="0" cy="0"/>
+        </a:xfrm>
+      </p:grpSpPr>
+      <p:cxnSp>
+        <p:nvCxnSpPr>
+          <p:cNvPr id="8" name="直接连接符 7">
+            <a:extLst>
+              <a:ext uri="{FF2B5EF4-FFF2-40B4-BE49-F238E27FC236}">
+                <a16:creationId xmlns:a16="http://schemas.microsoft.com/office/drawing/2014/main" id="{8423E8DD-1824-2945-67C5-20B420930E10}"/>
+              </a:ext>
+            </a:extLst>
+          </p:cNvPr>
+          <p:cNvCxnSpPr>
+            <a:cxnSpLocks/>
+          </p:cNvCxnSpPr>
+          <p:nvPr/>
+        </p:nvCxnSpPr>
+        <p:spPr>
+          <a:xfrm flipV="1">
+            <a:off x="179793" y="568424"/>
+            <a:ext cx="1717887" cy="2975466"/>
+          </a:xfrm>
+          <a:prstGeom prst="line">
+            <a:avLst/>
+          </a:prstGeom>
+          <a:ln w="25400" cap="rnd">
+            <a:solidFill>
+              <a:srgbClr val="2040FF"/>
+            </a:solidFill>
+            <a:round/>
+          </a:ln>
+        </p:spPr>
+        <p:style>
+          <a:lnRef idx="1">
+            <a:schemeClr val="accent1"/>
+          </a:lnRef>
+          <a:fillRef idx="0">
+            <a:schemeClr val="accent1"/>
+          </a:fillRef>
+          <a:effectRef idx="0">
+            <a:schemeClr val="accent1"/>
+          </a:effectRef>
+          <a:fontRef idx="minor">
+            <a:schemeClr val="tx1"/>
+          </a:fontRef>
+        </p:style>
+      </p:cxnSp>
+      <p:cxnSp>
+        <p:nvCxnSpPr>
+          <p:cNvPr id="9" name="直接连接符 8">
+            <a:extLst>
+              <a:ext uri="{FF2B5EF4-FFF2-40B4-BE49-F238E27FC236}">
+                <a16:creationId xmlns:a16="http://schemas.microsoft.com/office/drawing/2014/main" id="{4207F6DA-15F3-4733-698C-037404278E1D}"/>
+              </a:ext>
+            </a:extLst>
+          </p:cNvPr>
+          <p:cNvCxnSpPr>
+            <a:cxnSpLocks/>
+          </p:cNvCxnSpPr>
+          <p:nvPr/>
+        </p:nvCxnSpPr>
+        <p:spPr>
+          <a:xfrm>
+            <a:off x="179794" y="3543890"/>
+            <a:ext cx="2928516" cy="0"/>
+          </a:xfrm>
+          <a:prstGeom prst="line">
+            <a:avLst/>
+          </a:prstGeom>
+          <a:ln w="25400" cap="rnd">
+            <a:solidFill>
+              <a:srgbClr val="2040FF"/>
+            </a:solidFill>
+            <a:round/>
+          </a:ln>
+        </p:spPr>
+        <p:style>
+          <a:lnRef idx="1">
+            <a:schemeClr val="accent1"/>
+          </a:lnRef>
+          <a:fillRef idx="0">
+            <a:schemeClr val="accent1"/>
+          </a:fillRef>
+          <a:effectRef idx="0">
+            <a:schemeClr val="accent1"/>
+          </a:effectRef>
+          <a:fontRef idx="minor">
+            <a:schemeClr val="tx1"/>
+          </a:fontRef>
+        </p:style>
+      </p:cxnSp>
+      <p:cxnSp>
+        <p:nvCxnSpPr>
+          <p:cNvPr id="13" name="直接连接符 12">
+            <a:extLst>
+              <a:ext uri="{FF2B5EF4-FFF2-40B4-BE49-F238E27FC236}">
+                <a16:creationId xmlns:a16="http://schemas.microsoft.com/office/drawing/2014/main" id="{DC097F5D-449B-E47C-F6D1-B8F80C4B5D59}"/>
+              </a:ext>
+            </a:extLst>
+          </p:cNvPr>
+          <p:cNvCxnSpPr>
+            <a:cxnSpLocks/>
+          </p:cNvCxnSpPr>
+          <p:nvPr/>
+        </p:nvCxnSpPr>
+        <p:spPr>
+          <a:xfrm flipV="1">
+            <a:off x="953628" y="561745"/>
+            <a:ext cx="1464427" cy="2536465"/>
+          </a:xfrm>
+          <a:prstGeom prst="line">
+            <a:avLst/>
+          </a:prstGeom>
+          <a:ln w="25400" cap="rnd">
+            <a:solidFill>
+              <a:srgbClr val="2040FF"/>
+            </a:solidFill>
+            <a:round/>
+          </a:ln>
+        </p:spPr>
+        <p:style>
+          <a:lnRef idx="1">
+            <a:schemeClr val="accent1"/>
+          </a:lnRef>
+          <a:fillRef idx="0">
+            <a:schemeClr val="accent1"/>
+          </a:fillRef>
+          <a:effectRef idx="0">
+            <a:schemeClr val="accent1"/>
+          </a:effectRef>
+          <a:fontRef idx="minor">
+            <a:schemeClr val="tx1"/>
+          </a:fontRef>
+        </p:style>
+      </p:cxnSp>
+      <p:cxnSp>
+        <p:nvCxnSpPr>
+          <p:cNvPr id="21" name="直接连接符 20">
+            <a:extLst>
+              <a:ext uri="{FF2B5EF4-FFF2-40B4-BE49-F238E27FC236}">
+                <a16:creationId xmlns:a16="http://schemas.microsoft.com/office/drawing/2014/main" id="{F9D47A5E-2C23-4F67-5D10-C804114C24A8}"/>
+              </a:ext>
+            </a:extLst>
+          </p:cNvPr>
+          <p:cNvCxnSpPr>
+            <a:cxnSpLocks/>
+          </p:cNvCxnSpPr>
+          <p:nvPr/>
+        </p:nvCxnSpPr>
+        <p:spPr>
+          <a:xfrm flipV="1">
+            <a:off x="954576" y="567744"/>
+            <a:ext cx="1461282" cy="2531015"/>
+          </a:xfrm>
+          <a:prstGeom prst="line">
+            <a:avLst/>
+          </a:prstGeom>
+          <a:ln w="25400" cap="rnd">
+            <a:solidFill>
+              <a:srgbClr val="2040FF"/>
+            </a:solidFill>
+            <a:round/>
+          </a:ln>
+        </p:spPr>
+        <p:style>
+          <a:lnRef idx="1">
+            <a:schemeClr val="accent1"/>
+          </a:lnRef>
+          <a:fillRef idx="0">
+            <a:schemeClr val="accent1"/>
+          </a:fillRef>
+          <a:effectRef idx="0">
+            <a:schemeClr val="accent1"/>
+          </a:effectRef>
+          <a:fontRef idx="minor">
+            <a:schemeClr val="tx1"/>
+          </a:fontRef>
+        </p:style>
+      </p:cxnSp>
+      <p:cxnSp>
+        <p:nvCxnSpPr>
+          <p:cNvPr id="22" name="直接连接符 21">
+            <a:extLst>
+              <a:ext uri="{FF2B5EF4-FFF2-40B4-BE49-F238E27FC236}">
+                <a16:creationId xmlns:a16="http://schemas.microsoft.com/office/drawing/2014/main" id="{0826AF7B-C371-9AB0-C0F2-8DC969907BD4}"/>
+              </a:ext>
+            </a:extLst>
+          </p:cNvPr>
+          <p:cNvCxnSpPr>
+            <a:cxnSpLocks/>
+          </p:cNvCxnSpPr>
+          <p:nvPr/>
+        </p:nvCxnSpPr>
+        <p:spPr>
+          <a:xfrm>
+            <a:off x="954578" y="3098759"/>
+            <a:ext cx="1890797" cy="0"/>
+          </a:xfrm>
+          <a:prstGeom prst="line">
+            <a:avLst/>
+          </a:prstGeom>
+          <a:ln w="25400" cap="rnd">
+            <a:solidFill>
+              <a:srgbClr val="2040FF"/>
+            </a:solidFill>
+            <a:round/>
+          </a:ln>
+        </p:spPr>
+        <p:style>
+          <a:lnRef idx="1">
+            <a:schemeClr val="accent1"/>
+          </a:lnRef>
+          <a:fillRef idx="0">
+            <a:schemeClr val="accent1"/>
+          </a:fillRef>
+          <a:effectRef idx="0">
+            <a:schemeClr val="accent1"/>
+          </a:effectRef>
+          <a:fontRef idx="minor">
+            <a:schemeClr val="tx1"/>
+          </a:fontRef>
+        </p:style>
+      </p:cxnSp>
+      <p:cxnSp>
+        <p:nvCxnSpPr>
+          <p:cNvPr id="36" name="直接连接符 35">
+            <a:extLst>
+              <a:ext uri="{FF2B5EF4-FFF2-40B4-BE49-F238E27FC236}">
+                <a16:creationId xmlns:a16="http://schemas.microsoft.com/office/drawing/2014/main" id="{306ABA61-1BFE-7097-3C5D-76E2EB60B54B}"/>
+              </a:ext>
+            </a:extLst>
+          </p:cNvPr>
+          <p:cNvCxnSpPr/>
+          <p:nvPr/>
+        </p:nvCxnSpPr>
+        <p:spPr>
+          <a:xfrm>
+            <a:off x="1901533" y="561745"/>
+            <a:ext cx="516522" cy="0"/>
+          </a:xfrm>
+          <a:prstGeom prst="line">
+            <a:avLst/>
+          </a:prstGeom>
+          <a:ln w="25400" cap="rnd">
+            <a:solidFill>
+              <a:srgbClr val="2040FF"/>
+            </a:solidFill>
+            <a:round/>
+          </a:ln>
+        </p:spPr>
+        <p:style>
+          <a:lnRef idx="1">
+            <a:schemeClr val="accent1"/>
+          </a:lnRef>
+          <a:fillRef idx="0">
+            <a:schemeClr val="accent1"/>
+          </a:fillRef>
+          <a:effectRef idx="0">
+            <a:schemeClr val="accent1"/>
+          </a:effectRef>
+          <a:fontRef idx="minor">
+            <a:schemeClr val="tx1"/>
+          </a:fontRef>
+        </p:style>
+      </p:cxnSp>
+      <p:cxnSp>
+        <p:nvCxnSpPr>
+          <p:cNvPr id="38" name="直接连接符 37">
+            <a:extLst>
+              <a:ext uri="{FF2B5EF4-FFF2-40B4-BE49-F238E27FC236}">
+                <a16:creationId xmlns:a16="http://schemas.microsoft.com/office/drawing/2014/main" id="{1BBC74C7-5221-1D51-EEA6-D0F3E6B5FA8B}"/>
+              </a:ext>
+            </a:extLst>
+          </p:cNvPr>
+          <p:cNvCxnSpPr>
+            <a:cxnSpLocks/>
+          </p:cNvCxnSpPr>
+          <p:nvPr/>
+        </p:nvCxnSpPr>
+        <p:spPr>
+          <a:xfrm>
+            <a:off x="2850996" y="3098210"/>
+            <a:ext cx="257314" cy="445681"/>
+          </a:xfrm>
+          <a:prstGeom prst="line">
+            <a:avLst/>
+          </a:prstGeom>
+          <a:ln w="25400" cap="rnd">
+            <a:solidFill>
+              <a:srgbClr val="2040FF"/>
+            </a:solidFill>
+            <a:round/>
+          </a:ln>
+        </p:spPr>
+        <p:style>
+          <a:lnRef idx="1">
+            <a:schemeClr val="accent1"/>
+          </a:lnRef>
+          <a:fillRef idx="0">
+            <a:schemeClr val="accent1"/>
+          </a:fillRef>
+          <a:effectRef idx="0">
+            <a:schemeClr val="accent1"/>
+          </a:effectRef>
+          <a:fontRef idx="minor">
+            <a:schemeClr val="tx1"/>
+          </a:fontRef>
+        </p:style>
+      </p:cxnSp>
+      <p:sp>
+        <p:nvSpPr>
+          <p:cNvPr id="15" name="任意多边形: 形状 14">
+            <a:extLst>
+              <a:ext uri="{FF2B5EF4-FFF2-40B4-BE49-F238E27FC236}">
+                <a16:creationId xmlns:a16="http://schemas.microsoft.com/office/drawing/2014/main" id="{28E572E3-15A2-1A2F-057B-486B234936F6}"/>
+              </a:ext>
+            </a:extLst>
+          </p:cNvPr>
+          <p:cNvSpPr/>
+          <p:nvPr/>
+        </p:nvSpPr>
+        <p:spPr>
+          <a:xfrm>
+            <a:off x="179792" y="568418"/>
+            <a:ext cx="2942124" cy="2982145"/>
+          </a:xfrm>
+          <a:custGeom>
+            <a:avLst/>
+            <a:gdLst>
+              <a:gd name="connsiteX0" fmla="*/ 1724789 w 2942124"/>
+              <a:gd name="connsiteY0" fmla="*/ 0 h 2982145"/>
+              <a:gd name="connsiteX1" fmla="*/ 2236065 w 2942124"/>
+              <a:gd name="connsiteY1" fmla="*/ 0 h 2982145"/>
+              <a:gd name="connsiteX2" fmla="*/ 772907 w 2942124"/>
+              <a:gd name="connsiteY2" fmla="*/ 2529788 h 2982145"/>
+              <a:gd name="connsiteX3" fmla="*/ 2673026 w 2942124"/>
+              <a:gd name="connsiteY3" fmla="*/ 2529788 h 2982145"/>
+              <a:gd name="connsiteX4" fmla="*/ 2942124 w 2942124"/>
+              <a:gd name="connsiteY4" fmla="*/ 2982145 h 2982145"/>
+              <a:gd name="connsiteX5" fmla="*/ 773835 w 2942124"/>
+              <a:gd name="connsiteY5" fmla="*/ 2982145 h 2982145"/>
+              <a:gd name="connsiteX6" fmla="*/ 541062 w 2942124"/>
+              <a:gd name="connsiteY6" fmla="*/ 2982145 h 2982145"/>
+              <a:gd name="connsiteX7" fmla="*/ 511276 w 2942124"/>
+              <a:gd name="connsiteY7" fmla="*/ 2982145 h 2982145"/>
+              <a:gd name="connsiteX8" fmla="*/ 348164 w 2942124"/>
+              <a:gd name="connsiteY8" fmla="*/ 2982145 h 2982145"/>
+              <a:gd name="connsiteX9" fmla="*/ 0 w 2942124"/>
+              <a:gd name="connsiteY9" fmla="*/ 2982145 h 2982145"/>
+            </a:gdLst>
+            <a:ahLst/>
+            <a:cxnLst>
+              <a:cxn ang="0">
+                <a:pos x="connsiteX0" y="connsiteY0"/>
+              </a:cxn>
+              <a:cxn ang="0">
+                <a:pos x="connsiteX1" y="connsiteY1"/>
+              </a:cxn>
+              <a:cxn ang="0">
+                <a:pos x="connsiteX2" y="connsiteY2"/>
+              </a:cxn>
+              <a:cxn ang="0">
+                <a:pos x="connsiteX3" y="connsiteY3"/>
+              </a:cxn>
+              <a:cxn ang="0">
+                <a:pos x="connsiteX4" y="connsiteY4"/>
+              </a:cxn>
+              <a:cxn ang="0">
+                <a:pos x="connsiteX5" y="connsiteY5"/>
+              </a:cxn>
+              <a:cxn ang="0">
+                <a:pos x="connsiteX6" y="connsiteY6"/>
+              </a:cxn>
+              <a:cxn ang="0">
+                <a:pos x="connsiteX7" y="connsiteY7"/>
+              </a:cxn>
+              <a:cxn ang="0">
+                <a:pos x="connsiteX8" y="connsiteY8"/>
+              </a:cxn>
+              <a:cxn ang="0">
+                <a:pos x="connsiteX9" y="connsiteY9"/>
+              </a:cxn>
+            </a:cxnLst>
+            <a:rect l="l" t="t" r="r" b="b"/>
+            <a:pathLst>
+              <a:path w="2942124" h="2982145">
+                <a:moveTo>
+                  <a:pt x="1724789" y="0"/>
+                </a:moveTo>
+                <a:lnTo>
+                  <a:pt x="2236065" y="0"/>
+                </a:lnTo>
+                <a:lnTo>
+                  <a:pt x="772907" y="2529788"/>
+                </a:lnTo>
+                <a:lnTo>
+                  <a:pt x="2673026" y="2529788"/>
+                </a:lnTo>
+                <a:lnTo>
+                  <a:pt x="2942124" y="2982145"/>
+                </a:lnTo>
+                <a:lnTo>
+                  <a:pt x="773835" y="2982145"/>
+                </a:lnTo>
+                <a:lnTo>
+                  <a:pt x="541062" y="2982145"/>
+                </a:lnTo>
+                <a:lnTo>
+                  <a:pt x="511276" y="2982145"/>
+                </a:lnTo>
+                <a:lnTo>
+                  <a:pt x="348164" y="2982145"/>
+                </a:lnTo>
+                <a:lnTo>
+                  <a:pt x="0" y="2982145"/>
+                </a:lnTo>
+                <a:close/>
+              </a:path>
+            </a:pathLst>
+          </a:custGeom>
+          <a:ln w="12700" cap="rnd"/>
+        </p:spPr>
+        <p:style>
+          <a:lnRef idx="2">
+            <a:schemeClr val="accent1">
+              <a:shade val="15000"/>
+            </a:schemeClr>
+          </a:lnRef>
+          <a:fillRef idx="1">
+            <a:schemeClr val="accent1"/>
+          </a:fillRef>
+          <a:effectRef idx="0">
+            <a:schemeClr val="accent1"/>
+          </a:effectRef>
+          <a:fontRef idx="minor">
+            <a:schemeClr val="lt1"/>
+          </a:fontRef>
+        </p:style>
+        <p:txBody>
+          <a:bodyPr wrap="square" rtlCol="0" anchor="ctr">
+            <a:noAutofit/>
+          </a:bodyPr>
+          <a:lstStyle/>
+          <a:p>
+            <a:pPr algn="ctr"/>
+            <a:endParaRPr lang="zh-CN" altLang="en-US"/>
+          </a:p>
+        </p:txBody>
+      </p:sp>
+    </p:spTree>
+    <p:extLst>
+      <p:ext uri="{BB962C8B-B14F-4D97-AF65-F5344CB8AC3E}">
+        <p14:creationId xmlns:p14="http://schemas.microsoft.com/office/powerpoint/2010/main" val="3419216293"/>
+      </p:ext>
+    </p:extLst>
+  </p:cSld>
+  <p:clrMapOvr>
+    <a:masterClrMapping/>
+  </p:clrMapOvr>
+</p:sld>
+</file>
+
+<file path=ppt/slides/slide13.xml><?xml version="1.0" encoding="utf-8"?>
+<p:sld xmlns:a="http://schemas.openxmlformats.org/drawingml/2006/main" xmlns:r="http://schemas.openxmlformats.org/officeDocument/2006/relationships" xmlns:p="http://schemas.openxmlformats.org/presentationml/2006/main">
+  <p:cSld>
+    <p:spTree>
+      <p:nvGrpSpPr>
+        <p:cNvPr id="1" name=""/>
+        <p:cNvGrpSpPr/>
+        <p:nvPr/>
+      </p:nvGrpSpPr>
+      <p:grpSpPr>
+        <a:xfrm>
+          <a:off x="0" y="0"/>
+          <a:ext cx="0" cy="0"/>
+          <a:chOff x="0" y="0"/>
+          <a:chExt cx="0" cy="0"/>
+        </a:xfrm>
+      </p:grpSpPr>
+      <p:cxnSp>
+        <p:nvCxnSpPr>
+          <p:cNvPr id="7" name="直接连接符 6">
+            <a:extLst>
+              <a:ext uri="{FF2B5EF4-FFF2-40B4-BE49-F238E27FC236}">
+                <a16:creationId xmlns:a16="http://schemas.microsoft.com/office/drawing/2014/main" id="{87B08560-4178-7CBF-BC1F-FDA1F71B454E}"/>
+              </a:ext>
+            </a:extLst>
+          </p:cNvPr>
+          <p:cNvCxnSpPr>
+            <a:cxnSpLocks/>
+          </p:cNvCxnSpPr>
+          <p:nvPr/>
+        </p:nvCxnSpPr>
+        <p:spPr>
+          <a:xfrm>
+            <a:off x="2418596" y="1457325"/>
+            <a:ext cx="1461378" cy="2531186"/>
+          </a:xfrm>
+          <a:prstGeom prst="line">
+            <a:avLst/>
+          </a:prstGeom>
+          <a:ln w="127000" cap="rnd">
+            <a:solidFill>
+              <a:srgbClr val="0070C0"/>
+            </a:solidFill>
+            <a:round/>
+          </a:ln>
+        </p:spPr>
+        <p:style>
+          <a:lnRef idx="1">
+            <a:schemeClr val="accent1"/>
+          </a:lnRef>
+          <a:fillRef idx="0">
+            <a:schemeClr val="accent1"/>
+          </a:fillRef>
+          <a:effectRef idx="0">
+            <a:schemeClr val="accent1"/>
+          </a:effectRef>
+          <a:fontRef idx="minor">
+            <a:schemeClr val="tx1"/>
+          </a:fontRef>
+        </p:style>
+      </p:cxnSp>
+      <p:cxnSp>
+        <p:nvCxnSpPr>
+          <p:cNvPr id="8" name="直接连接符 7">
+            <a:extLst>
+              <a:ext uri="{FF2B5EF4-FFF2-40B4-BE49-F238E27FC236}">
+                <a16:creationId xmlns:a16="http://schemas.microsoft.com/office/drawing/2014/main" id="{8423E8DD-1824-2945-67C5-20B420930E10}"/>
+              </a:ext>
+            </a:extLst>
+          </p:cNvPr>
+          <p:cNvCxnSpPr>
+            <a:cxnSpLocks/>
+          </p:cNvCxnSpPr>
+          <p:nvPr/>
+        </p:nvCxnSpPr>
+        <p:spPr>
+          <a:xfrm flipV="1">
+            <a:off x="179793" y="568424"/>
+            <a:ext cx="1717887" cy="2975466"/>
+          </a:xfrm>
+          <a:prstGeom prst="line">
+            <a:avLst/>
+          </a:prstGeom>
+          <a:ln w="127000" cap="rnd">
+            <a:solidFill>
+              <a:srgbClr val="0070C0"/>
+            </a:solidFill>
+            <a:round/>
+          </a:ln>
+        </p:spPr>
+        <p:style>
+          <a:lnRef idx="1">
+            <a:schemeClr val="accent1"/>
+          </a:lnRef>
+          <a:fillRef idx="0">
+            <a:schemeClr val="accent1"/>
+          </a:fillRef>
+          <a:effectRef idx="0">
+            <a:schemeClr val="accent1"/>
+          </a:effectRef>
+          <a:fontRef idx="minor">
+            <a:schemeClr val="tx1"/>
+          </a:fontRef>
+        </p:style>
+      </p:cxnSp>
+      <p:cxnSp>
+        <p:nvCxnSpPr>
+          <p:cNvPr id="9" name="直接连接符 8">
+            <a:extLst>
+              <a:ext uri="{FF2B5EF4-FFF2-40B4-BE49-F238E27FC236}">
+                <a16:creationId xmlns:a16="http://schemas.microsoft.com/office/drawing/2014/main" id="{4207F6DA-15F3-4733-698C-037404278E1D}"/>
+              </a:ext>
+            </a:extLst>
+          </p:cNvPr>
+          <p:cNvCxnSpPr>
+            <a:cxnSpLocks/>
+          </p:cNvCxnSpPr>
+          <p:nvPr/>
+        </p:nvCxnSpPr>
+        <p:spPr>
+          <a:xfrm>
+            <a:off x="179794" y="3543890"/>
+            <a:ext cx="2928516" cy="0"/>
+          </a:xfrm>
+          <a:prstGeom prst="line">
+            <a:avLst/>
+          </a:prstGeom>
+          <a:ln w="127000" cap="rnd">
+            <a:solidFill>
+              <a:srgbClr val="0070C0"/>
+            </a:solidFill>
+            <a:round/>
+          </a:ln>
+        </p:spPr>
+        <p:style>
+          <a:lnRef idx="1">
+            <a:schemeClr val="accent1"/>
+          </a:lnRef>
+          <a:fillRef idx="0">
+            <a:schemeClr val="accent1"/>
+          </a:fillRef>
+          <a:effectRef idx="0">
+            <a:schemeClr val="accent1"/>
+          </a:effectRef>
+          <a:fontRef idx="minor">
+            <a:schemeClr val="tx1"/>
+          </a:fontRef>
+        </p:style>
+      </p:cxnSp>
+      <p:cxnSp>
+        <p:nvCxnSpPr>
+          <p:cNvPr id="12" name="直接连接符 11">
+            <a:extLst>
+              <a:ext uri="{FF2B5EF4-FFF2-40B4-BE49-F238E27FC236}">
+                <a16:creationId xmlns:a16="http://schemas.microsoft.com/office/drawing/2014/main" id="{9FEC5363-2976-2602-5BE3-D8B2CE098A9B}"/>
+              </a:ext>
+            </a:extLst>
+          </p:cNvPr>
+          <p:cNvCxnSpPr>
+            <a:cxnSpLocks/>
+          </p:cNvCxnSpPr>
+          <p:nvPr/>
+        </p:nvCxnSpPr>
+        <p:spPr>
+          <a:xfrm rot="3600000">
+            <a:off x="1557183" y="2052818"/>
+            <a:ext cx="3443484" cy="0"/>
+          </a:xfrm>
+          <a:prstGeom prst="line">
+            <a:avLst/>
+          </a:prstGeom>
+          <a:ln w="127000" cap="rnd">
+            <a:solidFill>
+              <a:srgbClr val="0070C0"/>
+            </a:solidFill>
+            <a:round/>
+          </a:ln>
+        </p:spPr>
+        <p:style>
+          <a:lnRef idx="1">
+            <a:schemeClr val="accent1"/>
+          </a:lnRef>
+          <a:fillRef idx="0">
+            <a:schemeClr val="accent1"/>
+          </a:fillRef>
+          <a:effectRef idx="0">
+            <a:schemeClr val="accent1"/>
+          </a:effectRef>
+          <a:fontRef idx="minor">
+            <a:schemeClr val="tx1"/>
+          </a:fontRef>
+        </p:style>
+      </p:cxnSp>
+      <p:cxnSp>
+        <p:nvCxnSpPr>
+          <p:cNvPr id="13" name="直接连接符 12">
+            <a:extLst>
+              <a:ext uri="{FF2B5EF4-FFF2-40B4-BE49-F238E27FC236}">
+                <a16:creationId xmlns:a16="http://schemas.microsoft.com/office/drawing/2014/main" id="{DC097F5D-449B-E47C-F6D1-B8F80C4B5D59}"/>
+              </a:ext>
+            </a:extLst>
+          </p:cNvPr>
+          <p:cNvCxnSpPr>
+            <a:cxnSpLocks/>
+          </p:cNvCxnSpPr>
+          <p:nvPr/>
+        </p:nvCxnSpPr>
+        <p:spPr>
+          <a:xfrm flipV="1">
+            <a:off x="953628" y="561745"/>
+            <a:ext cx="1464427" cy="2536465"/>
+          </a:xfrm>
+          <a:prstGeom prst="line">
+            <a:avLst/>
+          </a:prstGeom>
+          <a:ln w="127000" cap="rnd">
+            <a:solidFill>
+              <a:srgbClr val="0070C0"/>
+            </a:solidFill>
+            <a:round/>
+          </a:ln>
+        </p:spPr>
+        <p:style>
+          <a:lnRef idx="1">
+            <a:schemeClr val="accent1"/>
+          </a:lnRef>
+          <a:fillRef idx="0">
+            <a:schemeClr val="accent1"/>
+          </a:fillRef>
+          <a:effectRef idx="0">
+            <a:schemeClr val="accent1"/>
+          </a:effectRef>
+          <a:fontRef idx="minor">
+            <a:schemeClr val="tx1"/>
+          </a:fontRef>
+        </p:style>
+      </p:cxnSp>
+      <p:cxnSp>
+        <p:nvCxnSpPr>
+          <p:cNvPr id="21" name="直接连接符 20">
+            <a:extLst>
+              <a:ext uri="{FF2B5EF4-FFF2-40B4-BE49-F238E27FC236}">
+                <a16:creationId xmlns:a16="http://schemas.microsoft.com/office/drawing/2014/main" id="{F9D47A5E-2C23-4F67-5D10-C804114C24A8}"/>
+              </a:ext>
+            </a:extLst>
+          </p:cNvPr>
+          <p:cNvCxnSpPr>
+            <a:cxnSpLocks/>
+          </p:cNvCxnSpPr>
+          <p:nvPr/>
+        </p:nvCxnSpPr>
+        <p:spPr>
+          <a:xfrm flipV="1">
+            <a:off x="954576" y="567744"/>
+            <a:ext cx="1461282" cy="2531015"/>
+          </a:xfrm>
+          <a:prstGeom prst="line">
+            <a:avLst/>
+          </a:prstGeom>
+          <a:ln w="127000" cap="rnd">
+            <a:solidFill>
+              <a:srgbClr val="0070C0"/>
+            </a:solidFill>
+            <a:round/>
+          </a:ln>
+        </p:spPr>
+        <p:style>
+          <a:lnRef idx="1">
+            <a:schemeClr val="accent1"/>
+          </a:lnRef>
+          <a:fillRef idx="0">
+            <a:schemeClr val="accent1"/>
+          </a:fillRef>
+          <a:effectRef idx="0">
+            <a:schemeClr val="accent1"/>
+          </a:effectRef>
+          <a:fontRef idx="minor">
+            <a:schemeClr val="tx1"/>
+          </a:fontRef>
+        </p:style>
+      </p:cxnSp>
+      <p:cxnSp>
+        <p:nvCxnSpPr>
+          <p:cNvPr id="22" name="直接连接符 21">
+            <a:extLst>
+              <a:ext uri="{FF2B5EF4-FFF2-40B4-BE49-F238E27FC236}">
+                <a16:creationId xmlns:a16="http://schemas.microsoft.com/office/drawing/2014/main" id="{0826AF7B-C371-9AB0-C0F2-8DC969907BD4}"/>
+              </a:ext>
+            </a:extLst>
+          </p:cNvPr>
+          <p:cNvCxnSpPr>
+            <a:cxnSpLocks/>
+          </p:cNvCxnSpPr>
+          <p:nvPr/>
+        </p:nvCxnSpPr>
+        <p:spPr>
+          <a:xfrm>
+            <a:off x="954578" y="3098759"/>
+            <a:ext cx="1890797" cy="0"/>
+          </a:xfrm>
+          <a:prstGeom prst="line">
+            <a:avLst/>
+          </a:prstGeom>
+          <a:ln w="127000" cap="rnd">
+            <a:solidFill>
+              <a:srgbClr val="0070C0"/>
+            </a:solidFill>
+            <a:round/>
+          </a:ln>
+        </p:spPr>
+        <p:style>
+          <a:lnRef idx="1">
+            <a:schemeClr val="accent1"/>
+          </a:lnRef>
+          <a:fillRef idx="0">
+            <a:schemeClr val="accent1"/>
+          </a:fillRef>
+          <a:effectRef idx="0">
+            <a:schemeClr val="accent1"/>
+          </a:effectRef>
+          <a:fontRef idx="minor">
+            <a:schemeClr val="tx1"/>
+          </a:fontRef>
+        </p:style>
+      </p:cxnSp>
+      <p:cxnSp>
+        <p:nvCxnSpPr>
+          <p:cNvPr id="33" name="直接连接符 32">
+            <a:extLst>
+              <a:ext uri="{FF2B5EF4-FFF2-40B4-BE49-F238E27FC236}">
+                <a16:creationId xmlns:a16="http://schemas.microsoft.com/office/drawing/2014/main" id="{9A5E6B8C-72DC-8BCB-6E00-42D4718BB83E}"/>
+              </a:ext>
+            </a:extLst>
+          </p:cNvPr>
+          <p:cNvCxnSpPr>
+            <a:cxnSpLocks/>
+          </p:cNvCxnSpPr>
+          <p:nvPr/>
+        </p:nvCxnSpPr>
+        <p:spPr>
+          <a:xfrm flipV="1">
+            <a:off x="1472064" y="1455456"/>
+            <a:ext cx="944971" cy="1636742"/>
+          </a:xfrm>
+          <a:prstGeom prst="line">
+            <a:avLst/>
+          </a:prstGeom>
+          <a:ln w="127000" cap="rnd">
+            <a:solidFill>
+              <a:srgbClr val="0070C0"/>
+            </a:solidFill>
+            <a:round/>
+          </a:ln>
+        </p:spPr>
+        <p:style>
+          <a:lnRef idx="1">
+            <a:schemeClr val="accent1"/>
+          </a:lnRef>
+          <a:fillRef idx="0">
+            <a:schemeClr val="accent1"/>
+          </a:fillRef>
+          <a:effectRef idx="0">
+            <a:schemeClr val="accent1"/>
+          </a:effectRef>
+          <a:fontRef idx="minor">
+            <a:schemeClr val="tx1"/>
+          </a:fontRef>
+        </p:style>
+      </p:cxnSp>
+      <p:cxnSp>
+        <p:nvCxnSpPr>
+          <p:cNvPr id="34" name="直接连接符 33">
+            <a:extLst>
+              <a:ext uri="{FF2B5EF4-FFF2-40B4-BE49-F238E27FC236}">
+                <a16:creationId xmlns:a16="http://schemas.microsoft.com/office/drawing/2014/main" id="{4CBE3319-537A-A6ED-8D59-D3CB01618A3B}"/>
+              </a:ext>
+            </a:extLst>
+          </p:cNvPr>
+          <p:cNvCxnSpPr>
+            <a:cxnSpLocks/>
+          </p:cNvCxnSpPr>
+          <p:nvPr/>
+        </p:nvCxnSpPr>
+        <p:spPr>
+          <a:xfrm>
+            <a:off x="954578" y="3988512"/>
+            <a:ext cx="2926957" cy="0"/>
+          </a:xfrm>
+          <a:prstGeom prst="line">
+            <a:avLst/>
+          </a:prstGeom>
+          <a:ln w="127000" cap="rnd">
+            <a:solidFill>
+              <a:srgbClr val="0070C0"/>
+            </a:solidFill>
+            <a:round/>
+          </a:ln>
+        </p:spPr>
+        <p:style>
+          <a:lnRef idx="1">
+            <a:schemeClr val="accent1"/>
+          </a:lnRef>
+          <a:fillRef idx="0">
+            <a:schemeClr val="accent1"/>
+          </a:fillRef>
+          <a:effectRef idx="0">
+            <a:schemeClr val="accent1"/>
+          </a:effectRef>
+          <a:fontRef idx="minor">
+            <a:schemeClr val="tx1"/>
+          </a:fontRef>
+        </p:style>
+      </p:cxnSp>
+      <p:cxnSp>
+        <p:nvCxnSpPr>
+          <p:cNvPr id="36" name="直接连接符 35">
+            <a:extLst>
+              <a:ext uri="{FF2B5EF4-FFF2-40B4-BE49-F238E27FC236}">
+                <a16:creationId xmlns:a16="http://schemas.microsoft.com/office/drawing/2014/main" id="{306ABA61-1BFE-7097-3C5D-76E2EB60B54B}"/>
+              </a:ext>
+            </a:extLst>
+          </p:cNvPr>
+          <p:cNvCxnSpPr/>
+          <p:nvPr/>
+        </p:nvCxnSpPr>
+        <p:spPr>
+          <a:xfrm>
+            <a:off x="1901533" y="561745"/>
+            <a:ext cx="516522" cy="0"/>
+          </a:xfrm>
+          <a:prstGeom prst="line">
+            <a:avLst/>
+          </a:prstGeom>
+          <a:ln w="127000" cap="rnd">
+            <a:solidFill>
+              <a:srgbClr val="0070C0"/>
+            </a:solidFill>
+            <a:round/>
+          </a:ln>
+        </p:spPr>
+        <p:style>
+          <a:lnRef idx="1">
+            <a:schemeClr val="accent1"/>
+          </a:lnRef>
+          <a:fillRef idx="0">
+            <a:schemeClr val="accent1"/>
+          </a:fillRef>
+          <a:effectRef idx="0">
+            <a:schemeClr val="accent1"/>
+          </a:effectRef>
+          <a:fontRef idx="minor">
+            <a:schemeClr val="tx1"/>
+          </a:fontRef>
+        </p:style>
+      </p:cxnSp>
+      <p:cxnSp>
+        <p:nvCxnSpPr>
+          <p:cNvPr id="38" name="直接连接符 37">
+            <a:extLst>
+              <a:ext uri="{FF2B5EF4-FFF2-40B4-BE49-F238E27FC236}">
+                <a16:creationId xmlns:a16="http://schemas.microsoft.com/office/drawing/2014/main" id="{1BBC74C7-5221-1D51-EEA6-D0F3E6B5FA8B}"/>
+              </a:ext>
+            </a:extLst>
+          </p:cNvPr>
+          <p:cNvCxnSpPr>
+            <a:cxnSpLocks/>
+          </p:cNvCxnSpPr>
+          <p:nvPr/>
+        </p:nvCxnSpPr>
+        <p:spPr>
+          <a:xfrm>
+            <a:off x="2160526" y="1902279"/>
+            <a:ext cx="947784" cy="1641612"/>
+          </a:xfrm>
+          <a:prstGeom prst="line">
+            <a:avLst/>
+          </a:prstGeom>
+          <a:ln w="127000" cap="rnd">
+            <a:solidFill>
+              <a:srgbClr val="0070C0"/>
+            </a:solidFill>
+            <a:round/>
+          </a:ln>
+        </p:spPr>
+        <p:style>
+          <a:lnRef idx="1">
+            <a:schemeClr val="accent1"/>
+          </a:lnRef>
+          <a:fillRef idx="0">
+            <a:schemeClr val="accent1"/>
+          </a:fillRef>
+          <a:effectRef idx="0">
+            <a:schemeClr val="accent1"/>
+          </a:effectRef>
+          <a:fontRef idx="minor">
+            <a:schemeClr val="tx1"/>
+          </a:fontRef>
+        </p:style>
+      </p:cxnSp>
+      <p:cxnSp>
+        <p:nvCxnSpPr>
+          <p:cNvPr id="40" name="直接连接符 39">
+            <a:extLst>
+              <a:ext uri="{FF2B5EF4-FFF2-40B4-BE49-F238E27FC236}">
+                <a16:creationId xmlns:a16="http://schemas.microsoft.com/office/drawing/2014/main" id="{2EDDF48D-5132-E478-8EDF-E7D21CA8E1E0}"/>
+              </a:ext>
+            </a:extLst>
+          </p:cNvPr>
+          <p:cNvCxnSpPr>
+            <a:cxnSpLocks/>
+          </p:cNvCxnSpPr>
+          <p:nvPr/>
+        </p:nvCxnSpPr>
+        <p:spPr>
+          <a:xfrm>
+            <a:off x="438055" y="3988512"/>
+            <a:ext cx="2926957" cy="0"/>
+          </a:xfrm>
+          <a:prstGeom prst="line">
+            <a:avLst/>
+          </a:prstGeom>
+          <a:ln w="127000" cap="rnd">
+            <a:solidFill>
+              <a:srgbClr val="0070C0"/>
+            </a:solidFill>
+            <a:round/>
+          </a:ln>
+        </p:spPr>
+        <p:style>
+          <a:lnRef idx="1">
+            <a:schemeClr val="accent1"/>
+          </a:lnRef>
+          <a:fillRef idx="0">
+            <a:schemeClr val="accent1"/>
+          </a:fillRef>
+          <a:effectRef idx="0">
+            <a:schemeClr val="accent1"/>
+          </a:effectRef>
+          <a:fontRef idx="minor">
+            <a:schemeClr val="tx1"/>
+          </a:fontRef>
+        </p:style>
+      </p:cxnSp>
+      <p:cxnSp>
+        <p:nvCxnSpPr>
+          <p:cNvPr id="42" name="直接连接符 41">
+            <a:extLst>
+              <a:ext uri="{FF2B5EF4-FFF2-40B4-BE49-F238E27FC236}">
+                <a16:creationId xmlns:a16="http://schemas.microsoft.com/office/drawing/2014/main" id="{E1A2934E-A8EC-196E-944F-0D7F665D7E30}"/>
+              </a:ext>
+            </a:extLst>
+          </p:cNvPr>
+          <p:cNvCxnSpPr/>
+          <p:nvPr/>
+        </p:nvCxnSpPr>
+        <p:spPr>
+          <a:xfrm flipV="1">
+            <a:off x="3881534" y="3543890"/>
+            <a:ext cx="258260" cy="444622"/>
+          </a:xfrm>
+          <a:prstGeom prst="line">
+            <a:avLst/>
+          </a:prstGeom>
+          <a:ln w="127000" cap="rnd">
+            <a:solidFill>
+              <a:srgbClr val="0070C0"/>
+            </a:solidFill>
+            <a:round/>
+          </a:ln>
+        </p:spPr>
+        <p:style>
+          <a:lnRef idx="1">
+            <a:schemeClr val="accent1"/>
+          </a:lnRef>
+          <a:fillRef idx="0">
+            <a:schemeClr val="accent1"/>
+          </a:fillRef>
+          <a:effectRef idx="0">
+            <a:schemeClr val="accent1"/>
+          </a:effectRef>
+          <a:fontRef idx="minor">
+            <a:schemeClr val="tx1"/>
+          </a:fontRef>
+        </p:style>
+      </p:cxnSp>
+      <p:cxnSp>
+        <p:nvCxnSpPr>
+          <p:cNvPr id="44" name="直接连接符 43">
+            <a:extLst>
+              <a:ext uri="{FF2B5EF4-FFF2-40B4-BE49-F238E27FC236}">
+                <a16:creationId xmlns:a16="http://schemas.microsoft.com/office/drawing/2014/main" id="{A9D64D56-0723-6C7A-494A-6883FA88A9E8}"/>
+              </a:ext>
+            </a:extLst>
+          </p:cNvPr>
+          <p:cNvCxnSpPr/>
+          <p:nvPr/>
+        </p:nvCxnSpPr>
+        <p:spPr>
+          <a:xfrm>
+            <a:off x="179794" y="3543890"/>
+            <a:ext cx="258261" cy="444622"/>
+          </a:xfrm>
+          <a:prstGeom prst="line">
+            <a:avLst/>
+          </a:prstGeom>
+          <a:ln w="127000" cap="rnd">
+            <a:solidFill>
+              <a:srgbClr val="0070C0"/>
+            </a:solidFill>
+            <a:round/>
+          </a:ln>
+        </p:spPr>
+        <p:style>
+          <a:lnRef idx="1">
+            <a:schemeClr val="accent1"/>
+          </a:lnRef>
+          <a:fillRef idx="0">
+            <a:schemeClr val="accent1"/>
+          </a:fillRef>
+          <a:effectRef idx="0">
+            <a:schemeClr val="accent1"/>
+          </a:effectRef>
+          <a:fontRef idx="minor">
+            <a:schemeClr val="tx1"/>
+          </a:fontRef>
+        </p:style>
+      </p:cxnSp>
+    </p:spTree>
+    <p:extLst>
+      <p:ext uri="{BB962C8B-B14F-4D97-AF65-F5344CB8AC3E}">
+        <p14:creationId xmlns:p14="http://schemas.microsoft.com/office/powerpoint/2010/main" val="773942116"/>
+      </p:ext>
+    </p:extLst>
+  </p:cSld>
+  <p:clrMapOvr>
+    <a:masterClrMapping/>
+  </p:clrMapOvr>
+</p:sld>
+</file>
+
 <file path=ppt/slides/slide2.xml><?xml version="1.0" encoding="utf-8"?>
 <p:sld xmlns:a="http://schemas.openxmlformats.org/drawingml/2006/main" xmlns:r="http://schemas.openxmlformats.org/officeDocument/2006/relationships" xmlns:p="http://schemas.openxmlformats.org/presentationml/2006/main">
   <p:cSld>
@@ -5407,6 +7746,16 @@
 <file path=ppt/slides/slide5.xml><?xml version="1.0" encoding="utf-8"?>
 <p:sld xmlns:a="http://schemas.openxmlformats.org/drawingml/2006/main" xmlns:r="http://schemas.openxmlformats.org/officeDocument/2006/relationships" xmlns:p="http://schemas.openxmlformats.org/presentationml/2006/main">
   <p:cSld>
+    <p:bg>
+      <p:bgPr>
+        <a:solidFill>
+          <a:schemeClr val="bg1">
+            <a:alpha val="0"/>
+          </a:schemeClr>
+        </a:solidFill>
+        <a:effectLst/>
+      </p:bgPr>
+    </p:bg>
     <p:spTree>
       <p:nvGrpSpPr>
         <p:cNvPr id="1" name=""/>
@@ -5533,14 +7882,11 @@
             </a:pathLst>
           </a:custGeom>
           <a:solidFill>
-            <a:schemeClr val="accent4">
-              <a:lumMod val="60000"/>
-              <a:lumOff val="40000"/>
-            </a:schemeClr>
+            <a:srgbClr val="307DEF"/>
           </a:solidFill>
           <a:ln w="12700" cap="rnd">
             <a:solidFill>
-              <a:schemeClr val="tx1"/>
+              <a:schemeClr val="bg1"/>
             </a:solidFill>
             <a:round/>
           </a:ln>
@@ -5568,7 +7914,7 @@
           <a:lstStyle/>
           <a:p>
             <a:pPr algn="ctr"/>
-            <a:endParaRPr lang="zh-CN" altLang="en-US"/>
+            <a:endParaRPr lang="zh-CN" altLang="en-US" dirty="0"/>
           </a:p>
         </p:txBody>
       </p:sp>
@@ -5684,14 +8030,11 @@
             </a:pathLst>
           </a:custGeom>
           <a:solidFill>
-            <a:schemeClr val="accent6">
-              <a:lumMod val="20000"/>
-              <a:lumOff val="80000"/>
-            </a:schemeClr>
+            <a:srgbClr val="00FF00"/>
           </a:solidFill>
           <a:ln w="12700" cap="rnd">
             <a:solidFill>
-              <a:schemeClr val="tx1"/>
+              <a:schemeClr val="bg1"/>
             </a:solidFill>
             <a:round/>
           </a:ln>
@@ -5719,7 +8062,7 @@
           <a:lstStyle/>
           <a:p>
             <a:pPr algn="ctr"/>
-            <a:endParaRPr lang="zh-CN" altLang="en-US"/>
+            <a:endParaRPr lang="zh-CN" altLang="en-US" dirty="0"/>
           </a:p>
         </p:txBody>
       </p:sp>
@@ -5951,13 +8294,11 @@
             </a:pathLst>
           </a:custGeom>
           <a:solidFill>
-            <a:schemeClr val="accent1">
-              <a:lumMod val="50000"/>
-            </a:schemeClr>
+            <a:srgbClr val="E74032"/>
           </a:solidFill>
           <a:ln w="12700" cap="rnd">
             <a:solidFill>
-              <a:schemeClr val="tx1"/>
+              <a:schemeClr val="bg1"/>
             </a:solidFill>
             <a:round/>
           </a:ln>
@@ -5992,7 +8333,7 @@
     </p:spTree>
     <p:extLst>
       <p:ext uri="{BB962C8B-B14F-4D97-AF65-F5344CB8AC3E}">
-        <p14:creationId xmlns:p14="http://schemas.microsoft.com/office/powerpoint/2010/main" val="672377086"/>
+        <p14:creationId xmlns:p14="http://schemas.microsoft.com/office/powerpoint/2010/main" val="1440401038"/>
       </p:ext>
     </p:extLst>
   </p:cSld>
@@ -6005,6 +8346,16 @@
 <file path=ppt/slides/slide6.xml><?xml version="1.0" encoding="utf-8"?>
 <p:sld xmlns:a="http://schemas.openxmlformats.org/drawingml/2006/main" xmlns:r="http://schemas.openxmlformats.org/officeDocument/2006/relationships" xmlns:p="http://schemas.openxmlformats.org/presentationml/2006/main">
   <p:cSld>
+    <p:bg>
+      <p:bgPr>
+        <a:solidFill>
+          <a:schemeClr val="bg1">
+            <a:alpha val="0"/>
+          </a:schemeClr>
+        </a:solidFill>
+        <a:effectLst/>
+      </p:bgPr>
+    </p:bg>
     <p:spTree>
       <p:nvGrpSpPr>
         <p:cNvPr id="1" name=""/>
@@ -6033,7 +8384,7 @@
         </p:nvSpPr>
         <p:spPr>
           <a:xfrm rot="7200000">
-            <a:off x="1455223" y="851092"/>
+            <a:off x="1452469" y="848371"/>
             <a:ext cx="3148937" cy="3191770"/>
           </a:xfrm>
           <a:custGeom>
@@ -6131,14 +8482,11 @@
             </a:pathLst>
           </a:custGeom>
           <a:solidFill>
-            <a:schemeClr val="tx1">
-              <a:lumMod val="75000"/>
-              <a:lumOff val="25000"/>
-            </a:schemeClr>
+            <a:srgbClr val="307DEF"/>
           </a:solidFill>
           <a:ln w="12700" cap="rnd">
             <a:solidFill>
-              <a:schemeClr val="tx1"/>
+              <a:srgbClr val="307DEF"/>
             </a:solidFill>
             <a:round/>
           </a:ln>
@@ -6166,7 +8514,7 @@
           <a:lstStyle/>
           <a:p>
             <a:pPr algn="ctr"/>
-            <a:endParaRPr lang="zh-CN" altLang="en-US"/>
+            <a:endParaRPr lang="zh-CN" altLang="en-US" dirty="0"/>
           </a:p>
         </p:txBody>
       </p:sp>
@@ -6184,7 +8532,7 @@
         </p:nvSpPr>
         <p:spPr>
           <a:xfrm>
-            <a:off x="41208" y="279152"/>
+            <a:off x="38487" y="281906"/>
             <a:ext cx="3148936" cy="3191771"/>
           </a:xfrm>
           <a:custGeom>
@@ -6282,13 +8630,11 @@
             </a:pathLst>
           </a:custGeom>
           <a:solidFill>
-            <a:schemeClr val="bg1">
-              <a:lumMod val="85000"/>
-            </a:schemeClr>
+            <a:srgbClr val="00FF00"/>
           </a:solidFill>
           <a:ln w="12700" cap="rnd">
             <a:solidFill>
-              <a:schemeClr val="tx1"/>
+              <a:srgbClr val="00FF00"/>
             </a:solidFill>
             <a:round/>
           </a:ln>
@@ -6316,7 +8662,7 @@
           <a:lstStyle/>
           <a:p>
             <a:pPr algn="ctr"/>
-            <a:endParaRPr lang="zh-CN" altLang="en-US"/>
+            <a:endParaRPr lang="zh-CN" altLang="en-US" dirty="0"/>
           </a:p>
         </p:txBody>
       </p:sp>
@@ -6334,7 +8680,7 @@
         </p:nvSpPr>
         <p:spPr>
           <a:xfrm rot="14400000">
-            <a:off x="271170" y="1792377"/>
+            <a:off x="271170" y="1794193"/>
             <a:ext cx="3131227" cy="3193317"/>
           </a:xfrm>
           <a:custGeom>
@@ -6470,28 +8816,6 @@
               <a:gd name="connsiteY9" fmla="*/ 2982145 h 2983590"/>
               <a:gd name="connsiteX10" fmla="*/ 1724789 w 2925577"/>
               <a:gd name="connsiteY10" fmla="*/ 0 h 2983590"/>
-              <a:gd name="connsiteX0" fmla="*/ 1724789 w 2925577"/>
-              <a:gd name="connsiteY0" fmla="*/ 0 h 2983590"/>
-              <a:gd name="connsiteX1" fmla="*/ 2236065 w 2925577"/>
-              <a:gd name="connsiteY1" fmla="*/ 0 h 2983590"/>
-              <a:gd name="connsiteX2" fmla="*/ 772907 w 2925577"/>
-              <a:gd name="connsiteY2" fmla="*/ 2529788 h 2983590"/>
-              <a:gd name="connsiteX3" fmla="*/ 2657215 w 2925577"/>
-              <a:gd name="connsiteY3" fmla="*/ 2529289 h 2983590"/>
-              <a:gd name="connsiteX4" fmla="*/ 2925577 w 2925577"/>
-              <a:gd name="connsiteY4" fmla="*/ 2983590 h 2983590"/>
-              <a:gd name="connsiteX5" fmla="*/ 773835 w 2925577"/>
-              <a:gd name="connsiteY5" fmla="*/ 2982145 h 2983590"/>
-              <a:gd name="connsiteX6" fmla="*/ 541062 w 2925577"/>
-              <a:gd name="connsiteY6" fmla="*/ 2982145 h 2983590"/>
-              <a:gd name="connsiteX7" fmla="*/ 511276 w 2925577"/>
-              <a:gd name="connsiteY7" fmla="*/ 2982145 h 2983590"/>
-              <a:gd name="connsiteX8" fmla="*/ 348164 w 2925577"/>
-              <a:gd name="connsiteY8" fmla="*/ 2982145 h 2983590"/>
-              <a:gd name="connsiteX9" fmla="*/ 0 w 2925577"/>
-              <a:gd name="connsiteY9" fmla="*/ 2982145 h 2983590"/>
-              <a:gd name="connsiteX10" fmla="*/ 1724789 w 2925577"/>
-              <a:gd name="connsiteY10" fmla="*/ 0 h 2983590"/>
             </a:gdLst>
             <a:ahLst/>
             <a:cxnLst>
@@ -6542,7 +8866,7 @@
                   <a:pt x="772907" y="2529788"/>
                 </a:lnTo>
                 <a:lnTo>
-                  <a:pt x="2657215" y="2529289"/>
+                  <a:pt x="2660379" y="2527200"/>
                 </a:lnTo>
                 <a:lnTo>
                   <a:pt x="2925577" y="2983590"/>
@@ -6570,14 +8894,11 @@
             </a:pathLst>
           </a:custGeom>
           <a:solidFill>
-            <a:schemeClr val="tx1">
-              <a:lumMod val="95000"/>
-              <a:lumOff val="5000"/>
-            </a:schemeClr>
+            <a:srgbClr val="E74032"/>
           </a:solidFill>
           <a:ln w="12700" cap="rnd">
             <a:solidFill>
-              <a:schemeClr val="tx1"/>
+              <a:srgbClr val="E74032"/>
             </a:solidFill>
             <a:round/>
           </a:ln>
@@ -6612,7 +8933,7 @@
     </p:spTree>
     <p:extLst>
       <p:ext uri="{BB962C8B-B14F-4D97-AF65-F5344CB8AC3E}">
-        <p14:creationId xmlns:p14="http://schemas.microsoft.com/office/powerpoint/2010/main" val="3864967212"/>
+        <p14:creationId xmlns:p14="http://schemas.microsoft.com/office/powerpoint/2010/main" val="3039330630"/>
       </p:ext>
     </p:extLst>
   </p:cSld>
@@ -6625,6 +8946,16 @@
 <file path=ppt/slides/slide7.xml><?xml version="1.0" encoding="utf-8"?>
 <p:sld xmlns:a="http://schemas.openxmlformats.org/drawingml/2006/main" xmlns:r="http://schemas.openxmlformats.org/officeDocument/2006/relationships" xmlns:p="http://schemas.openxmlformats.org/presentationml/2006/main">
   <p:cSld>
+    <p:bg>
+      <p:bgPr>
+        <a:solidFill>
+          <a:schemeClr val="bg1">
+            <a:alpha val="0"/>
+          </a:schemeClr>
+        </a:solidFill>
+        <a:effectLst/>
+      </p:bgPr>
+    </p:bg>
     <p:spTree>
       <p:nvGrpSpPr>
         <p:cNvPr id="1" name=""/>
@@ -6639,318 +8970,12 @@
           <a:chExt cx="0" cy="0"/>
         </a:xfrm>
       </p:grpSpPr>
-      <p:cxnSp>
-        <p:nvCxnSpPr>
-          <p:cNvPr id="8" name="直接连接符 7">
+      <p:sp>
+        <p:nvSpPr>
+          <p:cNvPr id="16" name="任意多边形: 形状 15">
             <a:extLst>
               <a:ext uri="{FF2B5EF4-FFF2-40B4-BE49-F238E27FC236}">
-                <a16:creationId xmlns:a16="http://schemas.microsoft.com/office/drawing/2014/main" id="{8423E8DD-1824-2945-67C5-20B420930E10}"/>
-              </a:ext>
-            </a:extLst>
-          </p:cNvPr>
-          <p:cNvCxnSpPr>
-            <a:cxnSpLocks/>
-          </p:cNvCxnSpPr>
-          <p:nvPr/>
-        </p:nvCxnSpPr>
-        <p:spPr>
-          <a:xfrm flipV="1">
-            <a:off x="179793" y="568424"/>
-            <a:ext cx="1717887" cy="2975466"/>
-          </a:xfrm>
-          <a:prstGeom prst="line">
-            <a:avLst/>
-          </a:prstGeom>
-          <a:ln w="25400" cap="rnd">
-            <a:solidFill>
-              <a:srgbClr val="2040FF"/>
-            </a:solidFill>
-            <a:round/>
-          </a:ln>
-        </p:spPr>
-        <p:style>
-          <a:lnRef idx="1">
-            <a:schemeClr val="accent1"/>
-          </a:lnRef>
-          <a:fillRef idx="0">
-            <a:schemeClr val="accent1"/>
-          </a:fillRef>
-          <a:effectRef idx="0">
-            <a:schemeClr val="accent1"/>
-          </a:effectRef>
-          <a:fontRef idx="minor">
-            <a:schemeClr val="tx1"/>
-          </a:fontRef>
-        </p:style>
-      </p:cxnSp>
-      <p:cxnSp>
-        <p:nvCxnSpPr>
-          <p:cNvPr id="9" name="直接连接符 8">
-            <a:extLst>
-              <a:ext uri="{FF2B5EF4-FFF2-40B4-BE49-F238E27FC236}">
-                <a16:creationId xmlns:a16="http://schemas.microsoft.com/office/drawing/2014/main" id="{4207F6DA-15F3-4733-698C-037404278E1D}"/>
-              </a:ext>
-            </a:extLst>
-          </p:cNvPr>
-          <p:cNvCxnSpPr>
-            <a:cxnSpLocks/>
-          </p:cNvCxnSpPr>
-          <p:nvPr/>
-        </p:nvCxnSpPr>
-        <p:spPr>
-          <a:xfrm>
-            <a:off x="179794" y="3543890"/>
-            <a:ext cx="2928516" cy="0"/>
-          </a:xfrm>
-          <a:prstGeom prst="line">
-            <a:avLst/>
-          </a:prstGeom>
-          <a:ln w="25400" cap="rnd">
-            <a:solidFill>
-              <a:srgbClr val="2040FF"/>
-            </a:solidFill>
-            <a:round/>
-          </a:ln>
-        </p:spPr>
-        <p:style>
-          <a:lnRef idx="1">
-            <a:schemeClr val="accent1"/>
-          </a:lnRef>
-          <a:fillRef idx="0">
-            <a:schemeClr val="accent1"/>
-          </a:fillRef>
-          <a:effectRef idx="0">
-            <a:schemeClr val="accent1"/>
-          </a:effectRef>
-          <a:fontRef idx="minor">
-            <a:schemeClr val="tx1"/>
-          </a:fontRef>
-        </p:style>
-      </p:cxnSp>
-      <p:cxnSp>
-        <p:nvCxnSpPr>
-          <p:cNvPr id="13" name="直接连接符 12">
-            <a:extLst>
-              <a:ext uri="{FF2B5EF4-FFF2-40B4-BE49-F238E27FC236}">
-                <a16:creationId xmlns:a16="http://schemas.microsoft.com/office/drawing/2014/main" id="{DC097F5D-449B-E47C-F6D1-B8F80C4B5D59}"/>
-              </a:ext>
-            </a:extLst>
-          </p:cNvPr>
-          <p:cNvCxnSpPr>
-            <a:cxnSpLocks/>
-          </p:cNvCxnSpPr>
-          <p:nvPr/>
-        </p:nvCxnSpPr>
-        <p:spPr>
-          <a:xfrm flipV="1">
-            <a:off x="953628" y="561745"/>
-            <a:ext cx="1464427" cy="2536465"/>
-          </a:xfrm>
-          <a:prstGeom prst="line">
-            <a:avLst/>
-          </a:prstGeom>
-          <a:ln w="25400" cap="rnd">
-            <a:solidFill>
-              <a:srgbClr val="2040FF"/>
-            </a:solidFill>
-            <a:round/>
-          </a:ln>
-        </p:spPr>
-        <p:style>
-          <a:lnRef idx="1">
-            <a:schemeClr val="accent1"/>
-          </a:lnRef>
-          <a:fillRef idx="0">
-            <a:schemeClr val="accent1"/>
-          </a:fillRef>
-          <a:effectRef idx="0">
-            <a:schemeClr val="accent1"/>
-          </a:effectRef>
-          <a:fontRef idx="minor">
-            <a:schemeClr val="tx1"/>
-          </a:fontRef>
-        </p:style>
-      </p:cxnSp>
-      <p:cxnSp>
-        <p:nvCxnSpPr>
-          <p:cNvPr id="21" name="直接连接符 20">
-            <a:extLst>
-              <a:ext uri="{FF2B5EF4-FFF2-40B4-BE49-F238E27FC236}">
-                <a16:creationId xmlns:a16="http://schemas.microsoft.com/office/drawing/2014/main" id="{F9D47A5E-2C23-4F67-5D10-C804114C24A8}"/>
-              </a:ext>
-            </a:extLst>
-          </p:cNvPr>
-          <p:cNvCxnSpPr>
-            <a:cxnSpLocks/>
-          </p:cNvCxnSpPr>
-          <p:nvPr/>
-        </p:nvCxnSpPr>
-        <p:spPr>
-          <a:xfrm flipV="1">
-            <a:off x="954576" y="567744"/>
-            <a:ext cx="1461282" cy="2531015"/>
-          </a:xfrm>
-          <a:prstGeom prst="line">
-            <a:avLst/>
-          </a:prstGeom>
-          <a:ln w="25400" cap="rnd">
-            <a:solidFill>
-              <a:srgbClr val="2040FF"/>
-            </a:solidFill>
-            <a:round/>
-          </a:ln>
-        </p:spPr>
-        <p:style>
-          <a:lnRef idx="1">
-            <a:schemeClr val="accent1"/>
-          </a:lnRef>
-          <a:fillRef idx="0">
-            <a:schemeClr val="accent1"/>
-          </a:fillRef>
-          <a:effectRef idx="0">
-            <a:schemeClr val="accent1"/>
-          </a:effectRef>
-          <a:fontRef idx="minor">
-            <a:schemeClr val="tx1"/>
-          </a:fontRef>
-        </p:style>
-      </p:cxnSp>
-      <p:cxnSp>
-        <p:nvCxnSpPr>
-          <p:cNvPr id="22" name="直接连接符 21">
-            <a:extLst>
-              <a:ext uri="{FF2B5EF4-FFF2-40B4-BE49-F238E27FC236}">
-                <a16:creationId xmlns:a16="http://schemas.microsoft.com/office/drawing/2014/main" id="{0826AF7B-C371-9AB0-C0F2-8DC969907BD4}"/>
-              </a:ext>
-            </a:extLst>
-          </p:cNvPr>
-          <p:cNvCxnSpPr>
-            <a:cxnSpLocks/>
-          </p:cNvCxnSpPr>
-          <p:nvPr/>
-        </p:nvCxnSpPr>
-        <p:spPr>
-          <a:xfrm>
-            <a:off x="954578" y="3098759"/>
-            <a:ext cx="1890797" cy="0"/>
-          </a:xfrm>
-          <a:prstGeom prst="line">
-            <a:avLst/>
-          </a:prstGeom>
-          <a:ln w="25400" cap="rnd">
-            <a:solidFill>
-              <a:srgbClr val="2040FF"/>
-            </a:solidFill>
-            <a:round/>
-          </a:ln>
-        </p:spPr>
-        <p:style>
-          <a:lnRef idx="1">
-            <a:schemeClr val="accent1"/>
-          </a:lnRef>
-          <a:fillRef idx="0">
-            <a:schemeClr val="accent1"/>
-          </a:fillRef>
-          <a:effectRef idx="0">
-            <a:schemeClr val="accent1"/>
-          </a:effectRef>
-          <a:fontRef idx="minor">
-            <a:schemeClr val="tx1"/>
-          </a:fontRef>
-        </p:style>
-      </p:cxnSp>
-      <p:cxnSp>
-        <p:nvCxnSpPr>
-          <p:cNvPr id="36" name="直接连接符 35">
-            <a:extLst>
-              <a:ext uri="{FF2B5EF4-FFF2-40B4-BE49-F238E27FC236}">
-                <a16:creationId xmlns:a16="http://schemas.microsoft.com/office/drawing/2014/main" id="{306ABA61-1BFE-7097-3C5D-76E2EB60B54B}"/>
-              </a:ext>
-            </a:extLst>
-          </p:cNvPr>
-          <p:cNvCxnSpPr/>
-          <p:nvPr/>
-        </p:nvCxnSpPr>
-        <p:spPr>
-          <a:xfrm>
-            <a:off x="1901533" y="561745"/>
-            <a:ext cx="516522" cy="0"/>
-          </a:xfrm>
-          <a:prstGeom prst="line">
-            <a:avLst/>
-          </a:prstGeom>
-          <a:ln w="25400" cap="rnd">
-            <a:solidFill>
-              <a:srgbClr val="2040FF"/>
-            </a:solidFill>
-            <a:round/>
-          </a:ln>
-        </p:spPr>
-        <p:style>
-          <a:lnRef idx="1">
-            <a:schemeClr val="accent1"/>
-          </a:lnRef>
-          <a:fillRef idx="0">
-            <a:schemeClr val="accent1"/>
-          </a:fillRef>
-          <a:effectRef idx="0">
-            <a:schemeClr val="accent1"/>
-          </a:effectRef>
-          <a:fontRef idx="minor">
-            <a:schemeClr val="tx1"/>
-          </a:fontRef>
-        </p:style>
-      </p:cxnSp>
-      <p:cxnSp>
-        <p:nvCxnSpPr>
-          <p:cNvPr id="38" name="直接连接符 37">
-            <a:extLst>
-              <a:ext uri="{FF2B5EF4-FFF2-40B4-BE49-F238E27FC236}">
-                <a16:creationId xmlns:a16="http://schemas.microsoft.com/office/drawing/2014/main" id="{1BBC74C7-5221-1D51-EEA6-D0F3E6B5FA8B}"/>
-              </a:ext>
-            </a:extLst>
-          </p:cNvPr>
-          <p:cNvCxnSpPr>
-            <a:cxnSpLocks/>
-          </p:cNvCxnSpPr>
-          <p:nvPr/>
-        </p:nvCxnSpPr>
-        <p:spPr>
-          <a:xfrm>
-            <a:off x="2850996" y="3098210"/>
-            <a:ext cx="257314" cy="445681"/>
-          </a:xfrm>
-          <a:prstGeom prst="line">
-            <a:avLst/>
-          </a:prstGeom>
-          <a:ln w="25400" cap="rnd">
-            <a:solidFill>
-              <a:srgbClr val="2040FF"/>
-            </a:solidFill>
-            <a:round/>
-          </a:ln>
-        </p:spPr>
-        <p:style>
-          <a:lnRef idx="1">
-            <a:schemeClr val="accent1"/>
-          </a:lnRef>
-          <a:fillRef idx="0">
-            <a:schemeClr val="accent1"/>
-          </a:fillRef>
-          <a:effectRef idx="0">
-            <a:schemeClr val="accent1"/>
-          </a:effectRef>
-          <a:fontRef idx="minor">
-            <a:schemeClr val="tx1"/>
-          </a:fontRef>
-        </p:style>
-      </p:cxnSp>
-      <p:sp>
-        <p:nvSpPr>
-          <p:cNvPr id="15" name="任意多边形: 形状 14">
-            <a:extLst>
-              <a:ext uri="{FF2B5EF4-FFF2-40B4-BE49-F238E27FC236}">
-                <a16:creationId xmlns:a16="http://schemas.microsoft.com/office/drawing/2014/main" id="{28E572E3-15A2-1A2F-057B-486B234936F6}"/>
+                <a16:creationId xmlns:a16="http://schemas.microsoft.com/office/drawing/2014/main" id="{FA92C7D5-14E0-3279-E984-C3CBC050DFD8}"/>
               </a:ext>
             </a:extLst>
           </p:cNvPr>
@@ -6958,9 +8983,9 @@
           <p:nvPr/>
         </p:nvSpPr>
         <p:spPr>
-          <a:xfrm>
-            <a:off x="179792" y="568418"/>
-            <a:ext cx="2942124" cy="2982145"/>
+          <a:xfrm rot="7200000">
+            <a:off x="1452469" y="848371"/>
+            <a:ext cx="3148937" cy="3191770"/>
           </a:xfrm>
           <a:custGeom>
             <a:avLst/>
@@ -7056,7 +9081,15 @@
               </a:path>
             </a:pathLst>
           </a:custGeom>
-          <a:ln w="12700" cap="rnd"/>
+          <a:solidFill>
+            <a:srgbClr val="00FF00"/>
+          </a:solidFill>
+          <a:ln w="12700" cap="rnd">
+            <a:solidFill>
+              <a:schemeClr val="bg1"/>
+            </a:solidFill>
+            <a:round/>
+          </a:ln>
         </p:spPr>
         <p:style>
           <a:lnRef idx="2">
@@ -7081,6 +9114,418 @@
           <a:lstStyle/>
           <a:p>
             <a:pPr algn="ctr"/>
+            <a:endParaRPr lang="zh-CN" altLang="en-US" dirty="0"/>
+          </a:p>
+        </p:txBody>
+      </p:sp>
+      <p:sp>
+        <p:nvSpPr>
+          <p:cNvPr id="15" name="任意多边形: 形状 14">
+            <a:extLst>
+              <a:ext uri="{FF2B5EF4-FFF2-40B4-BE49-F238E27FC236}">
+                <a16:creationId xmlns:a16="http://schemas.microsoft.com/office/drawing/2014/main" id="{28E572E3-15A2-1A2F-057B-486B234936F6}"/>
+              </a:ext>
+            </a:extLst>
+          </p:cNvPr>
+          <p:cNvSpPr/>
+          <p:nvPr/>
+        </p:nvSpPr>
+        <p:spPr>
+          <a:xfrm>
+            <a:off x="38487" y="281906"/>
+            <a:ext cx="3148936" cy="3191771"/>
+          </a:xfrm>
+          <a:custGeom>
+            <a:avLst/>
+            <a:gdLst>
+              <a:gd name="connsiteX0" fmla="*/ 1724789 w 2942124"/>
+              <a:gd name="connsiteY0" fmla="*/ 0 h 2982145"/>
+              <a:gd name="connsiteX1" fmla="*/ 2236065 w 2942124"/>
+              <a:gd name="connsiteY1" fmla="*/ 0 h 2982145"/>
+              <a:gd name="connsiteX2" fmla="*/ 772907 w 2942124"/>
+              <a:gd name="connsiteY2" fmla="*/ 2529788 h 2982145"/>
+              <a:gd name="connsiteX3" fmla="*/ 2673026 w 2942124"/>
+              <a:gd name="connsiteY3" fmla="*/ 2529788 h 2982145"/>
+              <a:gd name="connsiteX4" fmla="*/ 2942124 w 2942124"/>
+              <a:gd name="connsiteY4" fmla="*/ 2982145 h 2982145"/>
+              <a:gd name="connsiteX5" fmla="*/ 773835 w 2942124"/>
+              <a:gd name="connsiteY5" fmla="*/ 2982145 h 2982145"/>
+              <a:gd name="connsiteX6" fmla="*/ 541062 w 2942124"/>
+              <a:gd name="connsiteY6" fmla="*/ 2982145 h 2982145"/>
+              <a:gd name="connsiteX7" fmla="*/ 511276 w 2942124"/>
+              <a:gd name="connsiteY7" fmla="*/ 2982145 h 2982145"/>
+              <a:gd name="connsiteX8" fmla="*/ 348164 w 2942124"/>
+              <a:gd name="connsiteY8" fmla="*/ 2982145 h 2982145"/>
+              <a:gd name="connsiteX9" fmla="*/ 0 w 2942124"/>
+              <a:gd name="connsiteY9" fmla="*/ 2982145 h 2982145"/>
+            </a:gdLst>
+            <a:ahLst/>
+            <a:cxnLst>
+              <a:cxn ang="0">
+                <a:pos x="connsiteX0" y="connsiteY0"/>
+              </a:cxn>
+              <a:cxn ang="0">
+                <a:pos x="connsiteX1" y="connsiteY1"/>
+              </a:cxn>
+              <a:cxn ang="0">
+                <a:pos x="connsiteX2" y="connsiteY2"/>
+              </a:cxn>
+              <a:cxn ang="0">
+                <a:pos x="connsiteX3" y="connsiteY3"/>
+              </a:cxn>
+              <a:cxn ang="0">
+                <a:pos x="connsiteX4" y="connsiteY4"/>
+              </a:cxn>
+              <a:cxn ang="0">
+                <a:pos x="connsiteX5" y="connsiteY5"/>
+              </a:cxn>
+              <a:cxn ang="0">
+                <a:pos x="connsiteX6" y="connsiteY6"/>
+              </a:cxn>
+              <a:cxn ang="0">
+                <a:pos x="connsiteX7" y="connsiteY7"/>
+              </a:cxn>
+              <a:cxn ang="0">
+                <a:pos x="connsiteX8" y="connsiteY8"/>
+              </a:cxn>
+              <a:cxn ang="0">
+                <a:pos x="connsiteX9" y="connsiteY9"/>
+              </a:cxn>
+            </a:cxnLst>
+            <a:rect l="l" t="t" r="r" b="b"/>
+            <a:pathLst>
+              <a:path w="2942124" h="2982145">
+                <a:moveTo>
+                  <a:pt x="1724789" y="0"/>
+                </a:moveTo>
+                <a:lnTo>
+                  <a:pt x="2236065" y="0"/>
+                </a:lnTo>
+                <a:lnTo>
+                  <a:pt x="772907" y="2529788"/>
+                </a:lnTo>
+                <a:lnTo>
+                  <a:pt x="2673026" y="2529788"/>
+                </a:lnTo>
+                <a:lnTo>
+                  <a:pt x="2942124" y="2982145"/>
+                </a:lnTo>
+                <a:lnTo>
+                  <a:pt x="773835" y="2982145"/>
+                </a:lnTo>
+                <a:lnTo>
+                  <a:pt x="541062" y="2982145"/>
+                </a:lnTo>
+                <a:lnTo>
+                  <a:pt x="511276" y="2982145"/>
+                </a:lnTo>
+                <a:lnTo>
+                  <a:pt x="348164" y="2982145"/>
+                </a:lnTo>
+                <a:lnTo>
+                  <a:pt x="0" y="2982145"/>
+                </a:lnTo>
+                <a:close/>
+              </a:path>
+            </a:pathLst>
+          </a:custGeom>
+          <a:solidFill>
+            <a:srgbClr val="307DEF"/>
+          </a:solidFill>
+          <a:ln w="12700" cap="rnd">
+            <a:solidFill>
+              <a:schemeClr val="bg1"/>
+            </a:solidFill>
+            <a:round/>
+          </a:ln>
+        </p:spPr>
+        <p:style>
+          <a:lnRef idx="2">
+            <a:schemeClr val="accent1">
+              <a:shade val="15000"/>
+            </a:schemeClr>
+          </a:lnRef>
+          <a:fillRef idx="1">
+            <a:schemeClr val="accent1"/>
+          </a:fillRef>
+          <a:effectRef idx="0">
+            <a:schemeClr val="accent1"/>
+          </a:effectRef>
+          <a:fontRef idx="minor">
+            <a:schemeClr val="lt1"/>
+          </a:fontRef>
+        </p:style>
+        <p:txBody>
+          <a:bodyPr wrap="square" rtlCol="0" anchor="ctr">
+            <a:noAutofit/>
+          </a:bodyPr>
+          <a:lstStyle/>
+          <a:p>
+            <a:pPr algn="ctr"/>
+            <a:endParaRPr lang="zh-CN" altLang="en-US" dirty="0"/>
+          </a:p>
+        </p:txBody>
+      </p:sp>
+      <p:sp>
+        <p:nvSpPr>
+          <p:cNvPr id="17" name="任意多边形: 形状 16">
+            <a:extLst>
+              <a:ext uri="{FF2B5EF4-FFF2-40B4-BE49-F238E27FC236}">
+                <a16:creationId xmlns:a16="http://schemas.microsoft.com/office/drawing/2014/main" id="{1C855657-7518-4D1D-D583-C358A99388FE}"/>
+              </a:ext>
+            </a:extLst>
+          </p:cNvPr>
+          <p:cNvSpPr/>
+          <p:nvPr/>
+        </p:nvSpPr>
+        <p:spPr>
+          <a:xfrm rot="14400000">
+            <a:off x="271170" y="1794193"/>
+            <a:ext cx="3131227" cy="3193317"/>
+          </a:xfrm>
+          <a:custGeom>
+            <a:avLst/>
+            <a:gdLst>
+              <a:gd name="connsiteX0" fmla="*/ 1724789 w 2942124"/>
+              <a:gd name="connsiteY0" fmla="*/ 0 h 2982145"/>
+              <a:gd name="connsiteX1" fmla="*/ 2236065 w 2942124"/>
+              <a:gd name="connsiteY1" fmla="*/ 0 h 2982145"/>
+              <a:gd name="connsiteX2" fmla="*/ 772907 w 2942124"/>
+              <a:gd name="connsiteY2" fmla="*/ 2529788 h 2982145"/>
+              <a:gd name="connsiteX3" fmla="*/ 2673026 w 2942124"/>
+              <a:gd name="connsiteY3" fmla="*/ 2529788 h 2982145"/>
+              <a:gd name="connsiteX4" fmla="*/ 2942124 w 2942124"/>
+              <a:gd name="connsiteY4" fmla="*/ 2982145 h 2982145"/>
+              <a:gd name="connsiteX5" fmla="*/ 773835 w 2942124"/>
+              <a:gd name="connsiteY5" fmla="*/ 2982145 h 2982145"/>
+              <a:gd name="connsiteX6" fmla="*/ 541062 w 2942124"/>
+              <a:gd name="connsiteY6" fmla="*/ 2982145 h 2982145"/>
+              <a:gd name="connsiteX7" fmla="*/ 511276 w 2942124"/>
+              <a:gd name="connsiteY7" fmla="*/ 2982145 h 2982145"/>
+              <a:gd name="connsiteX8" fmla="*/ 348164 w 2942124"/>
+              <a:gd name="connsiteY8" fmla="*/ 2982145 h 2982145"/>
+              <a:gd name="connsiteX9" fmla="*/ 0 w 2942124"/>
+              <a:gd name="connsiteY9" fmla="*/ 2982145 h 2982145"/>
+              <a:gd name="connsiteX0" fmla="*/ 1724789 w 2931154"/>
+              <a:gd name="connsiteY0" fmla="*/ 0 h 2982145"/>
+              <a:gd name="connsiteX1" fmla="*/ 2236065 w 2931154"/>
+              <a:gd name="connsiteY1" fmla="*/ 0 h 2982145"/>
+              <a:gd name="connsiteX2" fmla="*/ 772907 w 2931154"/>
+              <a:gd name="connsiteY2" fmla="*/ 2529788 h 2982145"/>
+              <a:gd name="connsiteX3" fmla="*/ 2673026 w 2931154"/>
+              <a:gd name="connsiteY3" fmla="*/ 2529788 h 2982145"/>
+              <a:gd name="connsiteX4" fmla="*/ 2931154 w 2931154"/>
+              <a:gd name="connsiteY4" fmla="*/ 2982096 h 2982145"/>
+              <a:gd name="connsiteX5" fmla="*/ 773835 w 2931154"/>
+              <a:gd name="connsiteY5" fmla="*/ 2982145 h 2982145"/>
+              <a:gd name="connsiteX6" fmla="*/ 541062 w 2931154"/>
+              <a:gd name="connsiteY6" fmla="*/ 2982145 h 2982145"/>
+              <a:gd name="connsiteX7" fmla="*/ 511276 w 2931154"/>
+              <a:gd name="connsiteY7" fmla="*/ 2982145 h 2982145"/>
+              <a:gd name="connsiteX8" fmla="*/ 348164 w 2931154"/>
+              <a:gd name="connsiteY8" fmla="*/ 2982145 h 2982145"/>
+              <a:gd name="connsiteX9" fmla="*/ 0 w 2931154"/>
+              <a:gd name="connsiteY9" fmla="*/ 2982145 h 2982145"/>
+              <a:gd name="connsiteX10" fmla="*/ 1724789 w 2931154"/>
+              <a:gd name="connsiteY10" fmla="*/ 0 h 2982145"/>
+              <a:gd name="connsiteX0" fmla="*/ 1724789 w 2931154"/>
+              <a:gd name="connsiteY0" fmla="*/ 0 h 2982145"/>
+              <a:gd name="connsiteX1" fmla="*/ 2236065 w 2931154"/>
+              <a:gd name="connsiteY1" fmla="*/ 0 h 2982145"/>
+              <a:gd name="connsiteX2" fmla="*/ 772907 w 2931154"/>
+              <a:gd name="connsiteY2" fmla="*/ 2529788 h 2982145"/>
+              <a:gd name="connsiteX3" fmla="*/ 2665093 w 2931154"/>
+              <a:gd name="connsiteY3" fmla="*/ 2529922 h 2982145"/>
+              <a:gd name="connsiteX4" fmla="*/ 2931154 w 2931154"/>
+              <a:gd name="connsiteY4" fmla="*/ 2982096 h 2982145"/>
+              <a:gd name="connsiteX5" fmla="*/ 773835 w 2931154"/>
+              <a:gd name="connsiteY5" fmla="*/ 2982145 h 2982145"/>
+              <a:gd name="connsiteX6" fmla="*/ 541062 w 2931154"/>
+              <a:gd name="connsiteY6" fmla="*/ 2982145 h 2982145"/>
+              <a:gd name="connsiteX7" fmla="*/ 511276 w 2931154"/>
+              <a:gd name="connsiteY7" fmla="*/ 2982145 h 2982145"/>
+              <a:gd name="connsiteX8" fmla="*/ 348164 w 2931154"/>
+              <a:gd name="connsiteY8" fmla="*/ 2982145 h 2982145"/>
+              <a:gd name="connsiteX9" fmla="*/ 0 w 2931154"/>
+              <a:gd name="connsiteY9" fmla="*/ 2982145 h 2982145"/>
+              <a:gd name="connsiteX10" fmla="*/ 1724789 w 2931154"/>
+              <a:gd name="connsiteY10" fmla="*/ 0 h 2982145"/>
+              <a:gd name="connsiteX0" fmla="*/ 1724789 w 2931154"/>
+              <a:gd name="connsiteY0" fmla="*/ 0 h 2982145"/>
+              <a:gd name="connsiteX1" fmla="*/ 2236065 w 2931154"/>
+              <a:gd name="connsiteY1" fmla="*/ 0 h 2982145"/>
+              <a:gd name="connsiteX2" fmla="*/ 772907 w 2931154"/>
+              <a:gd name="connsiteY2" fmla="*/ 2529788 h 2982145"/>
+              <a:gd name="connsiteX3" fmla="*/ 2660379 w 2931154"/>
+              <a:gd name="connsiteY3" fmla="*/ 2527200 h 2982145"/>
+              <a:gd name="connsiteX4" fmla="*/ 2931154 w 2931154"/>
+              <a:gd name="connsiteY4" fmla="*/ 2982096 h 2982145"/>
+              <a:gd name="connsiteX5" fmla="*/ 773835 w 2931154"/>
+              <a:gd name="connsiteY5" fmla="*/ 2982145 h 2982145"/>
+              <a:gd name="connsiteX6" fmla="*/ 541062 w 2931154"/>
+              <a:gd name="connsiteY6" fmla="*/ 2982145 h 2982145"/>
+              <a:gd name="connsiteX7" fmla="*/ 511276 w 2931154"/>
+              <a:gd name="connsiteY7" fmla="*/ 2982145 h 2982145"/>
+              <a:gd name="connsiteX8" fmla="*/ 348164 w 2931154"/>
+              <a:gd name="connsiteY8" fmla="*/ 2982145 h 2982145"/>
+              <a:gd name="connsiteX9" fmla="*/ 0 w 2931154"/>
+              <a:gd name="connsiteY9" fmla="*/ 2982145 h 2982145"/>
+              <a:gd name="connsiteX10" fmla="*/ 1724789 w 2931154"/>
+              <a:gd name="connsiteY10" fmla="*/ 0 h 2982145"/>
+              <a:gd name="connsiteX0" fmla="*/ 1724789 w 2903139"/>
+              <a:gd name="connsiteY0" fmla="*/ 0 h 2982145"/>
+              <a:gd name="connsiteX1" fmla="*/ 2236065 w 2903139"/>
+              <a:gd name="connsiteY1" fmla="*/ 0 h 2982145"/>
+              <a:gd name="connsiteX2" fmla="*/ 772907 w 2903139"/>
+              <a:gd name="connsiteY2" fmla="*/ 2529788 h 2982145"/>
+              <a:gd name="connsiteX3" fmla="*/ 2660379 w 2903139"/>
+              <a:gd name="connsiteY3" fmla="*/ 2527200 h 2982145"/>
+              <a:gd name="connsiteX4" fmla="*/ 2903139 w 2903139"/>
+              <a:gd name="connsiteY4" fmla="*/ 2981634 h 2982145"/>
+              <a:gd name="connsiteX5" fmla="*/ 773835 w 2903139"/>
+              <a:gd name="connsiteY5" fmla="*/ 2982145 h 2982145"/>
+              <a:gd name="connsiteX6" fmla="*/ 541062 w 2903139"/>
+              <a:gd name="connsiteY6" fmla="*/ 2982145 h 2982145"/>
+              <a:gd name="connsiteX7" fmla="*/ 511276 w 2903139"/>
+              <a:gd name="connsiteY7" fmla="*/ 2982145 h 2982145"/>
+              <a:gd name="connsiteX8" fmla="*/ 348164 w 2903139"/>
+              <a:gd name="connsiteY8" fmla="*/ 2982145 h 2982145"/>
+              <a:gd name="connsiteX9" fmla="*/ 0 w 2903139"/>
+              <a:gd name="connsiteY9" fmla="*/ 2982145 h 2982145"/>
+              <a:gd name="connsiteX10" fmla="*/ 1724789 w 2903139"/>
+              <a:gd name="connsiteY10" fmla="*/ 0 h 2982145"/>
+              <a:gd name="connsiteX0" fmla="*/ 1724789 w 2925577"/>
+              <a:gd name="connsiteY0" fmla="*/ 0 h 2983590"/>
+              <a:gd name="connsiteX1" fmla="*/ 2236065 w 2925577"/>
+              <a:gd name="connsiteY1" fmla="*/ 0 h 2983590"/>
+              <a:gd name="connsiteX2" fmla="*/ 772907 w 2925577"/>
+              <a:gd name="connsiteY2" fmla="*/ 2529788 h 2983590"/>
+              <a:gd name="connsiteX3" fmla="*/ 2660379 w 2925577"/>
+              <a:gd name="connsiteY3" fmla="*/ 2527200 h 2983590"/>
+              <a:gd name="connsiteX4" fmla="*/ 2925577 w 2925577"/>
+              <a:gd name="connsiteY4" fmla="*/ 2983590 h 2983590"/>
+              <a:gd name="connsiteX5" fmla="*/ 773835 w 2925577"/>
+              <a:gd name="connsiteY5" fmla="*/ 2982145 h 2983590"/>
+              <a:gd name="connsiteX6" fmla="*/ 541062 w 2925577"/>
+              <a:gd name="connsiteY6" fmla="*/ 2982145 h 2983590"/>
+              <a:gd name="connsiteX7" fmla="*/ 511276 w 2925577"/>
+              <a:gd name="connsiteY7" fmla="*/ 2982145 h 2983590"/>
+              <a:gd name="connsiteX8" fmla="*/ 348164 w 2925577"/>
+              <a:gd name="connsiteY8" fmla="*/ 2982145 h 2983590"/>
+              <a:gd name="connsiteX9" fmla="*/ 0 w 2925577"/>
+              <a:gd name="connsiteY9" fmla="*/ 2982145 h 2983590"/>
+              <a:gd name="connsiteX10" fmla="*/ 1724789 w 2925577"/>
+              <a:gd name="connsiteY10" fmla="*/ 0 h 2983590"/>
+            </a:gdLst>
+            <a:ahLst/>
+            <a:cxnLst>
+              <a:cxn ang="0">
+                <a:pos x="connsiteX0" y="connsiteY0"/>
+              </a:cxn>
+              <a:cxn ang="0">
+                <a:pos x="connsiteX1" y="connsiteY1"/>
+              </a:cxn>
+              <a:cxn ang="0">
+                <a:pos x="connsiteX2" y="connsiteY2"/>
+              </a:cxn>
+              <a:cxn ang="0">
+                <a:pos x="connsiteX3" y="connsiteY3"/>
+              </a:cxn>
+              <a:cxn ang="0">
+                <a:pos x="connsiteX4" y="connsiteY4"/>
+              </a:cxn>
+              <a:cxn ang="0">
+                <a:pos x="connsiteX5" y="connsiteY5"/>
+              </a:cxn>
+              <a:cxn ang="0">
+                <a:pos x="connsiteX6" y="connsiteY6"/>
+              </a:cxn>
+              <a:cxn ang="0">
+                <a:pos x="connsiteX7" y="connsiteY7"/>
+              </a:cxn>
+              <a:cxn ang="0">
+                <a:pos x="connsiteX8" y="connsiteY8"/>
+              </a:cxn>
+              <a:cxn ang="0">
+                <a:pos x="connsiteX9" y="connsiteY9"/>
+              </a:cxn>
+              <a:cxn ang="0">
+                <a:pos x="connsiteX10" y="connsiteY10"/>
+              </a:cxn>
+            </a:cxnLst>
+            <a:rect l="l" t="t" r="r" b="b"/>
+            <a:pathLst>
+              <a:path w="2925577" h="2983590">
+                <a:moveTo>
+                  <a:pt x="1724789" y="0"/>
+                </a:moveTo>
+                <a:lnTo>
+                  <a:pt x="2236065" y="0"/>
+                </a:lnTo>
+                <a:lnTo>
+                  <a:pt x="772907" y="2529788"/>
+                </a:lnTo>
+                <a:lnTo>
+                  <a:pt x="2660379" y="2527200"/>
+                </a:lnTo>
+                <a:lnTo>
+                  <a:pt x="2925577" y="2983590"/>
+                </a:lnTo>
+                <a:lnTo>
+                  <a:pt x="773835" y="2982145"/>
+                </a:lnTo>
+                <a:lnTo>
+                  <a:pt x="541062" y="2982145"/>
+                </a:lnTo>
+                <a:lnTo>
+                  <a:pt x="511276" y="2982145"/>
+                </a:lnTo>
+                <a:lnTo>
+                  <a:pt x="348164" y="2982145"/>
+                </a:lnTo>
+                <a:lnTo>
+                  <a:pt x="0" y="2982145"/>
+                </a:lnTo>
+                <a:lnTo>
+                  <a:pt x="1724789" y="0"/>
+                </a:lnTo>
+                <a:close/>
+              </a:path>
+            </a:pathLst>
+          </a:custGeom>
+          <a:solidFill>
+            <a:srgbClr val="E74032"/>
+          </a:solidFill>
+          <a:ln w="12700" cap="rnd">
+            <a:solidFill>
+              <a:schemeClr val="bg1"/>
+            </a:solidFill>
+            <a:round/>
+          </a:ln>
+        </p:spPr>
+        <p:style>
+          <a:lnRef idx="2">
+            <a:schemeClr val="accent1">
+              <a:shade val="15000"/>
+            </a:schemeClr>
+          </a:lnRef>
+          <a:fillRef idx="1">
+            <a:schemeClr val="accent1"/>
+          </a:fillRef>
+          <a:effectRef idx="0">
+            <a:schemeClr val="accent1"/>
+          </a:effectRef>
+          <a:fontRef idx="minor">
+            <a:schemeClr val="lt1"/>
+          </a:fontRef>
+        </p:style>
+        <p:txBody>
+          <a:bodyPr wrap="square" rtlCol="0" anchor="ctr">
+            <a:noAutofit/>
+          </a:bodyPr>
+          <a:lstStyle/>
+          <a:p>
+            <a:pPr algn="ctr"/>
             <a:endParaRPr lang="zh-CN" altLang="en-US"/>
           </a:p>
         </p:txBody>
@@ -7088,7 +9533,7 @@
     </p:spTree>
     <p:extLst>
       <p:ext uri="{BB962C8B-B14F-4D97-AF65-F5344CB8AC3E}">
-        <p14:creationId xmlns:p14="http://schemas.microsoft.com/office/powerpoint/2010/main" val="3419216293"/>
+        <p14:creationId xmlns:p14="http://schemas.microsoft.com/office/powerpoint/2010/main" val="1245277968"/>
       </p:ext>
     </p:extLst>
   </p:cSld>
@@ -7101,6 +9546,16 @@
 <file path=ppt/slides/slide8.xml><?xml version="1.0" encoding="utf-8"?>
 <p:sld xmlns:a="http://schemas.openxmlformats.org/drawingml/2006/main" xmlns:r="http://schemas.openxmlformats.org/officeDocument/2006/relationships" xmlns:p="http://schemas.openxmlformats.org/presentationml/2006/main">
   <p:cSld>
+    <p:bg>
+      <p:bgPr>
+        <a:solidFill>
+          <a:schemeClr val="bg1">
+            <a:alpha val="0"/>
+          </a:schemeClr>
+        </a:solidFill>
+        <a:effectLst/>
+      </p:bgPr>
+    </p:bg>
     <p:spTree>
       <p:nvGrpSpPr>
         <p:cNvPr id="1" name=""/>
@@ -7115,620 +9570,1170 @@
           <a:chExt cx="0" cy="0"/>
         </a:xfrm>
       </p:grpSpPr>
-      <p:cxnSp>
-        <p:nvCxnSpPr>
-          <p:cNvPr id="7" name="直接连接符 6">
+      <p:sp>
+        <p:nvSpPr>
+          <p:cNvPr id="16" name="任意多边形: 形状 15">
             <a:extLst>
               <a:ext uri="{FF2B5EF4-FFF2-40B4-BE49-F238E27FC236}">
-                <a16:creationId xmlns:a16="http://schemas.microsoft.com/office/drawing/2014/main" id="{87B08560-4178-7CBF-BC1F-FDA1F71B454E}"/>
+                <a16:creationId xmlns:a16="http://schemas.microsoft.com/office/drawing/2014/main" id="{FA92C7D5-14E0-3279-E984-C3CBC050DFD8}"/>
               </a:ext>
             </a:extLst>
           </p:cNvPr>
-          <p:cNvCxnSpPr>
-            <a:cxnSpLocks/>
-          </p:cNvCxnSpPr>
+          <p:cNvSpPr/>
           <p:nvPr/>
-        </p:nvCxnSpPr>
+        </p:nvSpPr>
         <p:spPr>
-          <a:xfrm>
-            <a:off x="2418596" y="1457325"/>
-            <a:ext cx="1461378" cy="2531186"/>
+          <a:xfrm rot="7200000">
+            <a:off x="1452469" y="848371"/>
+            <a:ext cx="3148937" cy="3191770"/>
           </a:xfrm>
-          <a:prstGeom prst="line">
+          <a:custGeom>
             <a:avLst/>
-          </a:prstGeom>
-          <a:ln w="127000" cap="rnd">
+            <a:gdLst>
+              <a:gd name="connsiteX0" fmla="*/ 1724789 w 2942124"/>
+              <a:gd name="connsiteY0" fmla="*/ 0 h 2982145"/>
+              <a:gd name="connsiteX1" fmla="*/ 2236065 w 2942124"/>
+              <a:gd name="connsiteY1" fmla="*/ 0 h 2982145"/>
+              <a:gd name="connsiteX2" fmla="*/ 772907 w 2942124"/>
+              <a:gd name="connsiteY2" fmla="*/ 2529788 h 2982145"/>
+              <a:gd name="connsiteX3" fmla="*/ 2673026 w 2942124"/>
+              <a:gd name="connsiteY3" fmla="*/ 2529788 h 2982145"/>
+              <a:gd name="connsiteX4" fmla="*/ 2942124 w 2942124"/>
+              <a:gd name="connsiteY4" fmla="*/ 2982145 h 2982145"/>
+              <a:gd name="connsiteX5" fmla="*/ 773835 w 2942124"/>
+              <a:gd name="connsiteY5" fmla="*/ 2982145 h 2982145"/>
+              <a:gd name="connsiteX6" fmla="*/ 541062 w 2942124"/>
+              <a:gd name="connsiteY6" fmla="*/ 2982145 h 2982145"/>
+              <a:gd name="connsiteX7" fmla="*/ 511276 w 2942124"/>
+              <a:gd name="connsiteY7" fmla="*/ 2982145 h 2982145"/>
+              <a:gd name="connsiteX8" fmla="*/ 348164 w 2942124"/>
+              <a:gd name="connsiteY8" fmla="*/ 2982145 h 2982145"/>
+              <a:gd name="connsiteX9" fmla="*/ 0 w 2942124"/>
+              <a:gd name="connsiteY9" fmla="*/ 2982145 h 2982145"/>
+            </a:gdLst>
+            <a:ahLst/>
+            <a:cxnLst>
+              <a:cxn ang="0">
+                <a:pos x="connsiteX0" y="connsiteY0"/>
+              </a:cxn>
+              <a:cxn ang="0">
+                <a:pos x="connsiteX1" y="connsiteY1"/>
+              </a:cxn>
+              <a:cxn ang="0">
+                <a:pos x="connsiteX2" y="connsiteY2"/>
+              </a:cxn>
+              <a:cxn ang="0">
+                <a:pos x="connsiteX3" y="connsiteY3"/>
+              </a:cxn>
+              <a:cxn ang="0">
+                <a:pos x="connsiteX4" y="connsiteY4"/>
+              </a:cxn>
+              <a:cxn ang="0">
+                <a:pos x="connsiteX5" y="connsiteY5"/>
+              </a:cxn>
+              <a:cxn ang="0">
+                <a:pos x="connsiteX6" y="connsiteY6"/>
+              </a:cxn>
+              <a:cxn ang="0">
+                <a:pos x="connsiteX7" y="connsiteY7"/>
+              </a:cxn>
+              <a:cxn ang="0">
+                <a:pos x="connsiteX8" y="connsiteY8"/>
+              </a:cxn>
+              <a:cxn ang="0">
+                <a:pos x="connsiteX9" y="connsiteY9"/>
+              </a:cxn>
+            </a:cxnLst>
+            <a:rect l="l" t="t" r="r" b="b"/>
+            <a:pathLst>
+              <a:path w="2942124" h="2982145">
+                <a:moveTo>
+                  <a:pt x="1724789" y="0"/>
+                </a:moveTo>
+                <a:lnTo>
+                  <a:pt x="2236065" y="0"/>
+                </a:lnTo>
+                <a:lnTo>
+                  <a:pt x="772907" y="2529788"/>
+                </a:lnTo>
+                <a:lnTo>
+                  <a:pt x="2673026" y="2529788"/>
+                </a:lnTo>
+                <a:lnTo>
+                  <a:pt x="2942124" y="2982145"/>
+                </a:lnTo>
+                <a:lnTo>
+                  <a:pt x="773835" y="2982145"/>
+                </a:lnTo>
+                <a:lnTo>
+                  <a:pt x="541062" y="2982145"/>
+                </a:lnTo>
+                <a:lnTo>
+                  <a:pt x="511276" y="2982145"/>
+                </a:lnTo>
+                <a:lnTo>
+                  <a:pt x="348164" y="2982145"/>
+                </a:lnTo>
+                <a:lnTo>
+                  <a:pt x="0" y="2982145"/>
+                </a:lnTo>
+                <a:close/>
+              </a:path>
+            </a:pathLst>
+          </a:custGeom>
+          <a:solidFill>
+            <a:srgbClr val="FBC424"/>
+          </a:solidFill>
+          <a:ln w="12700" cap="rnd">
             <a:solidFill>
-              <a:srgbClr val="0070C0"/>
+              <a:schemeClr val="bg1"/>
             </a:solidFill>
             <a:round/>
           </a:ln>
         </p:spPr>
         <p:style>
-          <a:lnRef idx="1">
-            <a:schemeClr val="accent1"/>
+          <a:lnRef idx="2">
+            <a:schemeClr val="accent1">
+              <a:shade val="15000"/>
+            </a:schemeClr>
           </a:lnRef>
-          <a:fillRef idx="0">
+          <a:fillRef idx="1">
             <a:schemeClr val="accent1"/>
           </a:fillRef>
           <a:effectRef idx="0">
             <a:schemeClr val="accent1"/>
           </a:effectRef>
           <a:fontRef idx="minor">
-            <a:schemeClr val="tx1"/>
+            <a:schemeClr val="lt1"/>
           </a:fontRef>
         </p:style>
-      </p:cxnSp>
-      <p:cxnSp>
-        <p:nvCxnSpPr>
-          <p:cNvPr id="8" name="直接连接符 7">
+        <p:txBody>
+          <a:bodyPr wrap="square" rtlCol="0" anchor="ctr">
+            <a:noAutofit/>
+          </a:bodyPr>
+          <a:lstStyle/>
+          <a:p>
+            <a:pPr algn="ctr"/>
+            <a:endParaRPr lang="zh-CN" altLang="en-US"/>
+          </a:p>
+        </p:txBody>
+      </p:sp>
+      <p:sp>
+        <p:nvSpPr>
+          <p:cNvPr id="15" name="任意多边形: 形状 14">
             <a:extLst>
               <a:ext uri="{FF2B5EF4-FFF2-40B4-BE49-F238E27FC236}">
-                <a16:creationId xmlns:a16="http://schemas.microsoft.com/office/drawing/2014/main" id="{8423E8DD-1824-2945-67C5-20B420930E10}"/>
+                <a16:creationId xmlns:a16="http://schemas.microsoft.com/office/drawing/2014/main" id="{28E572E3-15A2-1A2F-057B-486B234936F6}"/>
               </a:ext>
             </a:extLst>
           </p:cNvPr>
-          <p:cNvCxnSpPr>
-            <a:cxnSpLocks/>
-          </p:cNvCxnSpPr>
+          <p:cNvSpPr/>
           <p:nvPr/>
-        </p:nvCxnSpPr>
+        </p:nvSpPr>
         <p:spPr>
-          <a:xfrm flipV="1">
-            <a:off x="179793" y="568424"/>
-            <a:ext cx="1717887" cy="2975466"/>
+          <a:xfrm>
+            <a:off x="38487" y="281906"/>
+            <a:ext cx="3148936" cy="3191771"/>
           </a:xfrm>
-          <a:prstGeom prst="line">
+          <a:custGeom>
             <a:avLst/>
-          </a:prstGeom>
-          <a:ln w="127000" cap="rnd">
+            <a:gdLst>
+              <a:gd name="connsiteX0" fmla="*/ 1724789 w 2942124"/>
+              <a:gd name="connsiteY0" fmla="*/ 0 h 2982145"/>
+              <a:gd name="connsiteX1" fmla="*/ 2236065 w 2942124"/>
+              <a:gd name="connsiteY1" fmla="*/ 0 h 2982145"/>
+              <a:gd name="connsiteX2" fmla="*/ 772907 w 2942124"/>
+              <a:gd name="connsiteY2" fmla="*/ 2529788 h 2982145"/>
+              <a:gd name="connsiteX3" fmla="*/ 2673026 w 2942124"/>
+              <a:gd name="connsiteY3" fmla="*/ 2529788 h 2982145"/>
+              <a:gd name="connsiteX4" fmla="*/ 2942124 w 2942124"/>
+              <a:gd name="connsiteY4" fmla="*/ 2982145 h 2982145"/>
+              <a:gd name="connsiteX5" fmla="*/ 773835 w 2942124"/>
+              <a:gd name="connsiteY5" fmla="*/ 2982145 h 2982145"/>
+              <a:gd name="connsiteX6" fmla="*/ 541062 w 2942124"/>
+              <a:gd name="connsiteY6" fmla="*/ 2982145 h 2982145"/>
+              <a:gd name="connsiteX7" fmla="*/ 511276 w 2942124"/>
+              <a:gd name="connsiteY7" fmla="*/ 2982145 h 2982145"/>
+              <a:gd name="connsiteX8" fmla="*/ 348164 w 2942124"/>
+              <a:gd name="connsiteY8" fmla="*/ 2982145 h 2982145"/>
+              <a:gd name="connsiteX9" fmla="*/ 0 w 2942124"/>
+              <a:gd name="connsiteY9" fmla="*/ 2982145 h 2982145"/>
+            </a:gdLst>
+            <a:ahLst/>
+            <a:cxnLst>
+              <a:cxn ang="0">
+                <a:pos x="connsiteX0" y="connsiteY0"/>
+              </a:cxn>
+              <a:cxn ang="0">
+                <a:pos x="connsiteX1" y="connsiteY1"/>
+              </a:cxn>
+              <a:cxn ang="0">
+                <a:pos x="connsiteX2" y="connsiteY2"/>
+              </a:cxn>
+              <a:cxn ang="0">
+                <a:pos x="connsiteX3" y="connsiteY3"/>
+              </a:cxn>
+              <a:cxn ang="0">
+                <a:pos x="connsiteX4" y="connsiteY4"/>
+              </a:cxn>
+              <a:cxn ang="0">
+                <a:pos x="connsiteX5" y="connsiteY5"/>
+              </a:cxn>
+              <a:cxn ang="0">
+                <a:pos x="connsiteX6" y="connsiteY6"/>
+              </a:cxn>
+              <a:cxn ang="0">
+                <a:pos x="connsiteX7" y="connsiteY7"/>
+              </a:cxn>
+              <a:cxn ang="0">
+                <a:pos x="connsiteX8" y="connsiteY8"/>
+              </a:cxn>
+              <a:cxn ang="0">
+                <a:pos x="connsiteX9" y="connsiteY9"/>
+              </a:cxn>
+            </a:cxnLst>
+            <a:rect l="l" t="t" r="r" b="b"/>
+            <a:pathLst>
+              <a:path w="2942124" h="2982145">
+                <a:moveTo>
+                  <a:pt x="1724789" y="0"/>
+                </a:moveTo>
+                <a:lnTo>
+                  <a:pt x="2236065" y="0"/>
+                </a:lnTo>
+                <a:lnTo>
+                  <a:pt x="772907" y="2529788"/>
+                </a:lnTo>
+                <a:lnTo>
+                  <a:pt x="2673026" y="2529788"/>
+                </a:lnTo>
+                <a:lnTo>
+                  <a:pt x="2942124" y="2982145"/>
+                </a:lnTo>
+                <a:lnTo>
+                  <a:pt x="773835" y="2982145"/>
+                </a:lnTo>
+                <a:lnTo>
+                  <a:pt x="541062" y="2982145"/>
+                </a:lnTo>
+                <a:lnTo>
+                  <a:pt x="511276" y="2982145"/>
+                </a:lnTo>
+                <a:lnTo>
+                  <a:pt x="348164" y="2982145"/>
+                </a:lnTo>
+                <a:lnTo>
+                  <a:pt x="0" y="2982145"/>
+                </a:lnTo>
+                <a:close/>
+              </a:path>
+            </a:pathLst>
+          </a:custGeom>
+          <a:solidFill>
+            <a:srgbClr val="307DEF"/>
+          </a:solidFill>
+          <a:ln w="12700" cap="rnd">
             <a:solidFill>
-              <a:srgbClr val="0070C0"/>
+              <a:schemeClr val="bg1"/>
             </a:solidFill>
             <a:round/>
           </a:ln>
         </p:spPr>
         <p:style>
-          <a:lnRef idx="1">
-            <a:schemeClr val="accent1"/>
+          <a:lnRef idx="2">
+            <a:schemeClr val="accent1">
+              <a:shade val="15000"/>
+            </a:schemeClr>
           </a:lnRef>
-          <a:fillRef idx="0">
+          <a:fillRef idx="1">
             <a:schemeClr val="accent1"/>
           </a:fillRef>
           <a:effectRef idx="0">
             <a:schemeClr val="accent1"/>
           </a:effectRef>
           <a:fontRef idx="minor">
-            <a:schemeClr val="tx1"/>
+            <a:schemeClr val="lt1"/>
           </a:fontRef>
         </p:style>
-      </p:cxnSp>
-      <p:cxnSp>
-        <p:nvCxnSpPr>
-          <p:cNvPr id="9" name="直接连接符 8">
+        <p:txBody>
+          <a:bodyPr wrap="square" rtlCol="0" anchor="ctr">
+            <a:noAutofit/>
+          </a:bodyPr>
+          <a:lstStyle/>
+          <a:p>
+            <a:pPr algn="ctr"/>
+            <a:endParaRPr lang="zh-CN" altLang="en-US"/>
+          </a:p>
+        </p:txBody>
+      </p:sp>
+      <p:sp>
+        <p:nvSpPr>
+          <p:cNvPr id="17" name="任意多边形: 形状 16">
             <a:extLst>
               <a:ext uri="{FF2B5EF4-FFF2-40B4-BE49-F238E27FC236}">
-                <a16:creationId xmlns:a16="http://schemas.microsoft.com/office/drawing/2014/main" id="{4207F6DA-15F3-4733-698C-037404278E1D}"/>
+                <a16:creationId xmlns:a16="http://schemas.microsoft.com/office/drawing/2014/main" id="{1C855657-7518-4D1D-D583-C358A99388FE}"/>
               </a:ext>
             </a:extLst>
           </p:cNvPr>
-          <p:cNvCxnSpPr>
-            <a:cxnSpLocks/>
-          </p:cNvCxnSpPr>
+          <p:cNvSpPr/>
           <p:nvPr/>
-        </p:nvCxnSpPr>
+        </p:nvSpPr>
         <p:spPr>
-          <a:xfrm>
-            <a:off x="179794" y="3543890"/>
-            <a:ext cx="2928516" cy="0"/>
+          <a:xfrm rot="14400000">
+            <a:off x="271170" y="1794193"/>
+            <a:ext cx="3131227" cy="3193317"/>
           </a:xfrm>
-          <a:prstGeom prst="line">
+          <a:custGeom>
             <a:avLst/>
-          </a:prstGeom>
-          <a:ln w="127000" cap="rnd">
+            <a:gdLst>
+              <a:gd name="connsiteX0" fmla="*/ 1724789 w 2942124"/>
+              <a:gd name="connsiteY0" fmla="*/ 0 h 2982145"/>
+              <a:gd name="connsiteX1" fmla="*/ 2236065 w 2942124"/>
+              <a:gd name="connsiteY1" fmla="*/ 0 h 2982145"/>
+              <a:gd name="connsiteX2" fmla="*/ 772907 w 2942124"/>
+              <a:gd name="connsiteY2" fmla="*/ 2529788 h 2982145"/>
+              <a:gd name="connsiteX3" fmla="*/ 2673026 w 2942124"/>
+              <a:gd name="connsiteY3" fmla="*/ 2529788 h 2982145"/>
+              <a:gd name="connsiteX4" fmla="*/ 2942124 w 2942124"/>
+              <a:gd name="connsiteY4" fmla="*/ 2982145 h 2982145"/>
+              <a:gd name="connsiteX5" fmla="*/ 773835 w 2942124"/>
+              <a:gd name="connsiteY5" fmla="*/ 2982145 h 2982145"/>
+              <a:gd name="connsiteX6" fmla="*/ 541062 w 2942124"/>
+              <a:gd name="connsiteY6" fmla="*/ 2982145 h 2982145"/>
+              <a:gd name="connsiteX7" fmla="*/ 511276 w 2942124"/>
+              <a:gd name="connsiteY7" fmla="*/ 2982145 h 2982145"/>
+              <a:gd name="connsiteX8" fmla="*/ 348164 w 2942124"/>
+              <a:gd name="connsiteY8" fmla="*/ 2982145 h 2982145"/>
+              <a:gd name="connsiteX9" fmla="*/ 0 w 2942124"/>
+              <a:gd name="connsiteY9" fmla="*/ 2982145 h 2982145"/>
+              <a:gd name="connsiteX0" fmla="*/ 1724789 w 2931154"/>
+              <a:gd name="connsiteY0" fmla="*/ 0 h 2982145"/>
+              <a:gd name="connsiteX1" fmla="*/ 2236065 w 2931154"/>
+              <a:gd name="connsiteY1" fmla="*/ 0 h 2982145"/>
+              <a:gd name="connsiteX2" fmla="*/ 772907 w 2931154"/>
+              <a:gd name="connsiteY2" fmla="*/ 2529788 h 2982145"/>
+              <a:gd name="connsiteX3" fmla="*/ 2673026 w 2931154"/>
+              <a:gd name="connsiteY3" fmla="*/ 2529788 h 2982145"/>
+              <a:gd name="connsiteX4" fmla="*/ 2931154 w 2931154"/>
+              <a:gd name="connsiteY4" fmla="*/ 2982096 h 2982145"/>
+              <a:gd name="connsiteX5" fmla="*/ 773835 w 2931154"/>
+              <a:gd name="connsiteY5" fmla="*/ 2982145 h 2982145"/>
+              <a:gd name="connsiteX6" fmla="*/ 541062 w 2931154"/>
+              <a:gd name="connsiteY6" fmla="*/ 2982145 h 2982145"/>
+              <a:gd name="connsiteX7" fmla="*/ 511276 w 2931154"/>
+              <a:gd name="connsiteY7" fmla="*/ 2982145 h 2982145"/>
+              <a:gd name="connsiteX8" fmla="*/ 348164 w 2931154"/>
+              <a:gd name="connsiteY8" fmla="*/ 2982145 h 2982145"/>
+              <a:gd name="connsiteX9" fmla="*/ 0 w 2931154"/>
+              <a:gd name="connsiteY9" fmla="*/ 2982145 h 2982145"/>
+              <a:gd name="connsiteX10" fmla="*/ 1724789 w 2931154"/>
+              <a:gd name="connsiteY10" fmla="*/ 0 h 2982145"/>
+              <a:gd name="connsiteX0" fmla="*/ 1724789 w 2931154"/>
+              <a:gd name="connsiteY0" fmla="*/ 0 h 2982145"/>
+              <a:gd name="connsiteX1" fmla="*/ 2236065 w 2931154"/>
+              <a:gd name="connsiteY1" fmla="*/ 0 h 2982145"/>
+              <a:gd name="connsiteX2" fmla="*/ 772907 w 2931154"/>
+              <a:gd name="connsiteY2" fmla="*/ 2529788 h 2982145"/>
+              <a:gd name="connsiteX3" fmla="*/ 2665093 w 2931154"/>
+              <a:gd name="connsiteY3" fmla="*/ 2529922 h 2982145"/>
+              <a:gd name="connsiteX4" fmla="*/ 2931154 w 2931154"/>
+              <a:gd name="connsiteY4" fmla="*/ 2982096 h 2982145"/>
+              <a:gd name="connsiteX5" fmla="*/ 773835 w 2931154"/>
+              <a:gd name="connsiteY5" fmla="*/ 2982145 h 2982145"/>
+              <a:gd name="connsiteX6" fmla="*/ 541062 w 2931154"/>
+              <a:gd name="connsiteY6" fmla="*/ 2982145 h 2982145"/>
+              <a:gd name="connsiteX7" fmla="*/ 511276 w 2931154"/>
+              <a:gd name="connsiteY7" fmla="*/ 2982145 h 2982145"/>
+              <a:gd name="connsiteX8" fmla="*/ 348164 w 2931154"/>
+              <a:gd name="connsiteY8" fmla="*/ 2982145 h 2982145"/>
+              <a:gd name="connsiteX9" fmla="*/ 0 w 2931154"/>
+              <a:gd name="connsiteY9" fmla="*/ 2982145 h 2982145"/>
+              <a:gd name="connsiteX10" fmla="*/ 1724789 w 2931154"/>
+              <a:gd name="connsiteY10" fmla="*/ 0 h 2982145"/>
+              <a:gd name="connsiteX0" fmla="*/ 1724789 w 2931154"/>
+              <a:gd name="connsiteY0" fmla="*/ 0 h 2982145"/>
+              <a:gd name="connsiteX1" fmla="*/ 2236065 w 2931154"/>
+              <a:gd name="connsiteY1" fmla="*/ 0 h 2982145"/>
+              <a:gd name="connsiteX2" fmla="*/ 772907 w 2931154"/>
+              <a:gd name="connsiteY2" fmla="*/ 2529788 h 2982145"/>
+              <a:gd name="connsiteX3" fmla="*/ 2660379 w 2931154"/>
+              <a:gd name="connsiteY3" fmla="*/ 2527200 h 2982145"/>
+              <a:gd name="connsiteX4" fmla="*/ 2931154 w 2931154"/>
+              <a:gd name="connsiteY4" fmla="*/ 2982096 h 2982145"/>
+              <a:gd name="connsiteX5" fmla="*/ 773835 w 2931154"/>
+              <a:gd name="connsiteY5" fmla="*/ 2982145 h 2982145"/>
+              <a:gd name="connsiteX6" fmla="*/ 541062 w 2931154"/>
+              <a:gd name="connsiteY6" fmla="*/ 2982145 h 2982145"/>
+              <a:gd name="connsiteX7" fmla="*/ 511276 w 2931154"/>
+              <a:gd name="connsiteY7" fmla="*/ 2982145 h 2982145"/>
+              <a:gd name="connsiteX8" fmla="*/ 348164 w 2931154"/>
+              <a:gd name="connsiteY8" fmla="*/ 2982145 h 2982145"/>
+              <a:gd name="connsiteX9" fmla="*/ 0 w 2931154"/>
+              <a:gd name="connsiteY9" fmla="*/ 2982145 h 2982145"/>
+              <a:gd name="connsiteX10" fmla="*/ 1724789 w 2931154"/>
+              <a:gd name="connsiteY10" fmla="*/ 0 h 2982145"/>
+              <a:gd name="connsiteX0" fmla="*/ 1724789 w 2903139"/>
+              <a:gd name="connsiteY0" fmla="*/ 0 h 2982145"/>
+              <a:gd name="connsiteX1" fmla="*/ 2236065 w 2903139"/>
+              <a:gd name="connsiteY1" fmla="*/ 0 h 2982145"/>
+              <a:gd name="connsiteX2" fmla="*/ 772907 w 2903139"/>
+              <a:gd name="connsiteY2" fmla="*/ 2529788 h 2982145"/>
+              <a:gd name="connsiteX3" fmla="*/ 2660379 w 2903139"/>
+              <a:gd name="connsiteY3" fmla="*/ 2527200 h 2982145"/>
+              <a:gd name="connsiteX4" fmla="*/ 2903139 w 2903139"/>
+              <a:gd name="connsiteY4" fmla="*/ 2981634 h 2982145"/>
+              <a:gd name="connsiteX5" fmla="*/ 773835 w 2903139"/>
+              <a:gd name="connsiteY5" fmla="*/ 2982145 h 2982145"/>
+              <a:gd name="connsiteX6" fmla="*/ 541062 w 2903139"/>
+              <a:gd name="connsiteY6" fmla="*/ 2982145 h 2982145"/>
+              <a:gd name="connsiteX7" fmla="*/ 511276 w 2903139"/>
+              <a:gd name="connsiteY7" fmla="*/ 2982145 h 2982145"/>
+              <a:gd name="connsiteX8" fmla="*/ 348164 w 2903139"/>
+              <a:gd name="connsiteY8" fmla="*/ 2982145 h 2982145"/>
+              <a:gd name="connsiteX9" fmla="*/ 0 w 2903139"/>
+              <a:gd name="connsiteY9" fmla="*/ 2982145 h 2982145"/>
+              <a:gd name="connsiteX10" fmla="*/ 1724789 w 2903139"/>
+              <a:gd name="connsiteY10" fmla="*/ 0 h 2982145"/>
+              <a:gd name="connsiteX0" fmla="*/ 1724789 w 2925577"/>
+              <a:gd name="connsiteY0" fmla="*/ 0 h 2983590"/>
+              <a:gd name="connsiteX1" fmla="*/ 2236065 w 2925577"/>
+              <a:gd name="connsiteY1" fmla="*/ 0 h 2983590"/>
+              <a:gd name="connsiteX2" fmla="*/ 772907 w 2925577"/>
+              <a:gd name="connsiteY2" fmla="*/ 2529788 h 2983590"/>
+              <a:gd name="connsiteX3" fmla="*/ 2660379 w 2925577"/>
+              <a:gd name="connsiteY3" fmla="*/ 2527200 h 2983590"/>
+              <a:gd name="connsiteX4" fmla="*/ 2925577 w 2925577"/>
+              <a:gd name="connsiteY4" fmla="*/ 2983590 h 2983590"/>
+              <a:gd name="connsiteX5" fmla="*/ 773835 w 2925577"/>
+              <a:gd name="connsiteY5" fmla="*/ 2982145 h 2983590"/>
+              <a:gd name="connsiteX6" fmla="*/ 541062 w 2925577"/>
+              <a:gd name="connsiteY6" fmla="*/ 2982145 h 2983590"/>
+              <a:gd name="connsiteX7" fmla="*/ 511276 w 2925577"/>
+              <a:gd name="connsiteY7" fmla="*/ 2982145 h 2983590"/>
+              <a:gd name="connsiteX8" fmla="*/ 348164 w 2925577"/>
+              <a:gd name="connsiteY8" fmla="*/ 2982145 h 2983590"/>
+              <a:gd name="connsiteX9" fmla="*/ 0 w 2925577"/>
+              <a:gd name="connsiteY9" fmla="*/ 2982145 h 2983590"/>
+              <a:gd name="connsiteX10" fmla="*/ 1724789 w 2925577"/>
+              <a:gd name="connsiteY10" fmla="*/ 0 h 2983590"/>
+            </a:gdLst>
+            <a:ahLst/>
+            <a:cxnLst>
+              <a:cxn ang="0">
+                <a:pos x="connsiteX0" y="connsiteY0"/>
+              </a:cxn>
+              <a:cxn ang="0">
+                <a:pos x="connsiteX1" y="connsiteY1"/>
+              </a:cxn>
+              <a:cxn ang="0">
+                <a:pos x="connsiteX2" y="connsiteY2"/>
+              </a:cxn>
+              <a:cxn ang="0">
+                <a:pos x="connsiteX3" y="connsiteY3"/>
+              </a:cxn>
+              <a:cxn ang="0">
+                <a:pos x="connsiteX4" y="connsiteY4"/>
+              </a:cxn>
+              <a:cxn ang="0">
+                <a:pos x="connsiteX5" y="connsiteY5"/>
+              </a:cxn>
+              <a:cxn ang="0">
+                <a:pos x="connsiteX6" y="connsiteY6"/>
+              </a:cxn>
+              <a:cxn ang="0">
+                <a:pos x="connsiteX7" y="connsiteY7"/>
+              </a:cxn>
+              <a:cxn ang="0">
+                <a:pos x="connsiteX8" y="connsiteY8"/>
+              </a:cxn>
+              <a:cxn ang="0">
+                <a:pos x="connsiteX9" y="connsiteY9"/>
+              </a:cxn>
+              <a:cxn ang="0">
+                <a:pos x="connsiteX10" y="connsiteY10"/>
+              </a:cxn>
+            </a:cxnLst>
+            <a:rect l="l" t="t" r="r" b="b"/>
+            <a:pathLst>
+              <a:path w="2925577" h="2983590">
+                <a:moveTo>
+                  <a:pt x="1724789" y="0"/>
+                </a:moveTo>
+                <a:lnTo>
+                  <a:pt x="2236065" y="0"/>
+                </a:lnTo>
+                <a:lnTo>
+                  <a:pt x="772907" y="2529788"/>
+                </a:lnTo>
+                <a:lnTo>
+                  <a:pt x="2660379" y="2527200"/>
+                </a:lnTo>
+                <a:lnTo>
+                  <a:pt x="2925577" y="2983590"/>
+                </a:lnTo>
+                <a:lnTo>
+                  <a:pt x="773835" y="2982145"/>
+                </a:lnTo>
+                <a:lnTo>
+                  <a:pt x="541062" y="2982145"/>
+                </a:lnTo>
+                <a:lnTo>
+                  <a:pt x="511276" y="2982145"/>
+                </a:lnTo>
+                <a:lnTo>
+                  <a:pt x="348164" y="2982145"/>
+                </a:lnTo>
+                <a:lnTo>
+                  <a:pt x="0" y="2982145"/>
+                </a:lnTo>
+                <a:lnTo>
+                  <a:pt x="1724789" y="0"/>
+                </a:lnTo>
+                <a:close/>
+              </a:path>
+            </a:pathLst>
+          </a:custGeom>
+          <a:solidFill>
+            <a:srgbClr val="E74032"/>
+          </a:solidFill>
+          <a:ln w="12700" cap="rnd">
             <a:solidFill>
-              <a:srgbClr val="0070C0"/>
+              <a:schemeClr val="bg1"/>
             </a:solidFill>
             <a:round/>
           </a:ln>
         </p:spPr>
         <p:style>
-          <a:lnRef idx="1">
-            <a:schemeClr val="accent1"/>
+          <a:lnRef idx="2">
+            <a:schemeClr val="accent1">
+              <a:shade val="15000"/>
+            </a:schemeClr>
           </a:lnRef>
-          <a:fillRef idx="0">
+          <a:fillRef idx="1">
             <a:schemeClr val="accent1"/>
           </a:fillRef>
           <a:effectRef idx="0">
             <a:schemeClr val="accent1"/>
           </a:effectRef>
           <a:fontRef idx="minor">
-            <a:schemeClr val="tx1"/>
+            <a:schemeClr val="lt1"/>
           </a:fontRef>
         </p:style>
-      </p:cxnSp>
-      <p:cxnSp>
-        <p:nvCxnSpPr>
-          <p:cNvPr id="12" name="直接连接符 11">
+        <p:txBody>
+          <a:bodyPr wrap="square" rtlCol="0" anchor="ctr">
+            <a:noAutofit/>
+          </a:bodyPr>
+          <a:lstStyle/>
+          <a:p>
+            <a:pPr algn="ctr"/>
+            <a:endParaRPr lang="zh-CN" altLang="en-US"/>
+          </a:p>
+        </p:txBody>
+      </p:sp>
+    </p:spTree>
+    <p:extLst>
+      <p:ext uri="{BB962C8B-B14F-4D97-AF65-F5344CB8AC3E}">
+        <p14:creationId xmlns:p14="http://schemas.microsoft.com/office/powerpoint/2010/main" val="3471277593"/>
+      </p:ext>
+    </p:extLst>
+  </p:cSld>
+  <p:clrMapOvr>
+    <a:masterClrMapping/>
+  </p:clrMapOvr>
+</p:sld>
+</file>
+
+<file path=ppt/slides/slide9.xml><?xml version="1.0" encoding="utf-8"?>
+<p:sld xmlns:a="http://schemas.openxmlformats.org/drawingml/2006/main" xmlns:r="http://schemas.openxmlformats.org/officeDocument/2006/relationships" xmlns:p="http://schemas.openxmlformats.org/presentationml/2006/main">
+  <p:cSld>
+    <p:bg>
+      <p:bgPr>
+        <a:solidFill>
+          <a:schemeClr val="bg1">
+            <a:alpha val="0"/>
+          </a:schemeClr>
+        </a:solidFill>
+        <a:effectLst/>
+      </p:bgPr>
+    </p:bg>
+    <p:spTree>
+      <p:nvGrpSpPr>
+        <p:cNvPr id="1" name=""/>
+        <p:cNvGrpSpPr/>
+        <p:nvPr/>
+      </p:nvGrpSpPr>
+      <p:grpSpPr>
+        <a:xfrm>
+          <a:off x="0" y="0"/>
+          <a:ext cx="0" cy="0"/>
+          <a:chOff x="0" y="0"/>
+          <a:chExt cx="0" cy="0"/>
+        </a:xfrm>
+      </p:grpSpPr>
+      <p:sp>
+        <p:nvSpPr>
+          <p:cNvPr id="16" name="任意多边形: 形状 15">
             <a:extLst>
               <a:ext uri="{FF2B5EF4-FFF2-40B4-BE49-F238E27FC236}">
-                <a16:creationId xmlns:a16="http://schemas.microsoft.com/office/drawing/2014/main" id="{9FEC5363-2976-2602-5BE3-D8B2CE098A9B}"/>
+                <a16:creationId xmlns:a16="http://schemas.microsoft.com/office/drawing/2014/main" id="{FA92C7D5-14E0-3279-E984-C3CBC050DFD8}"/>
               </a:ext>
             </a:extLst>
           </p:cNvPr>
-          <p:cNvCxnSpPr>
-            <a:cxnSpLocks/>
-          </p:cNvCxnSpPr>
+          <p:cNvSpPr/>
           <p:nvPr/>
-        </p:nvCxnSpPr>
+        </p:nvSpPr>
         <p:spPr>
-          <a:xfrm rot="3600000">
-            <a:off x="1557183" y="2052818"/>
-            <a:ext cx="3443484" cy="0"/>
+          <a:xfrm rot="7200000">
+            <a:off x="1452469" y="848371"/>
+            <a:ext cx="3148937" cy="3191770"/>
           </a:xfrm>
-          <a:prstGeom prst="line">
+          <a:custGeom>
             <a:avLst/>
-          </a:prstGeom>
-          <a:ln w="127000" cap="rnd">
+            <a:gdLst>
+              <a:gd name="connsiteX0" fmla="*/ 1724789 w 2942124"/>
+              <a:gd name="connsiteY0" fmla="*/ 0 h 2982145"/>
+              <a:gd name="connsiteX1" fmla="*/ 2236065 w 2942124"/>
+              <a:gd name="connsiteY1" fmla="*/ 0 h 2982145"/>
+              <a:gd name="connsiteX2" fmla="*/ 772907 w 2942124"/>
+              <a:gd name="connsiteY2" fmla="*/ 2529788 h 2982145"/>
+              <a:gd name="connsiteX3" fmla="*/ 2673026 w 2942124"/>
+              <a:gd name="connsiteY3" fmla="*/ 2529788 h 2982145"/>
+              <a:gd name="connsiteX4" fmla="*/ 2942124 w 2942124"/>
+              <a:gd name="connsiteY4" fmla="*/ 2982145 h 2982145"/>
+              <a:gd name="connsiteX5" fmla="*/ 773835 w 2942124"/>
+              <a:gd name="connsiteY5" fmla="*/ 2982145 h 2982145"/>
+              <a:gd name="connsiteX6" fmla="*/ 541062 w 2942124"/>
+              <a:gd name="connsiteY6" fmla="*/ 2982145 h 2982145"/>
+              <a:gd name="connsiteX7" fmla="*/ 511276 w 2942124"/>
+              <a:gd name="connsiteY7" fmla="*/ 2982145 h 2982145"/>
+              <a:gd name="connsiteX8" fmla="*/ 348164 w 2942124"/>
+              <a:gd name="connsiteY8" fmla="*/ 2982145 h 2982145"/>
+              <a:gd name="connsiteX9" fmla="*/ 0 w 2942124"/>
+              <a:gd name="connsiteY9" fmla="*/ 2982145 h 2982145"/>
+            </a:gdLst>
+            <a:ahLst/>
+            <a:cxnLst>
+              <a:cxn ang="0">
+                <a:pos x="connsiteX0" y="connsiteY0"/>
+              </a:cxn>
+              <a:cxn ang="0">
+                <a:pos x="connsiteX1" y="connsiteY1"/>
+              </a:cxn>
+              <a:cxn ang="0">
+                <a:pos x="connsiteX2" y="connsiteY2"/>
+              </a:cxn>
+              <a:cxn ang="0">
+                <a:pos x="connsiteX3" y="connsiteY3"/>
+              </a:cxn>
+              <a:cxn ang="0">
+                <a:pos x="connsiteX4" y="connsiteY4"/>
+              </a:cxn>
+              <a:cxn ang="0">
+                <a:pos x="connsiteX5" y="connsiteY5"/>
+              </a:cxn>
+              <a:cxn ang="0">
+                <a:pos x="connsiteX6" y="connsiteY6"/>
+              </a:cxn>
+              <a:cxn ang="0">
+                <a:pos x="connsiteX7" y="connsiteY7"/>
+              </a:cxn>
+              <a:cxn ang="0">
+                <a:pos x="connsiteX8" y="connsiteY8"/>
+              </a:cxn>
+              <a:cxn ang="0">
+                <a:pos x="connsiteX9" y="connsiteY9"/>
+              </a:cxn>
+            </a:cxnLst>
+            <a:rect l="l" t="t" r="r" b="b"/>
+            <a:pathLst>
+              <a:path w="2942124" h="2982145">
+                <a:moveTo>
+                  <a:pt x="1724789" y="0"/>
+                </a:moveTo>
+                <a:lnTo>
+                  <a:pt x="2236065" y="0"/>
+                </a:lnTo>
+                <a:lnTo>
+                  <a:pt x="772907" y="2529788"/>
+                </a:lnTo>
+                <a:lnTo>
+                  <a:pt x="2673026" y="2529788"/>
+                </a:lnTo>
+                <a:lnTo>
+                  <a:pt x="2942124" y="2982145"/>
+                </a:lnTo>
+                <a:lnTo>
+                  <a:pt x="773835" y="2982145"/>
+                </a:lnTo>
+                <a:lnTo>
+                  <a:pt x="541062" y="2982145"/>
+                </a:lnTo>
+                <a:lnTo>
+                  <a:pt x="511276" y="2982145"/>
+                </a:lnTo>
+                <a:lnTo>
+                  <a:pt x="348164" y="2982145"/>
+                </a:lnTo>
+                <a:lnTo>
+                  <a:pt x="0" y="2982145"/>
+                </a:lnTo>
+                <a:close/>
+              </a:path>
+            </a:pathLst>
+          </a:custGeom>
+          <a:solidFill>
+            <a:srgbClr val="9558B2"/>
+          </a:solidFill>
+          <a:ln w="12700" cap="rnd">
             <a:solidFill>
-              <a:srgbClr val="0070C0"/>
+              <a:schemeClr val="bg1"/>
             </a:solidFill>
             <a:round/>
           </a:ln>
         </p:spPr>
         <p:style>
-          <a:lnRef idx="1">
-            <a:schemeClr val="accent1"/>
+          <a:lnRef idx="2">
+            <a:schemeClr val="accent1">
+              <a:shade val="15000"/>
+            </a:schemeClr>
           </a:lnRef>
-          <a:fillRef idx="0">
+          <a:fillRef idx="1">
             <a:schemeClr val="accent1"/>
           </a:fillRef>
           <a:effectRef idx="0">
             <a:schemeClr val="accent1"/>
           </a:effectRef>
           <a:fontRef idx="minor">
-            <a:schemeClr val="tx1"/>
+            <a:schemeClr val="lt1"/>
           </a:fontRef>
         </p:style>
-      </p:cxnSp>
-      <p:cxnSp>
-        <p:nvCxnSpPr>
-          <p:cNvPr id="13" name="直接连接符 12">
+        <p:txBody>
+          <a:bodyPr wrap="square" rtlCol="0" anchor="ctr">
+            <a:noAutofit/>
+          </a:bodyPr>
+          <a:lstStyle/>
+          <a:p>
+            <a:pPr algn="ctr"/>
+            <a:endParaRPr lang="zh-CN" altLang="en-US"/>
+          </a:p>
+        </p:txBody>
+      </p:sp>
+      <p:sp>
+        <p:nvSpPr>
+          <p:cNvPr id="15" name="任意多边形: 形状 14">
             <a:extLst>
               <a:ext uri="{FF2B5EF4-FFF2-40B4-BE49-F238E27FC236}">
-                <a16:creationId xmlns:a16="http://schemas.microsoft.com/office/drawing/2014/main" id="{DC097F5D-449B-E47C-F6D1-B8F80C4B5D59}"/>
+                <a16:creationId xmlns:a16="http://schemas.microsoft.com/office/drawing/2014/main" id="{28E572E3-15A2-1A2F-057B-486B234936F6}"/>
               </a:ext>
             </a:extLst>
           </p:cNvPr>
-          <p:cNvCxnSpPr>
-            <a:cxnSpLocks/>
-          </p:cNvCxnSpPr>
+          <p:cNvSpPr/>
           <p:nvPr/>
-        </p:nvCxnSpPr>
+        </p:nvSpPr>
         <p:spPr>
-          <a:xfrm flipV="1">
-            <a:off x="953628" y="561745"/>
-            <a:ext cx="1464427" cy="2536465"/>
+          <a:xfrm>
+            <a:off x="38487" y="281906"/>
+            <a:ext cx="3148936" cy="3191771"/>
           </a:xfrm>
-          <a:prstGeom prst="line">
+          <a:custGeom>
             <a:avLst/>
-          </a:prstGeom>
-          <a:ln w="127000" cap="rnd">
+            <a:gdLst>
+              <a:gd name="connsiteX0" fmla="*/ 1724789 w 2942124"/>
+              <a:gd name="connsiteY0" fmla="*/ 0 h 2982145"/>
+              <a:gd name="connsiteX1" fmla="*/ 2236065 w 2942124"/>
+              <a:gd name="connsiteY1" fmla="*/ 0 h 2982145"/>
+              <a:gd name="connsiteX2" fmla="*/ 772907 w 2942124"/>
+              <a:gd name="connsiteY2" fmla="*/ 2529788 h 2982145"/>
+              <a:gd name="connsiteX3" fmla="*/ 2673026 w 2942124"/>
+              <a:gd name="connsiteY3" fmla="*/ 2529788 h 2982145"/>
+              <a:gd name="connsiteX4" fmla="*/ 2942124 w 2942124"/>
+              <a:gd name="connsiteY4" fmla="*/ 2982145 h 2982145"/>
+              <a:gd name="connsiteX5" fmla="*/ 773835 w 2942124"/>
+              <a:gd name="connsiteY5" fmla="*/ 2982145 h 2982145"/>
+              <a:gd name="connsiteX6" fmla="*/ 541062 w 2942124"/>
+              <a:gd name="connsiteY6" fmla="*/ 2982145 h 2982145"/>
+              <a:gd name="connsiteX7" fmla="*/ 511276 w 2942124"/>
+              <a:gd name="connsiteY7" fmla="*/ 2982145 h 2982145"/>
+              <a:gd name="connsiteX8" fmla="*/ 348164 w 2942124"/>
+              <a:gd name="connsiteY8" fmla="*/ 2982145 h 2982145"/>
+              <a:gd name="connsiteX9" fmla="*/ 0 w 2942124"/>
+              <a:gd name="connsiteY9" fmla="*/ 2982145 h 2982145"/>
+            </a:gdLst>
+            <a:ahLst/>
+            <a:cxnLst>
+              <a:cxn ang="0">
+                <a:pos x="connsiteX0" y="connsiteY0"/>
+              </a:cxn>
+              <a:cxn ang="0">
+                <a:pos x="connsiteX1" y="connsiteY1"/>
+              </a:cxn>
+              <a:cxn ang="0">
+                <a:pos x="connsiteX2" y="connsiteY2"/>
+              </a:cxn>
+              <a:cxn ang="0">
+                <a:pos x="connsiteX3" y="connsiteY3"/>
+              </a:cxn>
+              <a:cxn ang="0">
+                <a:pos x="connsiteX4" y="connsiteY4"/>
+              </a:cxn>
+              <a:cxn ang="0">
+                <a:pos x="connsiteX5" y="connsiteY5"/>
+              </a:cxn>
+              <a:cxn ang="0">
+                <a:pos x="connsiteX6" y="connsiteY6"/>
+              </a:cxn>
+              <a:cxn ang="0">
+                <a:pos x="connsiteX7" y="connsiteY7"/>
+              </a:cxn>
+              <a:cxn ang="0">
+                <a:pos x="connsiteX8" y="connsiteY8"/>
+              </a:cxn>
+              <a:cxn ang="0">
+                <a:pos x="connsiteX9" y="connsiteY9"/>
+              </a:cxn>
+            </a:cxnLst>
+            <a:rect l="l" t="t" r="r" b="b"/>
+            <a:pathLst>
+              <a:path w="2942124" h="2982145">
+                <a:moveTo>
+                  <a:pt x="1724789" y="0"/>
+                </a:moveTo>
+                <a:lnTo>
+                  <a:pt x="2236065" y="0"/>
+                </a:lnTo>
+                <a:lnTo>
+                  <a:pt x="772907" y="2529788"/>
+                </a:lnTo>
+                <a:lnTo>
+                  <a:pt x="2673026" y="2529788"/>
+                </a:lnTo>
+                <a:lnTo>
+                  <a:pt x="2942124" y="2982145"/>
+                </a:lnTo>
+                <a:lnTo>
+                  <a:pt x="773835" y="2982145"/>
+                </a:lnTo>
+                <a:lnTo>
+                  <a:pt x="541062" y="2982145"/>
+                </a:lnTo>
+                <a:lnTo>
+                  <a:pt x="511276" y="2982145"/>
+                </a:lnTo>
+                <a:lnTo>
+                  <a:pt x="348164" y="2982145"/>
+                </a:lnTo>
+                <a:lnTo>
+                  <a:pt x="0" y="2982145"/>
+                </a:lnTo>
+                <a:close/>
+              </a:path>
+            </a:pathLst>
+          </a:custGeom>
+          <a:solidFill>
+            <a:srgbClr val="389826"/>
+          </a:solidFill>
+          <a:ln w="12700" cap="rnd">
             <a:solidFill>
-              <a:srgbClr val="0070C0"/>
+              <a:schemeClr val="bg1"/>
             </a:solidFill>
             <a:round/>
           </a:ln>
         </p:spPr>
         <p:style>
-          <a:lnRef idx="1">
-            <a:schemeClr val="accent1"/>
+          <a:lnRef idx="2">
+            <a:schemeClr val="accent1">
+              <a:shade val="15000"/>
+            </a:schemeClr>
           </a:lnRef>
-          <a:fillRef idx="0">
+          <a:fillRef idx="1">
             <a:schemeClr val="accent1"/>
           </a:fillRef>
           <a:effectRef idx="0">
             <a:schemeClr val="accent1"/>
           </a:effectRef>
           <a:fontRef idx="minor">
-            <a:schemeClr val="tx1"/>
+            <a:schemeClr val="lt1"/>
           </a:fontRef>
         </p:style>
-      </p:cxnSp>
-      <p:cxnSp>
-        <p:nvCxnSpPr>
-          <p:cNvPr id="21" name="直接连接符 20">
+        <p:txBody>
+          <a:bodyPr wrap="square" rtlCol="0" anchor="ctr">
+            <a:noAutofit/>
+          </a:bodyPr>
+          <a:lstStyle/>
+          <a:p>
+            <a:pPr algn="ctr"/>
+            <a:endParaRPr lang="zh-CN" altLang="en-US" dirty="0"/>
+          </a:p>
+        </p:txBody>
+      </p:sp>
+      <p:sp>
+        <p:nvSpPr>
+          <p:cNvPr id="17" name="任意多边形: 形状 16">
             <a:extLst>
               <a:ext uri="{FF2B5EF4-FFF2-40B4-BE49-F238E27FC236}">
-                <a16:creationId xmlns:a16="http://schemas.microsoft.com/office/drawing/2014/main" id="{F9D47A5E-2C23-4F67-5D10-C804114C24A8}"/>
+                <a16:creationId xmlns:a16="http://schemas.microsoft.com/office/drawing/2014/main" id="{1C855657-7518-4D1D-D583-C358A99388FE}"/>
               </a:ext>
             </a:extLst>
           </p:cNvPr>
-          <p:cNvCxnSpPr>
-            <a:cxnSpLocks/>
-          </p:cNvCxnSpPr>
+          <p:cNvSpPr/>
           <p:nvPr/>
-        </p:nvCxnSpPr>
+        </p:nvSpPr>
         <p:spPr>
-          <a:xfrm flipV="1">
-            <a:off x="954576" y="567744"/>
-            <a:ext cx="1461282" cy="2531015"/>
+          <a:xfrm rot="14400000">
+            <a:off x="271170" y="1794193"/>
+            <a:ext cx="3131227" cy="3193317"/>
           </a:xfrm>
-          <a:prstGeom prst="line">
+          <a:custGeom>
             <a:avLst/>
-          </a:prstGeom>
-          <a:ln w="127000" cap="rnd">
+            <a:gdLst>
+              <a:gd name="connsiteX0" fmla="*/ 1724789 w 2942124"/>
+              <a:gd name="connsiteY0" fmla="*/ 0 h 2982145"/>
+              <a:gd name="connsiteX1" fmla="*/ 2236065 w 2942124"/>
+              <a:gd name="connsiteY1" fmla="*/ 0 h 2982145"/>
+              <a:gd name="connsiteX2" fmla="*/ 772907 w 2942124"/>
+              <a:gd name="connsiteY2" fmla="*/ 2529788 h 2982145"/>
+              <a:gd name="connsiteX3" fmla="*/ 2673026 w 2942124"/>
+              <a:gd name="connsiteY3" fmla="*/ 2529788 h 2982145"/>
+              <a:gd name="connsiteX4" fmla="*/ 2942124 w 2942124"/>
+              <a:gd name="connsiteY4" fmla="*/ 2982145 h 2982145"/>
+              <a:gd name="connsiteX5" fmla="*/ 773835 w 2942124"/>
+              <a:gd name="connsiteY5" fmla="*/ 2982145 h 2982145"/>
+              <a:gd name="connsiteX6" fmla="*/ 541062 w 2942124"/>
+              <a:gd name="connsiteY6" fmla="*/ 2982145 h 2982145"/>
+              <a:gd name="connsiteX7" fmla="*/ 511276 w 2942124"/>
+              <a:gd name="connsiteY7" fmla="*/ 2982145 h 2982145"/>
+              <a:gd name="connsiteX8" fmla="*/ 348164 w 2942124"/>
+              <a:gd name="connsiteY8" fmla="*/ 2982145 h 2982145"/>
+              <a:gd name="connsiteX9" fmla="*/ 0 w 2942124"/>
+              <a:gd name="connsiteY9" fmla="*/ 2982145 h 2982145"/>
+              <a:gd name="connsiteX0" fmla="*/ 1724789 w 2931154"/>
+              <a:gd name="connsiteY0" fmla="*/ 0 h 2982145"/>
+              <a:gd name="connsiteX1" fmla="*/ 2236065 w 2931154"/>
+              <a:gd name="connsiteY1" fmla="*/ 0 h 2982145"/>
+              <a:gd name="connsiteX2" fmla="*/ 772907 w 2931154"/>
+              <a:gd name="connsiteY2" fmla="*/ 2529788 h 2982145"/>
+              <a:gd name="connsiteX3" fmla="*/ 2673026 w 2931154"/>
+              <a:gd name="connsiteY3" fmla="*/ 2529788 h 2982145"/>
+              <a:gd name="connsiteX4" fmla="*/ 2931154 w 2931154"/>
+              <a:gd name="connsiteY4" fmla="*/ 2982096 h 2982145"/>
+              <a:gd name="connsiteX5" fmla="*/ 773835 w 2931154"/>
+              <a:gd name="connsiteY5" fmla="*/ 2982145 h 2982145"/>
+              <a:gd name="connsiteX6" fmla="*/ 541062 w 2931154"/>
+              <a:gd name="connsiteY6" fmla="*/ 2982145 h 2982145"/>
+              <a:gd name="connsiteX7" fmla="*/ 511276 w 2931154"/>
+              <a:gd name="connsiteY7" fmla="*/ 2982145 h 2982145"/>
+              <a:gd name="connsiteX8" fmla="*/ 348164 w 2931154"/>
+              <a:gd name="connsiteY8" fmla="*/ 2982145 h 2982145"/>
+              <a:gd name="connsiteX9" fmla="*/ 0 w 2931154"/>
+              <a:gd name="connsiteY9" fmla="*/ 2982145 h 2982145"/>
+              <a:gd name="connsiteX10" fmla="*/ 1724789 w 2931154"/>
+              <a:gd name="connsiteY10" fmla="*/ 0 h 2982145"/>
+              <a:gd name="connsiteX0" fmla="*/ 1724789 w 2931154"/>
+              <a:gd name="connsiteY0" fmla="*/ 0 h 2982145"/>
+              <a:gd name="connsiteX1" fmla="*/ 2236065 w 2931154"/>
+              <a:gd name="connsiteY1" fmla="*/ 0 h 2982145"/>
+              <a:gd name="connsiteX2" fmla="*/ 772907 w 2931154"/>
+              <a:gd name="connsiteY2" fmla="*/ 2529788 h 2982145"/>
+              <a:gd name="connsiteX3" fmla="*/ 2665093 w 2931154"/>
+              <a:gd name="connsiteY3" fmla="*/ 2529922 h 2982145"/>
+              <a:gd name="connsiteX4" fmla="*/ 2931154 w 2931154"/>
+              <a:gd name="connsiteY4" fmla="*/ 2982096 h 2982145"/>
+              <a:gd name="connsiteX5" fmla="*/ 773835 w 2931154"/>
+              <a:gd name="connsiteY5" fmla="*/ 2982145 h 2982145"/>
+              <a:gd name="connsiteX6" fmla="*/ 541062 w 2931154"/>
+              <a:gd name="connsiteY6" fmla="*/ 2982145 h 2982145"/>
+              <a:gd name="connsiteX7" fmla="*/ 511276 w 2931154"/>
+              <a:gd name="connsiteY7" fmla="*/ 2982145 h 2982145"/>
+              <a:gd name="connsiteX8" fmla="*/ 348164 w 2931154"/>
+              <a:gd name="connsiteY8" fmla="*/ 2982145 h 2982145"/>
+              <a:gd name="connsiteX9" fmla="*/ 0 w 2931154"/>
+              <a:gd name="connsiteY9" fmla="*/ 2982145 h 2982145"/>
+              <a:gd name="connsiteX10" fmla="*/ 1724789 w 2931154"/>
+              <a:gd name="connsiteY10" fmla="*/ 0 h 2982145"/>
+              <a:gd name="connsiteX0" fmla="*/ 1724789 w 2931154"/>
+              <a:gd name="connsiteY0" fmla="*/ 0 h 2982145"/>
+              <a:gd name="connsiteX1" fmla="*/ 2236065 w 2931154"/>
+              <a:gd name="connsiteY1" fmla="*/ 0 h 2982145"/>
+              <a:gd name="connsiteX2" fmla="*/ 772907 w 2931154"/>
+              <a:gd name="connsiteY2" fmla="*/ 2529788 h 2982145"/>
+              <a:gd name="connsiteX3" fmla="*/ 2660379 w 2931154"/>
+              <a:gd name="connsiteY3" fmla="*/ 2527200 h 2982145"/>
+              <a:gd name="connsiteX4" fmla="*/ 2931154 w 2931154"/>
+              <a:gd name="connsiteY4" fmla="*/ 2982096 h 2982145"/>
+              <a:gd name="connsiteX5" fmla="*/ 773835 w 2931154"/>
+              <a:gd name="connsiteY5" fmla="*/ 2982145 h 2982145"/>
+              <a:gd name="connsiteX6" fmla="*/ 541062 w 2931154"/>
+              <a:gd name="connsiteY6" fmla="*/ 2982145 h 2982145"/>
+              <a:gd name="connsiteX7" fmla="*/ 511276 w 2931154"/>
+              <a:gd name="connsiteY7" fmla="*/ 2982145 h 2982145"/>
+              <a:gd name="connsiteX8" fmla="*/ 348164 w 2931154"/>
+              <a:gd name="connsiteY8" fmla="*/ 2982145 h 2982145"/>
+              <a:gd name="connsiteX9" fmla="*/ 0 w 2931154"/>
+              <a:gd name="connsiteY9" fmla="*/ 2982145 h 2982145"/>
+              <a:gd name="connsiteX10" fmla="*/ 1724789 w 2931154"/>
+              <a:gd name="connsiteY10" fmla="*/ 0 h 2982145"/>
+              <a:gd name="connsiteX0" fmla="*/ 1724789 w 2903139"/>
+              <a:gd name="connsiteY0" fmla="*/ 0 h 2982145"/>
+              <a:gd name="connsiteX1" fmla="*/ 2236065 w 2903139"/>
+              <a:gd name="connsiteY1" fmla="*/ 0 h 2982145"/>
+              <a:gd name="connsiteX2" fmla="*/ 772907 w 2903139"/>
+              <a:gd name="connsiteY2" fmla="*/ 2529788 h 2982145"/>
+              <a:gd name="connsiteX3" fmla="*/ 2660379 w 2903139"/>
+              <a:gd name="connsiteY3" fmla="*/ 2527200 h 2982145"/>
+              <a:gd name="connsiteX4" fmla="*/ 2903139 w 2903139"/>
+              <a:gd name="connsiteY4" fmla="*/ 2981634 h 2982145"/>
+              <a:gd name="connsiteX5" fmla="*/ 773835 w 2903139"/>
+              <a:gd name="connsiteY5" fmla="*/ 2982145 h 2982145"/>
+              <a:gd name="connsiteX6" fmla="*/ 541062 w 2903139"/>
+              <a:gd name="connsiteY6" fmla="*/ 2982145 h 2982145"/>
+              <a:gd name="connsiteX7" fmla="*/ 511276 w 2903139"/>
+              <a:gd name="connsiteY7" fmla="*/ 2982145 h 2982145"/>
+              <a:gd name="connsiteX8" fmla="*/ 348164 w 2903139"/>
+              <a:gd name="connsiteY8" fmla="*/ 2982145 h 2982145"/>
+              <a:gd name="connsiteX9" fmla="*/ 0 w 2903139"/>
+              <a:gd name="connsiteY9" fmla="*/ 2982145 h 2982145"/>
+              <a:gd name="connsiteX10" fmla="*/ 1724789 w 2903139"/>
+              <a:gd name="connsiteY10" fmla="*/ 0 h 2982145"/>
+              <a:gd name="connsiteX0" fmla="*/ 1724789 w 2925577"/>
+              <a:gd name="connsiteY0" fmla="*/ 0 h 2983590"/>
+              <a:gd name="connsiteX1" fmla="*/ 2236065 w 2925577"/>
+              <a:gd name="connsiteY1" fmla="*/ 0 h 2983590"/>
+              <a:gd name="connsiteX2" fmla="*/ 772907 w 2925577"/>
+              <a:gd name="connsiteY2" fmla="*/ 2529788 h 2983590"/>
+              <a:gd name="connsiteX3" fmla="*/ 2660379 w 2925577"/>
+              <a:gd name="connsiteY3" fmla="*/ 2527200 h 2983590"/>
+              <a:gd name="connsiteX4" fmla="*/ 2925577 w 2925577"/>
+              <a:gd name="connsiteY4" fmla="*/ 2983590 h 2983590"/>
+              <a:gd name="connsiteX5" fmla="*/ 773835 w 2925577"/>
+              <a:gd name="connsiteY5" fmla="*/ 2982145 h 2983590"/>
+              <a:gd name="connsiteX6" fmla="*/ 541062 w 2925577"/>
+              <a:gd name="connsiteY6" fmla="*/ 2982145 h 2983590"/>
+              <a:gd name="connsiteX7" fmla="*/ 511276 w 2925577"/>
+              <a:gd name="connsiteY7" fmla="*/ 2982145 h 2983590"/>
+              <a:gd name="connsiteX8" fmla="*/ 348164 w 2925577"/>
+              <a:gd name="connsiteY8" fmla="*/ 2982145 h 2983590"/>
+              <a:gd name="connsiteX9" fmla="*/ 0 w 2925577"/>
+              <a:gd name="connsiteY9" fmla="*/ 2982145 h 2983590"/>
+              <a:gd name="connsiteX10" fmla="*/ 1724789 w 2925577"/>
+              <a:gd name="connsiteY10" fmla="*/ 0 h 2983590"/>
+            </a:gdLst>
+            <a:ahLst/>
+            <a:cxnLst>
+              <a:cxn ang="0">
+                <a:pos x="connsiteX0" y="connsiteY0"/>
+              </a:cxn>
+              <a:cxn ang="0">
+                <a:pos x="connsiteX1" y="connsiteY1"/>
+              </a:cxn>
+              <a:cxn ang="0">
+                <a:pos x="connsiteX2" y="connsiteY2"/>
+              </a:cxn>
+              <a:cxn ang="0">
+                <a:pos x="connsiteX3" y="connsiteY3"/>
+              </a:cxn>
+              <a:cxn ang="0">
+                <a:pos x="connsiteX4" y="connsiteY4"/>
+              </a:cxn>
+              <a:cxn ang="0">
+                <a:pos x="connsiteX5" y="connsiteY5"/>
+              </a:cxn>
+              <a:cxn ang="0">
+                <a:pos x="connsiteX6" y="connsiteY6"/>
+              </a:cxn>
+              <a:cxn ang="0">
+                <a:pos x="connsiteX7" y="connsiteY7"/>
+              </a:cxn>
+              <a:cxn ang="0">
+                <a:pos x="connsiteX8" y="connsiteY8"/>
+              </a:cxn>
+              <a:cxn ang="0">
+                <a:pos x="connsiteX9" y="connsiteY9"/>
+              </a:cxn>
+              <a:cxn ang="0">
+                <a:pos x="connsiteX10" y="connsiteY10"/>
+              </a:cxn>
+            </a:cxnLst>
+            <a:rect l="l" t="t" r="r" b="b"/>
+            <a:pathLst>
+              <a:path w="2925577" h="2983590">
+                <a:moveTo>
+                  <a:pt x="1724789" y="0"/>
+                </a:moveTo>
+                <a:lnTo>
+                  <a:pt x="2236065" y="0"/>
+                </a:lnTo>
+                <a:lnTo>
+                  <a:pt x="772907" y="2529788"/>
+                </a:lnTo>
+                <a:lnTo>
+                  <a:pt x="2660379" y="2527200"/>
+                </a:lnTo>
+                <a:lnTo>
+                  <a:pt x="2925577" y="2983590"/>
+                </a:lnTo>
+                <a:lnTo>
+                  <a:pt x="773835" y="2982145"/>
+                </a:lnTo>
+                <a:lnTo>
+                  <a:pt x="541062" y="2982145"/>
+                </a:lnTo>
+                <a:lnTo>
+                  <a:pt x="511276" y="2982145"/>
+                </a:lnTo>
+                <a:lnTo>
+                  <a:pt x="348164" y="2982145"/>
+                </a:lnTo>
+                <a:lnTo>
+                  <a:pt x="0" y="2982145"/>
+                </a:lnTo>
+                <a:lnTo>
+                  <a:pt x="1724789" y="0"/>
+                </a:lnTo>
+                <a:close/>
+              </a:path>
+            </a:pathLst>
+          </a:custGeom>
+          <a:solidFill>
+            <a:srgbClr val="CB3C33"/>
+          </a:solidFill>
+          <a:ln w="12700" cap="rnd">
             <a:solidFill>
-              <a:srgbClr val="0070C0"/>
+              <a:schemeClr val="bg1"/>
             </a:solidFill>
             <a:round/>
           </a:ln>
         </p:spPr>
         <p:style>
-          <a:lnRef idx="1">
-            <a:schemeClr val="accent1"/>
+          <a:lnRef idx="2">
+            <a:schemeClr val="accent1">
+              <a:shade val="15000"/>
+            </a:schemeClr>
           </a:lnRef>
-          <a:fillRef idx="0">
+          <a:fillRef idx="1">
             <a:schemeClr val="accent1"/>
           </a:fillRef>
           <a:effectRef idx="0">
             <a:schemeClr val="accent1"/>
           </a:effectRef>
           <a:fontRef idx="minor">
-            <a:schemeClr val="tx1"/>
+            <a:schemeClr val="lt1"/>
           </a:fontRef>
         </p:style>
-      </p:cxnSp>
-      <p:cxnSp>
-        <p:nvCxnSpPr>
-          <p:cNvPr id="22" name="直接连接符 21">
-            <a:extLst>
-              <a:ext uri="{FF2B5EF4-FFF2-40B4-BE49-F238E27FC236}">
-                <a16:creationId xmlns:a16="http://schemas.microsoft.com/office/drawing/2014/main" id="{0826AF7B-C371-9AB0-C0F2-8DC969907BD4}"/>
-              </a:ext>
-            </a:extLst>
-          </p:cNvPr>
-          <p:cNvCxnSpPr>
-            <a:cxnSpLocks/>
-          </p:cNvCxnSpPr>
-          <p:nvPr/>
-        </p:nvCxnSpPr>
-        <p:spPr>
-          <a:xfrm>
-            <a:off x="954578" y="3098759"/>
-            <a:ext cx="1890797" cy="0"/>
-          </a:xfrm>
-          <a:prstGeom prst="line">
-            <a:avLst/>
-          </a:prstGeom>
-          <a:ln w="127000" cap="rnd">
-            <a:solidFill>
-              <a:srgbClr val="0070C0"/>
-            </a:solidFill>
-            <a:round/>
-          </a:ln>
-        </p:spPr>
-        <p:style>
-          <a:lnRef idx="1">
-            <a:schemeClr val="accent1"/>
-          </a:lnRef>
-          <a:fillRef idx="0">
-            <a:schemeClr val="accent1"/>
-          </a:fillRef>
-          <a:effectRef idx="0">
-            <a:schemeClr val="accent1"/>
-          </a:effectRef>
-          <a:fontRef idx="minor">
-            <a:schemeClr val="tx1"/>
-          </a:fontRef>
-        </p:style>
-      </p:cxnSp>
-      <p:cxnSp>
-        <p:nvCxnSpPr>
-          <p:cNvPr id="33" name="直接连接符 32">
-            <a:extLst>
-              <a:ext uri="{FF2B5EF4-FFF2-40B4-BE49-F238E27FC236}">
-                <a16:creationId xmlns:a16="http://schemas.microsoft.com/office/drawing/2014/main" id="{9A5E6B8C-72DC-8BCB-6E00-42D4718BB83E}"/>
-              </a:ext>
-            </a:extLst>
-          </p:cNvPr>
-          <p:cNvCxnSpPr>
-            <a:cxnSpLocks/>
-          </p:cNvCxnSpPr>
-          <p:nvPr/>
-        </p:nvCxnSpPr>
-        <p:spPr>
-          <a:xfrm flipV="1">
-            <a:off x="1472064" y="1455456"/>
-            <a:ext cx="944971" cy="1636742"/>
-          </a:xfrm>
-          <a:prstGeom prst="line">
-            <a:avLst/>
-          </a:prstGeom>
-          <a:ln w="127000" cap="rnd">
-            <a:solidFill>
-              <a:srgbClr val="0070C0"/>
-            </a:solidFill>
-            <a:round/>
-          </a:ln>
-        </p:spPr>
-        <p:style>
-          <a:lnRef idx="1">
-            <a:schemeClr val="accent1"/>
-          </a:lnRef>
-          <a:fillRef idx="0">
-            <a:schemeClr val="accent1"/>
-          </a:fillRef>
-          <a:effectRef idx="0">
-            <a:schemeClr val="accent1"/>
-          </a:effectRef>
-          <a:fontRef idx="minor">
-            <a:schemeClr val="tx1"/>
-          </a:fontRef>
-        </p:style>
-      </p:cxnSp>
-      <p:cxnSp>
-        <p:nvCxnSpPr>
-          <p:cNvPr id="34" name="直接连接符 33">
-            <a:extLst>
-              <a:ext uri="{FF2B5EF4-FFF2-40B4-BE49-F238E27FC236}">
-                <a16:creationId xmlns:a16="http://schemas.microsoft.com/office/drawing/2014/main" id="{4CBE3319-537A-A6ED-8D59-D3CB01618A3B}"/>
-              </a:ext>
-            </a:extLst>
-          </p:cNvPr>
-          <p:cNvCxnSpPr>
-            <a:cxnSpLocks/>
-          </p:cNvCxnSpPr>
-          <p:nvPr/>
-        </p:nvCxnSpPr>
-        <p:spPr>
-          <a:xfrm>
-            <a:off x="954578" y="3988512"/>
-            <a:ext cx="2926957" cy="0"/>
-          </a:xfrm>
-          <a:prstGeom prst="line">
-            <a:avLst/>
-          </a:prstGeom>
-          <a:ln w="127000" cap="rnd">
-            <a:solidFill>
-              <a:srgbClr val="0070C0"/>
-            </a:solidFill>
-            <a:round/>
-          </a:ln>
-        </p:spPr>
-        <p:style>
-          <a:lnRef idx="1">
-            <a:schemeClr val="accent1"/>
-          </a:lnRef>
-          <a:fillRef idx="0">
-            <a:schemeClr val="accent1"/>
-          </a:fillRef>
-          <a:effectRef idx="0">
-            <a:schemeClr val="accent1"/>
-          </a:effectRef>
-          <a:fontRef idx="minor">
-            <a:schemeClr val="tx1"/>
-          </a:fontRef>
-        </p:style>
-      </p:cxnSp>
-      <p:cxnSp>
-        <p:nvCxnSpPr>
-          <p:cNvPr id="36" name="直接连接符 35">
-            <a:extLst>
-              <a:ext uri="{FF2B5EF4-FFF2-40B4-BE49-F238E27FC236}">
-                <a16:creationId xmlns:a16="http://schemas.microsoft.com/office/drawing/2014/main" id="{306ABA61-1BFE-7097-3C5D-76E2EB60B54B}"/>
-              </a:ext>
-            </a:extLst>
-          </p:cNvPr>
-          <p:cNvCxnSpPr/>
-          <p:nvPr/>
-        </p:nvCxnSpPr>
-        <p:spPr>
-          <a:xfrm>
-            <a:off x="1901533" y="561745"/>
-            <a:ext cx="516522" cy="0"/>
-          </a:xfrm>
-          <a:prstGeom prst="line">
-            <a:avLst/>
-          </a:prstGeom>
-          <a:ln w="127000" cap="rnd">
-            <a:solidFill>
-              <a:srgbClr val="0070C0"/>
-            </a:solidFill>
-            <a:round/>
-          </a:ln>
-        </p:spPr>
-        <p:style>
-          <a:lnRef idx="1">
-            <a:schemeClr val="accent1"/>
-          </a:lnRef>
-          <a:fillRef idx="0">
-            <a:schemeClr val="accent1"/>
-          </a:fillRef>
-          <a:effectRef idx="0">
-            <a:schemeClr val="accent1"/>
-          </a:effectRef>
-          <a:fontRef idx="minor">
-            <a:schemeClr val="tx1"/>
-          </a:fontRef>
-        </p:style>
-      </p:cxnSp>
-      <p:cxnSp>
-        <p:nvCxnSpPr>
-          <p:cNvPr id="38" name="直接连接符 37">
-            <a:extLst>
-              <a:ext uri="{FF2B5EF4-FFF2-40B4-BE49-F238E27FC236}">
-                <a16:creationId xmlns:a16="http://schemas.microsoft.com/office/drawing/2014/main" id="{1BBC74C7-5221-1D51-EEA6-D0F3E6B5FA8B}"/>
-              </a:ext>
-            </a:extLst>
-          </p:cNvPr>
-          <p:cNvCxnSpPr>
-            <a:cxnSpLocks/>
-          </p:cNvCxnSpPr>
-          <p:nvPr/>
-        </p:nvCxnSpPr>
-        <p:spPr>
-          <a:xfrm>
-            <a:off x="2160526" y="1902279"/>
-            <a:ext cx="947784" cy="1641612"/>
-          </a:xfrm>
-          <a:prstGeom prst="line">
-            <a:avLst/>
-          </a:prstGeom>
-          <a:ln w="127000" cap="rnd">
-            <a:solidFill>
-              <a:srgbClr val="0070C0"/>
-            </a:solidFill>
-            <a:round/>
-          </a:ln>
-        </p:spPr>
-        <p:style>
-          <a:lnRef idx="1">
-            <a:schemeClr val="accent1"/>
-          </a:lnRef>
-          <a:fillRef idx="0">
-            <a:schemeClr val="accent1"/>
-          </a:fillRef>
-          <a:effectRef idx="0">
-            <a:schemeClr val="accent1"/>
-          </a:effectRef>
-          <a:fontRef idx="minor">
-            <a:schemeClr val="tx1"/>
-          </a:fontRef>
-        </p:style>
-      </p:cxnSp>
-      <p:cxnSp>
-        <p:nvCxnSpPr>
-          <p:cNvPr id="40" name="直接连接符 39">
-            <a:extLst>
-              <a:ext uri="{FF2B5EF4-FFF2-40B4-BE49-F238E27FC236}">
-                <a16:creationId xmlns:a16="http://schemas.microsoft.com/office/drawing/2014/main" id="{2EDDF48D-5132-E478-8EDF-E7D21CA8E1E0}"/>
-              </a:ext>
-            </a:extLst>
-          </p:cNvPr>
-          <p:cNvCxnSpPr>
-            <a:cxnSpLocks/>
-          </p:cNvCxnSpPr>
-          <p:nvPr/>
-        </p:nvCxnSpPr>
-        <p:spPr>
-          <a:xfrm>
-            <a:off x="438055" y="3988512"/>
-            <a:ext cx="2926957" cy="0"/>
-          </a:xfrm>
-          <a:prstGeom prst="line">
-            <a:avLst/>
-          </a:prstGeom>
-          <a:ln w="127000" cap="rnd">
-            <a:solidFill>
-              <a:srgbClr val="0070C0"/>
-            </a:solidFill>
-            <a:round/>
-          </a:ln>
-        </p:spPr>
-        <p:style>
-          <a:lnRef idx="1">
-            <a:schemeClr val="accent1"/>
-          </a:lnRef>
-          <a:fillRef idx="0">
-            <a:schemeClr val="accent1"/>
-          </a:fillRef>
-          <a:effectRef idx="0">
-            <a:schemeClr val="accent1"/>
-          </a:effectRef>
-          <a:fontRef idx="minor">
-            <a:schemeClr val="tx1"/>
-          </a:fontRef>
-        </p:style>
-      </p:cxnSp>
-      <p:cxnSp>
-        <p:nvCxnSpPr>
-          <p:cNvPr id="42" name="直接连接符 41">
-            <a:extLst>
-              <a:ext uri="{FF2B5EF4-FFF2-40B4-BE49-F238E27FC236}">
-                <a16:creationId xmlns:a16="http://schemas.microsoft.com/office/drawing/2014/main" id="{E1A2934E-A8EC-196E-944F-0D7F665D7E30}"/>
-              </a:ext>
-            </a:extLst>
-          </p:cNvPr>
-          <p:cNvCxnSpPr/>
-          <p:nvPr/>
-        </p:nvCxnSpPr>
-        <p:spPr>
-          <a:xfrm flipV="1">
-            <a:off x="3881534" y="3543890"/>
-            <a:ext cx="258260" cy="444622"/>
-          </a:xfrm>
-          <a:prstGeom prst="line">
-            <a:avLst/>
-          </a:prstGeom>
-          <a:ln w="127000" cap="rnd">
-            <a:solidFill>
-              <a:srgbClr val="0070C0"/>
-            </a:solidFill>
-            <a:round/>
-          </a:ln>
-        </p:spPr>
-        <p:style>
-          <a:lnRef idx="1">
-            <a:schemeClr val="accent1"/>
-          </a:lnRef>
-          <a:fillRef idx="0">
-            <a:schemeClr val="accent1"/>
-          </a:fillRef>
-          <a:effectRef idx="0">
-            <a:schemeClr val="accent1"/>
-          </a:effectRef>
-          <a:fontRef idx="minor">
-            <a:schemeClr val="tx1"/>
-          </a:fontRef>
-        </p:style>
-      </p:cxnSp>
-      <p:cxnSp>
-        <p:nvCxnSpPr>
-          <p:cNvPr id="44" name="直接连接符 43">
-            <a:extLst>
-              <a:ext uri="{FF2B5EF4-FFF2-40B4-BE49-F238E27FC236}">
-                <a16:creationId xmlns:a16="http://schemas.microsoft.com/office/drawing/2014/main" id="{A9D64D56-0723-6C7A-494A-6883FA88A9E8}"/>
-              </a:ext>
-            </a:extLst>
-          </p:cNvPr>
-          <p:cNvCxnSpPr/>
-          <p:nvPr/>
-        </p:nvCxnSpPr>
-        <p:spPr>
-          <a:xfrm>
-            <a:off x="179794" y="3543890"/>
-            <a:ext cx="258261" cy="444622"/>
-          </a:xfrm>
-          <a:prstGeom prst="line">
-            <a:avLst/>
-          </a:prstGeom>
-          <a:ln w="127000" cap="rnd">
-            <a:solidFill>
-              <a:srgbClr val="0070C0"/>
-            </a:solidFill>
-            <a:round/>
-          </a:ln>
-        </p:spPr>
-        <p:style>
-          <a:lnRef idx="1">
-            <a:schemeClr val="accent1"/>
-          </a:lnRef>
-          <a:fillRef idx="0">
-            <a:schemeClr val="accent1"/>
-          </a:fillRef>
-          <a:effectRef idx="0">
-            <a:schemeClr val="accent1"/>
-          </a:effectRef>
-          <a:fontRef idx="minor">
-            <a:schemeClr val="tx1"/>
-          </a:fontRef>
-        </p:style>
-      </p:cxnSp>
+        <p:txBody>
+          <a:bodyPr wrap="square" rtlCol="0" anchor="ctr">
+            <a:noAutofit/>
+          </a:bodyPr>
+          <a:lstStyle/>
+          <a:p>
+            <a:pPr algn="ctr"/>
+            <a:endParaRPr lang="zh-CN" altLang="en-US"/>
+          </a:p>
+        </p:txBody>
+      </p:sp>
     </p:spTree>
     <p:extLst>
       <p:ext uri="{BB962C8B-B14F-4D97-AF65-F5344CB8AC3E}">
-        <p14:creationId xmlns:p14="http://schemas.microsoft.com/office/powerpoint/2010/main" val="773942116"/>
+        <p14:creationId xmlns:p14="http://schemas.microsoft.com/office/powerpoint/2010/main" val="2918746513"/>
       </p:ext>
     </p:extLst>
   </p:cSld>

--- a/base/static/imgs/logo_delta.pptx
+++ b/base/static/imgs/logo_delta.pptx
@@ -15,9 +15,10 @@
     <p:sldId id="270" r:id="rId9"/>
     <p:sldId id="268" r:id="rId10"/>
     <p:sldId id="267" r:id="rId11"/>
-    <p:sldId id="265" r:id="rId12"/>
-    <p:sldId id="264" r:id="rId13"/>
-    <p:sldId id="261" r:id="rId14"/>
+    <p:sldId id="273" r:id="rId12"/>
+    <p:sldId id="265" r:id="rId13"/>
+    <p:sldId id="264" r:id="rId14"/>
+    <p:sldId id="261" r:id="rId15"/>
   </p:sldIdLst>
   <p:sldSz cx="4319588" cy="4319588"/>
   <p:notesSz cx="6858000" cy="9144000"/>
@@ -255,7 +256,7 @@
           <a:p>
             <a:fld id="{9C042EA8-B778-4889-A57F-F4B58990052D}" type="datetimeFigureOut">
               <a:rPr lang="zh-CN" altLang="en-US" smtClean="0"/>
-              <a:t>2023-12-12</a:t>
+              <a:t>2023/12/20</a:t>
             </a:fld>
             <a:endParaRPr lang="zh-CN" altLang="en-US"/>
           </a:p>
@@ -441,7 +442,7 @@
           <a:p>
             <a:fld id="{9C042EA8-B778-4889-A57F-F4B58990052D}" type="datetimeFigureOut">
               <a:rPr lang="zh-CN" altLang="en-US" smtClean="0"/>
-              <a:t>2023-12-12</a:t>
+              <a:t>2023/12/20</a:t>
             </a:fld>
             <a:endParaRPr lang="zh-CN" altLang="en-US"/>
           </a:p>
@@ -621,7 +622,7 @@
           <a:p>
             <a:fld id="{9C042EA8-B778-4889-A57F-F4B58990052D}" type="datetimeFigureOut">
               <a:rPr lang="zh-CN" altLang="en-US" smtClean="0"/>
-              <a:t>2023-12-12</a:t>
+              <a:t>2023/12/20</a:t>
             </a:fld>
             <a:endParaRPr lang="zh-CN" altLang="en-US"/>
           </a:p>
@@ -791,7 +792,7 @@
           <a:p>
             <a:fld id="{9C042EA8-B778-4889-A57F-F4B58990052D}" type="datetimeFigureOut">
               <a:rPr lang="zh-CN" altLang="en-US" smtClean="0"/>
-              <a:t>2023-12-12</a:t>
+              <a:t>2023/12/20</a:t>
             </a:fld>
             <a:endParaRPr lang="zh-CN" altLang="en-US"/>
           </a:p>
@@ -1035,7 +1036,7 @@
           <a:p>
             <a:fld id="{9C042EA8-B778-4889-A57F-F4B58990052D}" type="datetimeFigureOut">
               <a:rPr lang="zh-CN" altLang="en-US" smtClean="0"/>
-              <a:t>2023-12-12</a:t>
+              <a:t>2023/12/20</a:t>
             </a:fld>
             <a:endParaRPr lang="zh-CN" altLang="en-US"/>
           </a:p>
@@ -1267,7 +1268,7 @@
           <a:p>
             <a:fld id="{9C042EA8-B778-4889-A57F-F4B58990052D}" type="datetimeFigureOut">
               <a:rPr lang="zh-CN" altLang="en-US" smtClean="0"/>
-              <a:t>2023-12-12</a:t>
+              <a:t>2023/12/20</a:t>
             </a:fld>
             <a:endParaRPr lang="zh-CN" altLang="en-US"/>
           </a:p>
@@ -1634,7 +1635,7 @@
           <a:p>
             <a:fld id="{9C042EA8-B778-4889-A57F-F4B58990052D}" type="datetimeFigureOut">
               <a:rPr lang="zh-CN" altLang="en-US" smtClean="0"/>
-              <a:t>2023-12-12</a:t>
+              <a:t>2023/12/20</a:t>
             </a:fld>
             <a:endParaRPr lang="zh-CN" altLang="en-US"/>
           </a:p>
@@ -1752,7 +1753,7 @@
           <a:p>
             <a:fld id="{9C042EA8-B778-4889-A57F-F4B58990052D}" type="datetimeFigureOut">
               <a:rPr lang="zh-CN" altLang="en-US" smtClean="0"/>
-              <a:t>2023-12-12</a:t>
+              <a:t>2023/12/20</a:t>
             </a:fld>
             <a:endParaRPr lang="zh-CN" altLang="en-US"/>
           </a:p>
@@ -1847,7 +1848,7 @@
           <a:p>
             <a:fld id="{9C042EA8-B778-4889-A57F-F4B58990052D}" type="datetimeFigureOut">
               <a:rPr lang="zh-CN" altLang="en-US" smtClean="0"/>
-              <a:t>2023-12-12</a:t>
+              <a:t>2023/12/20</a:t>
             </a:fld>
             <a:endParaRPr lang="zh-CN" altLang="en-US"/>
           </a:p>
@@ -2124,7 +2125,7 @@
           <a:p>
             <a:fld id="{9C042EA8-B778-4889-A57F-F4B58990052D}" type="datetimeFigureOut">
               <a:rPr lang="zh-CN" altLang="en-US" smtClean="0"/>
-              <a:t>2023-12-12</a:t>
+              <a:t>2023/12/20</a:t>
             </a:fld>
             <a:endParaRPr lang="zh-CN" altLang="en-US"/>
           </a:p>
@@ -2381,7 +2382,7 @@
           <a:p>
             <a:fld id="{9C042EA8-B778-4889-A57F-F4B58990052D}" type="datetimeFigureOut">
               <a:rPr lang="zh-CN" altLang="en-US" smtClean="0"/>
-              <a:t>2023-12-12</a:t>
+              <a:t>2023/12/20</a:t>
             </a:fld>
             <a:endParaRPr lang="zh-CN" altLang="en-US"/>
           </a:p>
@@ -2594,7 +2595,7 @@
           <a:p>
             <a:fld id="{9C042EA8-B778-4889-A57F-F4B58990052D}" type="datetimeFigureOut">
               <a:rPr lang="zh-CN" altLang="en-US" smtClean="0"/>
-              <a:t>2023-12-12</a:t>
+              <a:t>2023/12/20</a:t>
             </a:fld>
             <a:endParaRPr lang="zh-CN" altLang="en-US"/>
           </a:p>
@@ -4210,6 +4211,606 @@
 <file path=ppt/slides/slide11.xml><?xml version="1.0" encoding="utf-8"?>
 <p:sld xmlns:a="http://schemas.openxmlformats.org/drawingml/2006/main" xmlns:r="http://schemas.openxmlformats.org/officeDocument/2006/relationships" xmlns:p="http://schemas.openxmlformats.org/presentationml/2006/main">
   <p:cSld>
+    <p:bg>
+      <p:bgPr>
+        <a:solidFill>
+          <a:schemeClr val="bg1">
+            <a:alpha val="0"/>
+          </a:schemeClr>
+        </a:solidFill>
+        <a:effectLst/>
+      </p:bgPr>
+    </p:bg>
+    <p:spTree>
+      <p:nvGrpSpPr>
+        <p:cNvPr id="1" name=""/>
+        <p:cNvGrpSpPr/>
+        <p:nvPr/>
+      </p:nvGrpSpPr>
+      <p:grpSpPr>
+        <a:xfrm>
+          <a:off x="0" y="0"/>
+          <a:ext cx="0" cy="0"/>
+          <a:chOff x="0" y="0"/>
+          <a:chExt cx="0" cy="0"/>
+        </a:xfrm>
+      </p:grpSpPr>
+      <p:sp>
+        <p:nvSpPr>
+          <p:cNvPr id="16" name="任意多边形: 形状 15">
+            <a:extLst>
+              <a:ext uri="{FF2B5EF4-FFF2-40B4-BE49-F238E27FC236}">
+                <a16:creationId xmlns:a16="http://schemas.microsoft.com/office/drawing/2014/main" id="{FA92C7D5-14E0-3279-E984-C3CBC050DFD8}"/>
+              </a:ext>
+            </a:extLst>
+          </p:cNvPr>
+          <p:cNvSpPr/>
+          <p:nvPr/>
+        </p:nvSpPr>
+        <p:spPr>
+          <a:xfrm rot="7200000">
+            <a:off x="1452469" y="848371"/>
+            <a:ext cx="3148937" cy="3191770"/>
+          </a:xfrm>
+          <a:custGeom>
+            <a:avLst/>
+            <a:gdLst>
+              <a:gd name="connsiteX0" fmla="*/ 1724789 w 2942124"/>
+              <a:gd name="connsiteY0" fmla="*/ 0 h 2982145"/>
+              <a:gd name="connsiteX1" fmla="*/ 2236065 w 2942124"/>
+              <a:gd name="connsiteY1" fmla="*/ 0 h 2982145"/>
+              <a:gd name="connsiteX2" fmla="*/ 772907 w 2942124"/>
+              <a:gd name="connsiteY2" fmla="*/ 2529788 h 2982145"/>
+              <a:gd name="connsiteX3" fmla="*/ 2673026 w 2942124"/>
+              <a:gd name="connsiteY3" fmla="*/ 2529788 h 2982145"/>
+              <a:gd name="connsiteX4" fmla="*/ 2942124 w 2942124"/>
+              <a:gd name="connsiteY4" fmla="*/ 2982145 h 2982145"/>
+              <a:gd name="connsiteX5" fmla="*/ 773835 w 2942124"/>
+              <a:gd name="connsiteY5" fmla="*/ 2982145 h 2982145"/>
+              <a:gd name="connsiteX6" fmla="*/ 541062 w 2942124"/>
+              <a:gd name="connsiteY6" fmla="*/ 2982145 h 2982145"/>
+              <a:gd name="connsiteX7" fmla="*/ 511276 w 2942124"/>
+              <a:gd name="connsiteY7" fmla="*/ 2982145 h 2982145"/>
+              <a:gd name="connsiteX8" fmla="*/ 348164 w 2942124"/>
+              <a:gd name="connsiteY8" fmla="*/ 2982145 h 2982145"/>
+              <a:gd name="connsiteX9" fmla="*/ 0 w 2942124"/>
+              <a:gd name="connsiteY9" fmla="*/ 2982145 h 2982145"/>
+            </a:gdLst>
+            <a:ahLst/>
+            <a:cxnLst>
+              <a:cxn ang="0">
+                <a:pos x="connsiteX0" y="connsiteY0"/>
+              </a:cxn>
+              <a:cxn ang="0">
+                <a:pos x="connsiteX1" y="connsiteY1"/>
+              </a:cxn>
+              <a:cxn ang="0">
+                <a:pos x="connsiteX2" y="connsiteY2"/>
+              </a:cxn>
+              <a:cxn ang="0">
+                <a:pos x="connsiteX3" y="connsiteY3"/>
+              </a:cxn>
+              <a:cxn ang="0">
+                <a:pos x="connsiteX4" y="connsiteY4"/>
+              </a:cxn>
+              <a:cxn ang="0">
+                <a:pos x="connsiteX5" y="connsiteY5"/>
+              </a:cxn>
+              <a:cxn ang="0">
+                <a:pos x="connsiteX6" y="connsiteY6"/>
+              </a:cxn>
+              <a:cxn ang="0">
+                <a:pos x="connsiteX7" y="connsiteY7"/>
+              </a:cxn>
+              <a:cxn ang="0">
+                <a:pos x="connsiteX8" y="connsiteY8"/>
+              </a:cxn>
+              <a:cxn ang="0">
+                <a:pos x="connsiteX9" y="connsiteY9"/>
+              </a:cxn>
+            </a:cxnLst>
+            <a:rect l="l" t="t" r="r" b="b"/>
+            <a:pathLst>
+              <a:path w="2942124" h="2982145">
+                <a:moveTo>
+                  <a:pt x="1724789" y="0"/>
+                </a:moveTo>
+                <a:lnTo>
+                  <a:pt x="2236065" y="0"/>
+                </a:lnTo>
+                <a:lnTo>
+                  <a:pt x="772907" y="2529788"/>
+                </a:lnTo>
+                <a:lnTo>
+                  <a:pt x="2673026" y="2529788"/>
+                </a:lnTo>
+                <a:lnTo>
+                  <a:pt x="2942124" y="2982145"/>
+                </a:lnTo>
+                <a:lnTo>
+                  <a:pt x="773835" y="2982145"/>
+                </a:lnTo>
+                <a:lnTo>
+                  <a:pt x="541062" y="2982145"/>
+                </a:lnTo>
+                <a:lnTo>
+                  <a:pt x="511276" y="2982145"/>
+                </a:lnTo>
+                <a:lnTo>
+                  <a:pt x="348164" y="2982145"/>
+                </a:lnTo>
+                <a:lnTo>
+                  <a:pt x="0" y="2982145"/>
+                </a:lnTo>
+                <a:close/>
+              </a:path>
+            </a:pathLst>
+          </a:custGeom>
+          <a:solidFill>
+            <a:srgbClr val="FFD966"/>
+          </a:solidFill>
+          <a:ln w="12700" cap="rnd">
+            <a:solidFill>
+              <a:srgbClr val="FFD966"/>
+            </a:solidFill>
+            <a:round/>
+          </a:ln>
+        </p:spPr>
+        <p:style>
+          <a:lnRef idx="2">
+            <a:schemeClr val="accent1">
+              <a:shade val="15000"/>
+            </a:schemeClr>
+          </a:lnRef>
+          <a:fillRef idx="1">
+            <a:schemeClr val="accent1"/>
+          </a:fillRef>
+          <a:effectRef idx="0">
+            <a:schemeClr val="accent1"/>
+          </a:effectRef>
+          <a:fontRef idx="minor">
+            <a:schemeClr val="lt1"/>
+          </a:fontRef>
+        </p:style>
+        <p:txBody>
+          <a:bodyPr wrap="square" rtlCol="0" anchor="ctr">
+            <a:noAutofit/>
+          </a:bodyPr>
+          <a:lstStyle/>
+          <a:p>
+            <a:pPr algn="ctr"/>
+            <a:endParaRPr lang="zh-CN" altLang="en-US" dirty="0"/>
+          </a:p>
+        </p:txBody>
+      </p:sp>
+      <p:sp>
+        <p:nvSpPr>
+          <p:cNvPr id="15" name="任意多边形: 形状 14">
+            <a:extLst>
+              <a:ext uri="{FF2B5EF4-FFF2-40B4-BE49-F238E27FC236}">
+                <a16:creationId xmlns:a16="http://schemas.microsoft.com/office/drawing/2014/main" id="{28E572E3-15A2-1A2F-057B-486B234936F6}"/>
+              </a:ext>
+            </a:extLst>
+          </p:cNvPr>
+          <p:cNvSpPr/>
+          <p:nvPr/>
+        </p:nvSpPr>
+        <p:spPr>
+          <a:xfrm>
+            <a:off x="38487" y="281906"/>
+            <a:ext cx="3148936" cy="3191771"/>
+          </a:xfrm>
+          <a:custGeom>
+            <a:avLst/>
+            <a:gdLst>
+              <a:gd name="connsiteX0" fmla="*/ 1724789 w 2942124"/>
+              <a:gd name="connsiteY0" fmla="*/ 0 h 2982145"/>
+              <a:gd name="connsiteX1" fmla="*/ 2236065 w 2942124"/>
+              <a:gd name="connsiteY1" fmla="*/ 0 h 2982145"/>
+              <a:gd name="connsiteX2" fmla="*/ 772907 w 2942124"/>
+              <a:gd name="connsiteY2" fmla="*/ 2529788 h 2982145"/>
+              <a:gd name="connsiteX3" fmla="*/ 2673026 w 2942124"/>
+              <a:gd name="connsiteY3" fmla="*/ 2529788 h 2982145"/>
+              <a:gd name="connsiteX4" fmla="*/ 2942124 w 2942124"/>
+              <a:gd name="connsiteY4" fmla="*/ 2982145 h 2982145"/>
+              <a:gd name="connsiteX5" fmla="*/ 773835 w 2942124"/>
+              <a:gd name="connsiteY5" fmla="*/ 2982145 h 2982145"/>
+              <a:gd name="connsiteX6" fmla="*/ 541062 w 2942124"/>
+              <a:gd name="connsiteY6" fmla="*/ 2982145 h 2982145"/>
+              <a:gd name="connsiteX7" fmla="*/ 511276 w 2942124"/>
+              <a:gd name="connsiteY7" fmla="*/ 2982145 h 2982145"/>
+              <a:gd name="connsiteX8" fmla="*/ 348164 w 2942124"/>
+              <a:gd name="connsiteY8" fmla="*/ 2982145 h 2982145"/>
+              <a:gd name="connsiteX9" fmla="*/ 0 w 2942124"/>
+              <a:gd name="connsiteY9" fmla="*/ 2982145 h 2982145"/>
+            </a:gdLst>
+            <a:ahLst/>
+            <a:cxnLst>
+              <a:cxn ang="0">
+                <a:pos x="connsiteX0" y="connsiteY0"/>
+              </a:cxn>
+              <a:cxn ang="0">
+                <a:pos x="connsiteX1" y="connsiteY1"/>
+              </a:cxn>
+              <a:cxn ang="0">
+                <a:pos x="connsiteX2" y="connsiteY2"/>
+              </a:cxn>
+              <a:cxn ang="0">
+                <a:pos x="connsiteX3" y="connsiteY3"/>
+              </a:cxn>
+              <a:cxn ang="0">
+                <a:pos x="connsiteX4" y="connsiteY4"/>
+              </a:cxn>
+              <a:cxn ang="0">
+                <a:pos x="connsiteX5" y="connsiteY5"/>
+              </a:cxn>
+              <a:cxn ang="0">
+                <a:pos x="connsiteX6" y="connsiteY6"/>
+              </a:cxn>
+              <a:cxn ang="0">
+                <a:pos x="connsiteX7" y="connsiteY7"/>
+              </a:cxn>
+              <a:cxn ang="0">
+                <a:pos x="connsiteX8" y="connsiteY8"/>
+              </a:cxn>
+              <a:cxn ang="0">
+                <a:pos x="connsiteX9" y="connsiteY9"/>
+              </a:cxn>
+            </a:cxnLst>
+            <a:rect l="l" t="t" r="r" b="b"/>
+            <a:pathLst>
+              <a:path w="2942124" h="2982145">
+                <a:moveTo>
+                  <a:pt x="1724789" y="0"/>
+                </a:moveTo>
+                <a:lnTo>
+                  <a:pt x="2236065" y="0"/>
+                </a:lnTo>
+                <a:lnTo>
+                  <a:pt x="772907" y="2529788"/>
+                </a:lnTo>
+                <a:lnTo>
+                  <a:pt x="2673026" y="2529788"/>
+                </a:lnTo>
+                <a:lnTo>
+                  <a:pt x="2942124" y="2982145"/>
+                </a:lnTo>
+                <a:lnTo>
+                  <a:pt x="773835" y="2982145"/>
+                </a:lnTo>
+                <a:lnTo>
+                  <a:pt x="541062" y="2982145"/>
+                </a:lnTo>
+                <a:lnTo>
+                  <a:pt x="511276" y="2982145"/>
+                </a:lnTo>
+                <a:lnTo>
+                  <a:pt x="348164" y="2982145"/>
+                </a:lnTo>
+                <a:lnTo>
+                  <a:pt x="0" y="2982145"/>
+                </a:lnTo>
+                <a:close/>
+              </a:path>
+            </a:pathLst>
+          </a:custGeom>
+          <a:solidFill>
+            <a:srgbClr val="E2F0D9"/>
+          </a:solidFill>
+          <a:ln w="12700" cap="rnd">
+            <a:solidFill>
+              <a:srgbClr val="E2F0D9"/>
+            </a:solidFill>
+            <a:round/>
+          </a:ln>
+        </p:spPr>
+        <p:style>
+          <a:lnRef idx="2">
+            <a:schemeClr val="accent1">
+              <a:shade val="15000"/>
+            </a:schemeClr>
+          </a:lnRef>
+          <a:fillRef idx="1">
+            <a:schemeClr val="accent1"/>
+          </a:fillRef>
+          <a:effectRef idx="0">
+            <a:schemeClr val="accent1"/>
+          </a:effectRef>
+          <a:fontRef idx="minor">
+            <a:schemeClr val="lt1"/>
+          </a:fontRef>
+        </p:style>
+        <p:txBody>
+          <a:bodyPr wrap="square" rtlCol="0" anchor="ctr">
+            <a:noAutofit/>
+          </a:bodyPr>
+          <a:lstStyle/>
+          <a:p>
+            <a:pPr algn="ctr"/>
+            <a:endParaRPr lang="zh-CN" altLang="en-US" dirty="0"/>
+          </a:p>
+        </p:txBody>
+      </p:sp>
+      <p:sp>
+        <p:nvSpPr>
+          <p:cNvPr id="17" name="任意多边形: 形状 16">
+            <a:extLst>
+              <a:ext uri="{FF2B5EF4-FFF2-40B4-BE49-F238E27FC236}">
+                <a16:creationId xmlns:a16="http://schemas.microsoft.com/office/drawing/2014/main" id="{1C855657-7518-4D1D-D583-C358A99388FE}"/>
+              </a:ext>
+            </a:extLst>
+          </p:cNvPr>
+          <p:cNvSpPr/>
+          <p:nvPr/>
+        </p:nvSpPr>
+        <p:spPr>
+          <a:xfrm rot="14400000">
+            <a:off x="271170" y="1794193"/>
+            <a:ext cx="3131227" cy="3193317"/>
+          </a:xfrm>
+          <a:custGeom>
+            <a:avLst/>
+            <a:gdLst>
+              <a:gd name="connsiteX0" fmla="*/ 1724789 w 2942124"/>
+              <a:gd name="connsiteY0" fmla="*/ 0 h 2982145"/>
+              <a:gd name="connsiteX1" fmla="*/ 2236065 w 2942124"/>
+              <a:gd name="connsiteY1" fmla="*/ 0 h 2982145"/>
+              <a:gd name="connsiteX2" fmla="*/ 772907 w 2942124"/>
+              <a:gd name="connsiteY2" fmla="*/ 2529788 h 2982145"/>
+              <a:gd name="connsiteX3" fmla="*/ 2673026 w 2942124"/>
+              <a:gd name="connsiteY3" fmla="*/ 2529788 h 2982145"/>
+              <a:gd name="connsiteX4" fmla="*/ 2942124 w 2942124"/>
+              <a:gd name="connsiteY4" fmla="*/ 2982145 h 2982145"/>
+              <a:gd name="connsiteX5" fmla="*/ 773835 w 2942124"/>
+              <a:gd name="connsiteY5" fmla="*/ 2982145 h 2982145"/>
+              <a:gd name="connsiteX6" fmla="*/ 541062 w 2942124"/>
+              <a:gd name="connsiteY6" fmla="*/ 2982145 h 2982145"/>
+              <a:gd name="connsiteX7" fmla="*/ 511276 w 2942124"/>
+              <a:gd name="connsiteY7" fmla="*/ 2982145 h 2982145"/>
+              <a:gd name="connsiteX8" fmla="*/ 348164 w 2942124"/>
+              <a:gd name="connsiteY8" fmla="*/ 2982145 h 2982145"/>
+              <a:gd name="connsiteX9" fmla="*/ 0 w 2942124"/>
+              <a:gd name="connsiteY9" fmla="*/ 2982145 h 2982145"/>
+              <a:gd name="connsiteX0" fmla="*/ 1724789 w 2931154"/>
+              <a:gd name="connsiteY0" fmla="*/ 0 h 2982145"/>
+              <a:gd name="connsiteX1" fmla="*/ 2236065 w 2931154"/>
+              <a:gd name="connsiteY1" fmla="*/ 0 h 2982145"/>
+              <a:gd name="connsiteX2" fmla="*/ 772907 w 2931154"/>
+              <a:gd name="connsiteY2" fmla="*/ 2529788 h 2982145"/>
+              <a:gd name="connsiteX3" fmla="*/ 2673026 w 2931154"/>
+              <a:gd name="connsiteY3" fmla="*/ 2529788 h 2982145"/>
+              <a:gd name="connsiteX4" fmla="*/ 2931154 w 2931154"/>
+              <a:gd name="connsiteY4" fmla="*/ 2982096 h 2982145"/>
+              <a:gd name="connsiteX5" fmla="*/ 773835 w 2931154"/>
+              <a:gd name="connsiteY5" fmla="*/ 2982145 h 2982145"/>
+              <a:gd name="connsiteX6" fmla="*/ 541062 w 2931154"/>
+              <a:gd name="connsiteY6" fmla="*/ 2982145 h 2982145"/>
+              <a:gd name="connsiteX7" fmla="*/ 511276 w 2931154"/>
+              <a:gd name="connsiteY7" fmla="*/ 2982145 h 2982145"/>
+              <a:gd name="connsiteX8" fmla="*/ 348164 w 2931154"/>
+              <a:gd name="connsiteY8" fmla="*/ 2982145 h 2982145"/>
+              <a:gd name="connsiteX9" fmla="*/ 0 w 2931154"/>
+              <a:gd name="connsiteY9" fmla="*/ 2982145 h 2982145"/>
+              <a:gd name="connsiteX10" fmla="*/ 1724789 w 2931154"/>
+              <a:gd name="connsiteY10" fmla="*/ 0 h 2982145"/>
+              <a:gd name="connsiteX0" fmla="*/ 1724789 w 2931154"/>
+              <a:gd name="connsiteY0" fmla="*/ 0 h 2982145"/>
+              <a:gd name="connsiteX1" fmla="*/ 2236065 w 2931154"/>
+              <a:gd name="connsiteY1" fmla="*/ 0 h 2982145"/>
+              <a:gd name="connsiteX2" fmla="*/ 772907 w 2931154"/>
+              <a:gd name="connsiteY2" fmla="*/ 2529788 h 2982145"/>
+              <a:gd name="connsiteX3" fmla="*/ 2665093 w 2931154"/>
+              <a:gd name="connsiteY3" fmla="*/ 2529922 h 2982145"/>
+              <a:gd name="connsiteX4" fmla="*/ 2931154 w 2931154"/>
+              <a:gd name="connsiteY4" fmla="*/ 2982096 h 2982145"/>
+              <a:gd name="connsiteX5" fmla="*/ 773835 w 2931154"/>
+              <a:gd name="connsiteY5" fmla="*/ 2982145 h 2982145"/>
+              <a:gd name="connsiteX6" fmla="*/ 541062 w 2931154"/>
+              <a:gd name="connsiteY6" fmla="*/ 2982145 h 2982145"/>
+              <a:gd name="connsiteX7" fmla="*/ 511276 w 2931154"/>
+              <a:gd name="connsiteY7" fmla="*/ 2982145 h 2982145"/>
+              <a:gd name="connsiteX8" fmla="*/ 348164 w 2931154"/>
+              <a:gd name="connsiteY8" fmla="*/ 2982145 h 2982145"/>
+              <a:gd name="connsiteX9" fmla="*/ 0 w 2931154"/>
+              <a:gd name="connsiteY9" fmla="*/ 2982145 h 2982145"/>
+              <a:gd name="connsiteX10" fmla="*/ 1724789 w 2931154"/>
+              <a:gd name="connsiteY10" fmla="*/ 0 h 2982145"/>
+              <a:gd name="connsiteX0" fmla="*/ 1724789 w 2931154"/>
+              <a:gd name="connsiteY0" fmla="*/ 0 h 2982145"/>
+              <a:gd name="connsiteX1" fmla="*/ 2236065 w 2931154"/>
+              <a:gd name="connsiteY1" fmla="*/ 0 h 2982145"/>
+              <a:gd name="connsiteX2" fmla="*/ 772907 w 2931154"/>
+              <a:gd name="connsiteY2" fmla="*/ 2529788 h 2982145"/>
+              <a:gd name="connsiteX3" fmla="*/ 2660379 w 2931154"/>
+              <a:gd name="connsiteY3" fmla="*/ 2527200 h 2982145"/>
+              <a:gd name="connsiteX4" fmla="*/ 2931154 w 2931154"/>
+              <a:gd name="connsiteY4" fmla="*/ 2982096 h 2982145"/>
+              <a:gd name="connsiteX5" fmla="*/ 773835 w 2931154"/>
+              <a:gd name="connsiteY5" fmla="*/ 2982145 h 2982145"/>
+              <a:gd name="connsiteX6" fmla="*/ 541062 w 2931154"/>
+              <a:gd name="connsiteY6" fmla="*/ 2982145 h 2982145"/>
+              <a:gd name="connsiteX7" fmla="*/ 511276 w 2931154"/>
+              <a:gd name="connsiteY7" fmla="*/ 2982145 h 2982145"/>
+              <a:gd name="connsiteX8" fmla="*/ 348164 w 2931154"/>
+              <a:gd name="connsiteY8" fmla="*/ 2982145 h 2982145"/>
+              <a:gd name="connsiteX9" fmla="*/ 0 w 2931154"/>
+              <a:gd name="connsiteY9" fmla="*/ 2982145 h 2982145"/>
+              <a:gd name="connsiteX10" fmla="*/ 1724789 w 2931154"/>
+              <a:gd name="connsiteY10" fmla="*/ 0 h 2982145"/>
+              <a:gd name="connsiteX0" fmla="*/ 1724789 w 2903139"/>
+              <a:gd name="connsiteY0" fmla="*/ 0 h 2982145"/>
+              <a:gd name="connsiteX1" fmla="*/ 2236065 w 2903139"/>
+              <a:gd name="connsiteY1" fmla="*/ 0 h 2982145"/>
+              <a:gd name="connsiteX2" fmla="*/ 772907 w 2903139"/>
+              <a:gd name="connsiteY2" fmla="*/ 2529788 h 2982145"/>
+              <a:gd name="connsiteX3" fmla="*/ 2660379 w 2903139"/>
+              <a:gd name="connsiteY3" fmla="*/ 2527200 h 2982145"/>
+              <a:gd name="connsiteX4" fmla="*/ 2903139 w 2903139"/>
+              <a:gd name="connsiteY4" fmla="*/ 2981634 h 2982145"/>
+              <a:gd name="connsiteX5" fmla="*/ 773835 w 2903139"/>
+              <a:gd name="connsiteY5" fmla="*/ 2982145 h 2982145"/>
+              <a:gd name="connsiteX6" fmla="*/ 541062 w 2903139"/>
+              <a:gd name="connsiteY6" fmla="*/ 2982145 h 2982145"/>
+              <a:gd name="connsiteX7" fmla="*/ 511276 w 2903139"/>
+              <a:gd name="connsiteY7" fmla="*/ 2982145 h 2982145"/>
+              <a:gd name="connsiteX8" fmla="*/ 348164 w 2903139"/>
+              <a:gd name="connsiteY8" fmla="*/ 2982145 h 2982145"/>
+              <a:gd name="connsiteX9" fmla="*/ 0 w 2903139"/>
+              <a:gd name="connsiteY9" fmla="*/ 2982145 h 2982145"/>
+              <a:gd name="connsiteX10" fmla="*/ 1724789 w 2903139"/>
+              <a:gd name="connsiteY10" fmla="*/ 0 h 2982145"/>
+              <a:gd name="connsiteX0" fmla="*/ 1724789 w 2925577"/>
+              <a:gd name="connsiteY0" fmla="*/ 0 h 2983590"/>
+              <a:gd name="connsiteX1" fmla="*/ 2236065 w 2925577"/>
+              <a:gd name="connsiteY1" fmla="*/ 0 h 2983590"/>
+              <a:gd name="connsiteX2" fmla="*/ 772907 w 2925577"/>
+              <a:gd name="connsiteY2" fmla="*/ 2529788 h 2983590"/>
+              <a:gd name="connsiteX3" fmla="*/ 2660379 w 2925577"/>
+              <a:gd name="connsiteY3" fmla="*/ 2527200 h 2983590"/>
+              <a:gd name="connsiteX4" fmla="*/ 2925577 w 2925577"/>
+              <a:gd name="connsiteY4" fmla="*/ 2983590 h 2983590"/>
+              <a:gd name="connsiteX5" fmla="*/ 773835 w 2925577"/>
+              <a:gd name="connsiteY5" fmla="*/ 2982145 h 2983590"/>
+              <a:gd name="connsiteX6" fmla="*/ 541062 w 2925577"/>
+              <a:gd name="connsiteY6" fmla="*/ 2982145 h 2983590"/>
+              <a:gd name="connsiteX7" fmla="*/ 511276 w 2925577"/>
+              <a:gd name="connsiteY7" fmla="*/ 2982145 h 2983590"/>
+              <a:gd name="connsiteX8" fmla="*/ 348164 w 2925577"/>
+              <a:gd name="connsiteY8" fmla="*/ 2982145 h 2983590"/>
+              <a:gd name="connsiteX9" fmla="*/ 0 w 2925577"/>
+              <a:gd name="connsiteY9" fmla="*/ 2982145 h 2983590"/>
+              <a:gd name="connsiteX10" fmla="*/ 1724789 w 2925577"/>
+              <a:gd name="connsiteY10" fmla="*/ 0 h 2983590"/>
+            </a:gdLst>
+            <a:ahLst/>
+            <a:cxnLst>
+              <a:cxn ang="0">
+                <a:pos x="connsiteX0" y="connsiteY0"/>
+              </a:cxn>
+              <a:cxn ang="0">
+                <a:pos x="connsiteX1" y="connsiteY1"/>
+              </a:cxn>
+              <a:cxn ang="0">
+                <a:pos x="connsiteX2" y="connsiteY2"/>
+              </a:cxn>
+              <a:cxn ang="0">
+                <a:pos x="connsiteX3" y="connsiteY3"/>
+              </a:cxn>
+              <a:cxn ang="0">
+                <a:pos x="connsiteX4" y="connsiteY4"/>
+              </a:cxn>
+              <a:cxn ang="0">
+                <a:pos x="connsiteX5" y="connsiteY5"/>
+              </a:cxn>
+              <a:cxn ang="0">
+                <a:pos x="connsiteX6" y="connsiteY6"/>
+              </a:cxn>
+              <a:cxn ang="0">
+                <a:pos x="connsiteX7" y="connsiteY7"/>
+              </a:cxn>
+              <a:cxn ang="0">
+                <a:pos x="connsiteX8" y="connsiteY8"/>
+              </a:cxn>
+              <a:cxn ang="0">
+                <a:pos x="connsiteX9" y="connsiteY9"/>
+              </a:cxn>
+              <a:cxn ang="0">
+                <a:pos x="connsiteX10" y="connsiteY10"/>
+              </a:cxn>
+            </a:cxnLst>
+            <a:rect l="l" t="t" r="r" b="b"/>
+            <a:pathLst>
+              <a:path w="2925577" h="2983590">
+                <a:moveTo>
+                  <a:pt x="1724789" y="0"/>
+                </a:moveTo>
+                <a:lnTo>
+                  <a:pt x="2236065" y="0"/>
+                </a:lnTo>
+                <a:lnTo>
+                  <a:pt x="772907" y="2529788"/>
+                </a:lnTo>
+                <a:lnTo>
+                  <a:pt x="2660379" y="2527200"/>
+                </a:lnTo>
+                <a:lnTo>
+                  <a:pt x="2925577" y="2983590"/>
+                </a:lnTo>
+                <a:lnTo>
+                  <a:pt x="773835" y="2982145"/>
+                </a:lnTo>
+                <a:lnTo>
+                  <a:pt x="541062" y="2982145"/>
+                </a:lnTo>
+                <a:lnTo>
+                  <a:pt x="511276" y="2982145"/>
+                </a:lnTo>
+                <a:lnTo>
+                  <a:pt x="348164" y="2982145"/>
+                </a:lnTo>
+                <a:lnTo>
+                  <a:pt x="0" y="2982145"/>
+                </a:lnTo>
+                <a:lnTo>
+                  <a:pt x="1724789" y="0"/>
+                </a:lnTo>
+                <a:close/>
+              </a:path>
+            </a:pathLst>
+          </a:custGeom>
+          <a:solidFill>
+            <a:srgbClr val="203864"/>
+          </a:solidFill>
+          <a:ln w="12700" cap="rnd">
+            <a:solidFill>
+              <a:srgbClr val="203864"/>
+            </a:solidFill>
+            <a:round/>
+          </a:ln>
+        </p:spPr>
+        <p:style>
+          <a:lnRef idx="2">
+            <a:schemeClr val="accent1">
+              <a:shade val="15000"/>
+            </a:schemeClr>
+          </a:lnRef>
+          <a:fillRef idx="1">
+            <a:schemeClr val="accent1"/>
+          </a:fillRef>
+          <a:effectRef idx="0">
+            <a:schemeClr val="accent1"/>
+          </a:effectRef>
+          <a:fontRef idx="minor">
+            <a:schemeClr val="lt1"/>
+          </a:fontRef>
+        </p:style>
+        <p:txBody>
+          <a:bodyPr wrap="square" rtlCol="0" anchor="ctr">
+            <a:noAutofit/>
+          </a:bodyPr>
+          <a:lstStyle/>
+          <a:p>
+            <a:pPr algn="ctr"/>
+            <a:endParaRPr lang="zh-CN" altLang="en-US" dirty="0"/>
+          </a:p>
+        </p:txBody>
+      </p:sp>
+    </p:spTree>
+    <p:extLst>
+      <p:ext uri="{BB962C8B-B14F-4D97-AF65-F5344CB8AC3E}">
+        <p14:creationId xmlns:p14="http://schemas.microsoft.com/office/powerpoint/2010/main" val="497147109"/>
+      </p:ext>
+    </p:extLst>
+  </p:cSld>
+  <p:clrMapOvr>
+    <a:masterClrMapping/>
+  </p:clrMapOvr>
+</p:sld>
+</file>
+
+<file path=ppt/slides/slide12.xml><?xml version="1.0" encoding="utf-8"?>
+<p:sld xmlns:a="http://schemas.openxmlformats.org/drawingml/2006/main" xmlns:r="http://schemas.openxmlformats.org/officeDocument/2006/relationships" xmlns:p="http://schemas.openxmlformats.org/presentationml/2006/main">
+  <p:cSld>
     <p:spTree>
       <p:nvGrpSpPr>
         <p:cNvPr id="1" name=""/>
@@ -4827,7 +5428,7 @@
 </p:sld>
 </file>
 
-<file path=ppt/slides/slide12.xml><?xml version="1.0" encoding="utf-8"?>
+<file path=ppt/slides/slide13.xml><?xml version="1.0" encoding="utf-8"?>
 <p:sld xmlns:a="http://schemas.openxmlformats.org/drawingml/2006/main" xmlns:r="http://schemas.openxmlformats.org/officeDocument/2006/relationships" xmlns:p="http://schemas.openxmlformats.org/presentationml/2006/main">
   <p:cSld>
     <p:spTree>
@@ -5303,7 +5904,7 @@
 </p:sld>
 </file>
 
-<file path=ppt/slides/slide13.xml><?xml version="1.0" encoding="utf-8"?>
+<file path=ppt/slides/slide14.xml><?xml version="1.0" encoding="utf-8"?>
 <p:sld xmlns:a="http://schemas.openxmlformats.org/drawingml/2006/main" xmlns:r="http://schemas.openxmlformats.org/officeDocument/2006/relationships" xmlns:p="http://schemas.openxmlformats.org/presentationml/2006/main">
   <p:cSld>
     <p:spTree>
